--- a/2/visualization_makeover_2.pptx
+++ b/2/visualization_makeover_2.pptx
@@ -104,6 +104,11 @@
       </a:defRPr>
     </a:lvl9pPr>
   </p:defaultTextStyle>
+  <p:extLst>
+    <p:ext uri="{EFAFB233-063F-42B5-8137-9DF3F51BA10A}">
+      <p15:sldGuideLst xmlns:p15="http://schemas.microsoft.com/office/powerpoint/2012/main"/>
+    </p:ext>
+  </p:extLst>
 </p:presentation>
 </file>
 
@@ -3336,7 +3341,7 @@
         <p:spPr>
           <a:xfrm>
             <a:off x="394375" y="290773"/>
-            <a:ext cx="9695775" cy="550332"/>
+            <a:ext cx="11521400" cy="550332"/>
           </a:xfrm>
           <a:prstGeom prst="roundRect">
             <a:avLst/>
@@ -7148,7 +7153,15 @@
           <a:p>
             <a:r>
               <a:rPr lang="en-US" sz="1400" dirty="0"/>
-              <a:t>Despite this decrease, the popularity of independent craft, brewing is on the rise in the United States. </a:t>
+              <a:t>Despite this decrease, the popularity of independent</a:t>
+            </a:r>
+            <a:r>
+              <a:rPr lang="en-US" sz="1400"/>
+              <a:t>, craft </a:t>
+            </a:r>
+            <a:r>
+              <a:rPr lang="en-US" sz="1400" dirty="0"/>
+              <a:t>brewing is on the rise in the United States. </a:t>
             </a:r>
           </a:p>
         </p:txBody>

--- a/2/visualization_makeover_2.pptx
+++ b/2/visualization_makeover_2.pptx
@@ -259,7 +259,7 @@
           <a:p>
             <a:fld id="{B55AE5CB-8088-4DF0-8B48-F1E042B77988}" type="datetimeFigureOut">
               <a:rPr lang="en-US" smtClean="0"/>
-              <a:t>3/30/2022</a:t>
+              <a:t>4/2/2022</a:t>
             </a:fld>
             <a:endParaRPr lang="en-US"/>
           </a:p>
@@ -457,7 +457,7 @@
           <a:p>
             <a:fld id="{B55AE5CB-8088-4DF0-8B48-F1E042B77988}" type="datetimeFigureOut">
               <a:rPr lang="en-US" smtClean="0"/>
-              <a:t>3/30/2022</a:t>
+              <a:t>4/2/2022</a:t>
             </a:fld>
             <a:endParaRPr lang="en-US"/>
           </a:p>
@@ -665,7 +665,7 @@
           <a:p>
             <a:fld id="{B55AE5CB-8088-4DF0-8B48-F1E042B77988}" type="datetimeFigureOut">
               <a:rPr lang="en-US" smtClean="0"/>
-              <a:t>3/30/2022</a:t>
+              <a:t>4/2/2022</a:t>
             </a:fld>
             <a:endParaRPr lang="en-US"/>
           </a:p>
@@ -863,7 +863,7 @@
           <a:p>
             <a:fld id="{B55AE5CB-8088-4DF0-8B48-F1E042B77988}" type="datetimeFigureOut">
               <a:rPr lang="en-US" smtClean="0"/>
-              <a:t>3/30/2022</a:t>
+              <a:t>4/2/2022</a:t>
             </a:fld>
             <a:endParaRPr lang="en-US"/>
           </a:p>
@@ -1138,7 +1138,7 @@
           <a:p>
             <a:fld id="{B55AE5CB-8088-4DF0-8B48-F1E042B77988}" type="datetimeFigureOut">
               <a:rPr lang="en-US" smtClean="0"/>
-              <a:t>3/30/2022</a:t>
+              <a:t>4/2/2022</a:t>
             </a:fld>
             <a:endParaRPr lang="en-US"/>
           </a:p>
@@ -1403,7 +1403,7 @@
           <a:p>
             <a:fld id="{B55AE5CB-8088-4DF0-8B48-F1E042B77988}" type="datetimeFigureOut">
               <a:rPr lang="en-US" smtClean="0"/>
-              <a:t>3/30/2022</a:t>
+              <a:t>4/2/2022</a:t>
             </a:fld>
             <a:endParaRPr lang="en-US"/>
           </a:p>
@@ -1815,7 +1815,7 @@
           <a:p>
             <a:fld id="{B55AE5CB-8088-4DF0-8B48-F1E042B77988}" type="datetimeFigureOut">
               <a:rPr lang="en-US" smtClean="0"/>
-              <a:t>3/30/2022</a:t>
+              <a:t>4/2/2022</a:t>
             </a:fld>
             <a:endParaRPr lang="en-US"/>
           </a:p>
@@ -1956,7 +1956,7 @@
           <a:p>
             <a:fld id="{B55AE5CB-8088-4DF0-8B48-F1E042B77988}" type="datetimeFigureOut">
               <a:rPr lang="en-US" smtClean="0"/>
-              <a:t>3/30/2022</a:t>
+              <a:t>4/2/2022</a:t>
             </a:fld>
             <a:endParaRPr lang="en-US"/>
           </a:p>
@@ -2069,7 +2069,7 @@
           <a:p>
             <a:fld id="{B55AE5CB-8088-4DF0-8B48-F1E042B77988}" type="datetimeFigureOut">
               <a:rPr lang="en-US" smtClean="0"/>
-              <a:t>3/30/2022</a:t>
+              <a:t>4/2/2022</a:t>
             </a:fld>
             <a:endParaRPr lang="en-US"/>
           </a:p>
@@ -2380,7 +2380,7 @@
           <a:p>
             <a:fld id="{B55AE5CB-8088-4DF0-8B48-F1E042B77988}" type="datetimeFigureOut">
               <a:rPr lang="en-US" smtClean="0"/>
-              <a:t>3/30/2022</a:t>
+              <a:t>4/2/2022</a:t>
             </a:fld>
             <a:endParaRPr lang="en-US"/>
           </a:p>
@@ -2668,7 +2668,7 @@
           <a:p>
             <a:fld id="{B55AE5CB-8088-4DF0-8B48-F1E042B77988}" type="datetimeFigureOut">
               <a:rPr lang="en-US" smtClean="0"/>
-              <a:t>3/30/2022</a:t>
+              <a:t>4/2/2022</a:t>
             </a:fld>
             <a:endParaRPr lang="en-US"/>
           </a:p>
@@ -2909,7 +2909,7 @@
           <a:p>
             <a:fld id="{B55AE5CB-8088-4DF0-8B48-F1E042B77988}" type="datetimeFigureOut">
               <a:rPr lang="en-US" smtClean="0"/>
-              <a:t>3/30/2022</a:t>
+              <a:t>4/2/2022</a:t>
             </a:fld>
             <a:endParaRPr lang="en-US"/>
           </a:p>
@@ -3433,2358 +3433,2337 @@
           </a:p>
         </p:txBody>
       </p:sp>
-      <p:grpSp>
-        <p:nvGrpSpPr>
-          <p:cNvPr id="159" name="Group 158">
-            <a:extLst>
-              <a:ext uri="{FF2B5EF4-FFF2-40B4-BE49-F238E27FC236}">
-                <a16:creationId xmlns:a16="http://schemas.microsoft.com/office/drawing/2014/main" id="{62CEB038-76CF-4271-8BD3-829214D42C12}"/>
-              </a:ext>
-            </a:extLst>
-          </p:cNvPr>
-          <p:cNvGrpSpPr/>
+      <p:sp>
+        <p:nvSpPr>
+          <p:cNvPr id="50" name="TextBox 49">
+            <a:extLst>
+              <a:ext uri="{FF2B5EF4-FFF2-40B4-BE49-F238E27FC236}">
+                <a16:creationId xmlns:a16="http://schemas.microsoft.com/office/drawing/2014/main" id="{1E13A0E5-E3AA-42BC-B433-F7D346AEC111}"/>
+              </a:ext>
+            </a:extLst>
+          </p:cNvPr>
+          <p:cNvSpPr txBox="1"/>
           <p:nvPr/>
-        </p:nvGrpSpPr>
-        <p:grpSpPr>
-          <a:xfrm>
-            <a:off x="596574" y="1729047"/>
-            <a:ext cx="4329190" cy="4838179"/>
-            <a:chOff x="1674603" y="1630779"/>
-            <a:chExt cx="4329191" cy="4838179"/>
-          </a:xfrm>
-        </p:grpSpPr>
-        <p:sp>
-          <p:nvSpPr>
-            <p:cNvPr id="50" name="TextBox 49">
-              <a:extLst>
-                <a:ext uri="{FF2B5EF4-FFF2-40B4-BE49-F238E27FC236}">
-                  <a16:creationId xmlns:a16="http://schemas.microsoft.com/office/drawing/2014/main" id="{1E13A0E5-E3AA-42BC-B433-F7D346AEC111}"/>
-                </a:ext>
-              </a:extLst>
-            </p:cNvPr>
-            <p:cNvSpPr txBox="1"/>
-            <p:nvPr/>
-          </p:nvSpPr>
-          <p:spPr>
-            <a:xfrm>
-              <a:off x="2308418" y="1859430"/>
-              <a:ext cx="483394" cy="261610"/>
-            </a:xfrm>
-            <a:prstGeom prst="rect">
-              <a:avLst/>
-            </a:prstGeom>
-            <a:noFill/>
-          </p:spPr>
-          <p:txBody>
-            <a:bodyPr wrap="square" rtlCol="0">
-              <a:spAutoFit/>
-            </a:bodyPr>
-            <a:lstStyle/>
-            <a:p>
-              <a:r>
-                <a:rPr lang="en-US" sz="1100" b="1" dirty="0"/>
-                <a:t>1960</a:t>
-              </a:r>
-            </a:p>
-          </p:txBody>
-        </p:sp>
-        <p:cxnSp>
-          <p:nvCxnSpPr>
-            <p:cNvPr id="52" name="Straight Connector 51">
-              <a:extLst>
-                <a:ext uri="{FF2B5EF4-FFF2-40B4-BE49-F238E27FC236}">
-                  <a16:creationId xmlns:a16="http://schemas.microsoft.com/office/drawing/2014/main" id="{8D6DA994-D8F5-4DDF-9C02-7D7B5D4766F7}"/>
-                </a:ext>
-              </a:extLst>
-            </p:cNvPr>
-            <p:cNvCxnSpPr>
-              <a:cxnSpLocks/>
-            </p:cNvCxnSpPr>
-            <p:nvPr/>
-          </p:nvCxnSpPr>
-          <p:spPr>
-            <a:xfrm>
-              <a:off x="2537354" y="2136505"/>
-              <a:ext cx="0" cy="237915"/>
-            </a:xfrm>
-            <a:prstGeom prst="line">
-              <a:avLst/>
-            </a:prstGeom>
-            <a:ln w="12700">
-              <a:solidFill>
-                <a:srgbClr val="000000">
-                  <a:alpha val="30196"/>
-                </a:srgbClr>
-              </a:solidFill>
-            </a:ln>
-          </p:spPr>
-          <p:style>
-            <a:lnRef idx="1">
-              <a:schemeClr val="accent1"/>
-            </a:lnRef>
-            <a:fillRef idx="0">
-              <a:schemeClr val="accent1"/>
-            </a:fillRef>
-            <a:effectRef idx="0">
-              <a:schemeClr val="accent1"/>
-            </a:effectRef>
-            <a:fontRef idx="minor">
-              <a:schemeClr val="tx1"/>
-            </a:fontRef>
-          </p:style>
-        </p:cxnSp>
-        <p:cxnSp>
-          <p:nvCxnSpPr>
-            <p:cNvPr id="54" name="Straight Connector 53">
-              <a:extLst>
-                <a:ext uri="{FF2B5EF4-FFF2-40B4-BE49-F238E27FC236}">
-                  <a16:creationId xmlns:a16="http://schemas.microsoft.com/office/drawing/2014/main" id="{720BA8D9-EC8B-4BDA-A1C3-0C94FCD883F0}"/>
-                </a:ext>
-              </a:extLst>
-            </p:cNvPr>
-            <p:cNvCxnSpPr>
-              <a:cxnSpLocks/>
-            </p:cNvCxnSpPr>
-            <p:nvPr/>
-          </p:nvCxnSpPr>
-          <p:spPr>
-            <a:xfrm>
-              <a:off x="2931054" y="1918489"/>
-              <a:ext cx="0" cy="455931"/>
-            </a:xfrm>
-            <a:prstGeom prst="line">
-              <a:avLst/>
-            </a:prstGeom>
-            <a:ln w="12700">
-              <a:solidFill>
-                <a:srgbClr val="000000">
-                  <a:alpha val="30196"/>
-                </a:srgbClr>
-              </a:solidFill>
-            </a:ln>
-          </p:spPr>
-          <p:style>
-            <a:lnRef idx="1">
-              <a:schemeClr val="accent1"/>
-            </a:lnRef>
-            <a:fillRef idx="0">
-              <a:schemeClr val="accent1"/>
-            </a:fillRef>
-            <a:effectRef idx="0">
-              <a:schemeClr val="accent1"/>
-            </a:effectRef>
-            <a:fontRef idx="minor">
-              <a:schemeClr val="tx1"/>
-            </a:fontRef>
-          </p:style>
-        </p:cxnSp>
-        <p:cxnSp>
-          <p:nvCxnSpPr>
-            <p:cNvPr id="55" name="Straight Connector 54">
-              <a:extLst>
-                <a:ext uri="{FF2B5EF4-FFF2-40B4-BE49-F238E27FC236}">
-                  <a16:creationId xmlns:a16="http://schemas.microsoft.com/office/drawing/2014/main" id="{62624441-7BD7-4CE7-8BE1-710BF5DA7500}"/>
-                </a:ext>
-              </a:extLst>
-            </p:cNvPr>
-            <p:cNvCxnSpPr>
-              <a:cxnSpLocks/>
-            </p:cNvCxnSpPr>
-            <p:nvPr/>
-          </p:nvCxnSpPr>
-          <p:spPr>
-            <a:xfrm>
-              <a:off x="3327929" y="2121038"/>
-              <a:ext cx="0" cy="253381"/>
-            </a:xfrm>
-            <a:prstGeom prst="line">
-              <a:avLst/>
-            </a:prstGeom>
-            <a:ln w="12700">
-              <a:solidFill>
-                <a:srgbClr val="000000">
-                  <a:alpha val="30196"/>
-                </a:srgbClr>
-              </a:solidFill>
-            </a:ln>
-          </p:spPr>
-          <p:style>
-            <a:lnRef idx="1">
-              <a:schemeClr val="accent1"/>
-            </a:lnRef>
-            <a:fillRef idx="0">
-              <a:schemeClr val="accent1"/>
-            </a:fillRef>
-            <a:effectRef idx="0">
-              <a:schemeClr val="accent1"/>
-            </a:effectRef>
-            <a:fontRef idx="minor">
-              <a:schemeClr val="tx1"/>
-            </a:fontRef>
-          </p:style>
-        </p:cxnSp>
-        <p:cxnSp>
-          <p:nvCxnSpPr>
-            <p:cNvPr id="58" name="Straight Connector 57">
-              <a:extLst>
-                <a:ext uri="{FF2B5EF4-FFF2-40B4-BE49-F238E27FC236}">
-                  <a16:creationId xmlns:a16="http://schemas.microsoft.com/office/drawing/2014/main" id="{EDFB9014-F28C-455C-812A-398248DB538C}"/>
-                </a:ext>
-              </a:extLst>
-            </p:cNvPr>
-            <p:cNvCxnSpPr>
-              <a:cxnSpLocks/>
-            </p:cNvCxnSpPr>
-            <p:nvPr/>
-          </p:nvCxnSpPr>
-          <p:spPr>
-            <a:xfrm>
-              <a:off x="4505321" y="1918490"/>
-              <a:ext cx="0" cy="455931"/>
-            </a:xfrm>
-            <a:prstGeom prst="line">
-              <a:avLst/>
-            </a:prstGeom>
-            <a:ln w="12700">
-              <a:solidFill>
-                <a:srgbClr val="000000">
-                  <a:alpha val="30196"/>
-                </a:srgbClr>
-              </a:solidFill>
-            </a:ln>
-          </p:spPr>
-          <p:style>
-            <a:lnRef idx="1">
-              <a:schemeClr val="accent1"/>
-            </a:lnRef>
-            <a:fillRef idx="0">
-              <a:schemeClr val="accent1"/>
-            </a:fillRef>
-            <a:effectRef idx="0">
-              <a:schemeClr val="accent1"/>
-            </a:effectRef>
-            <a:fontRef idx="minor">
-              <a:schemeClr val="tx1"/>
-            </a:fontRef>
-          </p:style>
-        </p:cxnSp>
-        <p:sp>
-          <p:nvSpPr>
-            <p:cNvPr id="60" name="TextBox 59">
-              <a:extLst>
-                <a:ext uri="{FF2B5EF4-FFF2-40B4-BE49-F238E27FC236}">
-                  <a16:creationId xmlns:a16="http://schemas.microsoft.com/office/drawing/2014/main" id="{E2D4A437-DE23-4E95-A3BA-CF9BDA3584E2}"/>
-                </a:ext>
-              </a:extLst>
-            </p:cNvPr>
-            <p:cNvSpPr txBox="1"/>
-            <p:nvPr/>
-          </p:nvSpPr>
-          <p:spPr>
-            <a:xfrm>
-              <a:off x="2698486" y="1630779"/>
-              <a:ext cx="483394" cy="261610"/>
-            </a:xfrm>
-            <a:prstGeom prst="rect">
-              <a:avLst/>
-            </a:prstGeom>
-            <a:noFill/>
-          </p:spPr>
-          <p:txBody>
-            <a:bodyPr wrap="square" rtlCol="0">
-              <a:spAutoFit/>
-            </a:bodyPr>
-            <a:lstStyle/>
-            <a:p>
-              <a:r>
-                <a:rPr lang="en-US" sz="1100" b="1" dirty="0"/>
-                <a:t>1970</a:t>
-              </a:r>
-            </a:p>
-          </p:txBody>
-        </p:sp>
-        <p:sp>
-          <p:nvSpPr>
-            <p:cNvPr id="62" name="TextBox 61">
-              <a:extLst>
-                <a:ext uri="{FF2B5EF4-FFF2-40B4-BE49-F238E27FC236}">
-                  <a16:creationId xmlns:a16="http://schemas.microsoft.com/office/drawing/2014/main" id="{205C56CB-7464-432D-8C4A-36721AB8CDF8}"/>
-                </a:ext>
-              </a:extLst>
-            </p:cNvPr>
-            <p:cNvSpPr txBox="1"/>
-            <p:nvPr/>
-          </p:nvSpPr>
-          <p:spPr>
-            <a:xfrm>
-              <a:off x="3099328" y="1859430"/>
-              <a:ext cx="483394" cy="261610"/>
-            </a:xfrm>
-            <a:prstGeom prst="rect">
-              <a:avLst/>
-            </a:prstGeom>
-            <a:noFill/>
-          </p:spPr>
-          <p:txBody>
-            <a:bodyPr wrap="square" rtlCol="0">
-              <a:spAutoFit/>
-            </a:bodyPr>
-            <a:lstStyle/>
-            <a:p>
-              <a:r>
-                <a:rPr lang="en-US" sz="1100" b="1" dirty="0"/>
-                <a:t>1980</a:t>
-              </a:r>
-            </a:p>
-          </p:txBody>
-        </p:sp>
-        <p:sp>
-          <p:nvSpPr>
-            <p:cNvPr id="63" name="TextBox 62">
-              <a:extLst>
-                <a:ext uri="{FF2B5EF4-FFF2-40B4-BE49-F238E27FC236}">
-                  <a16:creationId xmlns:a16="http://schemas.microsoft.com/office/drawing/2014/main" id="{BF37D397-885F-4658-8D90-A1D90ACFFB7A}"/>
-                </a:ext>
-              </a:extLst>
-            </p:cNvPr>
-            <p:cNvSpPr txBox="1"/>
-            <p:nvPr/>
-          </p:nvSpPr>
-          <p:spPr>
-            <a:xfrm>
-              <a:off x="3885936" y="1859430"/>
-              <a:ext cx="483394" cy="261610"/>
-            </a:xfrm>
-            <a:prstGeom prst="rect">
-              <a:avLst/>
-            </a:prstGeom>
-            <a:noFill/>
-          </p:spPr>
-          <p:txBody>
-            <a:bodyPr wrap="square" rtlCol="0">
-              <a:spAutoFit/>
-            </a:bodyPr>
-            <a:lstStyle/>
-            <a:p>
-              <a:r>
-                <a:rPr lang="en-US" sz="1100" b="1" dirty="0"/>
-                <a:t>2000</a:t>
-              </a:r>
-            </a:p>
-          </p:txBody>
-        </p:sp>
-        <p:sp>
-          <p:nvSpPr>
-            <p:cNvPr id="64" name="TextBox 63">
-              <a:extLst>
-                <a:ext uri="{FF2B5EF4-FFF2-40B4-BE49-F238E27FC236}">
-                  <a16:creationId xmlns:a16="http://schemas.microsoft.com/office/drawing/2014/main" id="{10967355-BFAC-409B-8E56-CB63D43F5BEE}"/>
-                </a:ext>
-              </a:extLst>
-            </p:cNvPr>
-            <p:cNvSpPr txBox="1"/>
-            <p:nvPr/>
-          </p:nvSpPr>
-          <p:spPr>
-            <a:xfrm>
-              <a:off x="4671750" y="1859430"/>
-              <a:ext cx="483394" cy="261610"/>
-            </a:xfrm>
-            <a:prstGeom prst="rect">
-              <a:avLst/>
-            </a:prstGeom>
-            <a:noFill/>
-          </p:spPr>
-          <p:txBody>
-            <a:bodyPr wrap="square" rtlCol="0">
-              <a:spAutoFit/>
-            </a:bodyPr>
-            <a:lstStyle/>
-            <a:p>
-              <a:r>
-                <a:rPr lang="en-US" sz="1100" b="1" dirty="0"/>
-                <a:t>2020</a:t>
-              </a:r>
-            </a:p>
-          </p:txBody>
-        </p:sp>
-        <p:sp>
-          <p:nvSpPr>
-            <p:cNvPr id="69" name="TextBox 68">
-              <a:extLst>
-                <a:ext uri="{FF2B5EF4-FFF2-40B4-BE49-F238E27FC236}">
-                  <a16:creationId xmlns:a16="http://schemas.microsoft.com/office/drawing/2014/main" id="{61A28B46-83DA-48C8-9170-E757E0E77100}"/>
-                </a:ext>
-              </a:extLst>
-            </p:cNvPr>
-            <p:cNvSpPr txBox="1"/>
-            <p:nvPr/>
-          </p:nvSpPr>
-          <p:spPr>
-            <a:xfrm>
-              <a:off x="3492237" y="1630779"/>
-              <a:ext cx="483394" cy="261610"/>
-            </a:xfrm>
-            <a:prstGeom prst="rect">
-              <a:avLst/>
-            </a:prstGeom>
-            <a:noFill/>
-          </p:spPr>
-          <p:txBody>
-            <a:bodyPr wrap="square" rtlCol="0">
-              <a:spAutoFit/>
-            </a:bodyPr>
-            <a:lstStyle/>
-            <a:p>
-              <a:r>
-                <a:rPr lang="en-US" sz="1100" b="1" dirty="0"/>
-                <a:t>1990</a:t>
-              </a:r>
-            </a:p>
-          </p:txBody>
-        </p:sp>
-        <p:sp>
-          <p:nvSpPr>
-            <p:cNvPr id="70" name="TextBox 69">
-              <a:extLst>
-                <a:ext uri="{FF2B5EF4-FFF2-40B4-BE49-F238E27FC236}">
-                  <a16:creationId xmlns:a16="http://schemas.microsoft.com/office/drawing/2014/main" id="{9731EBFC-6A40-49B6-9DDC-E34F39465205}"/>
-                </a:ext>
-              </a:extLst>
-            </p:cNvPr>
-            <p:cNvSpPr txBox="1"/>
-            <p:nvPr/>
-          </p:nvSpPr>
-          <p:spPr>
-            <a:xfrm>
-              <a:off x="4275401" y="1630779"/>
-              <a:ext cx="483394" cy="261610"/>
-            </a:xfrm>
-            <a:prstGeom prst="rect">
-              <a:avLst/>
-            </a:prstGeom>
-            <a:noFill/>
-          </p:spPr>
-          <p:txBody>
-            <a:bodyPr wrap="square" rtlCol="0">
-              <a:spAutoFit/>
-            </a:bodyPr>
-            <a:lstStyle/>
-            <a:p>
-              <a:r>
-                <a:rPr lang="en-US" sz="1100" b="1" dirty="0"/>
-                <a:t>2010</a:t>
-              </a:r>
-            </a:p>
-          </p:txBody>
-        </p:sp>
-        <p:cxnSp>
-          <p:nvCxnSpPr>
-            <p:cNvPr id="83" name="Straight Connector 82">
-              <a:extLst>
-                <a:ext uri="{FF2B5EF4-FFF2-40B4-BE49-F238E27FC236}">
-                  <a16:creationId xmlns:a16="http://schemas.microsoft.com/office/drawing/2014/main" id="{12A689A2-3A6E-47EB-93CF-76E3BBEBE5C4}"/>
-                </a:ext>
-              </a:extLst>
-            </p:cNvPr>
-            <p:cNvCxnSpPr>
-              <a:cxnSpLocks/>
-            </p:cNvCxnSpPr>
-            <p:nvPr/>
-          </p:nvCxnSpPr>
-          <p:spPr>
-            <a:xfrm>
-              <a:off x="4113740" y="2121038"/>
-              <a:ext cx="0" cy="253381"/>
-            </a:xfrm>
-            <a:prstGeom prst="line">
-              <a:avLst/>
-            </a:prstGeom>
-            <a:ln w="12700">
-              <a:solidFill>
-                <a:srgbClr val="000000">
-                  <a:alpha val="30196"/>
-                </a:srgbClr>
-              </a:solidFill>
-            </a:ln>
-          </p:spPr>
-          <p:style>
-            <a:lnRef idx="1">
-              <a:schemeClr val="accent1"/>
-            </a:lnRef>
-            <a:fillRef idx="0">
-              <a:schemeClr val="accent1"/>
-            </a:fillRef>
-            <a:effectRef idx="0">
-              <a:schemeClr val="accent1"/>
-            </a:effectRef>
-            <a:fontRef idx="minor">
-              <a:schemeClr val="tx1"/>
-            </a:fontRef>
-          </p:style>
-        </p:cxnSp>
-        <p:cxnSp>
-          <p:nvCxnSpPr>
-            <p:cNvPr id="85" name="Straight Connector 84">
-              <a:extLst>
-                <a:ext uri="{FF2B5EF4-FFF2-40B4-BE49-F238E27FC236}">
-                  <a16:creationId xmlns:a16="http://schemas.microsoft.com/office/drawing/2014/main" id="{35BDDD1F-DEB6-4D1B-A16C-0576C1E0C889}"/>
-                </a:ext>
-              </a:extLst>
-            </p:cNvPr>
-            <p:cNvCxnSpPr>
-              <a:cxnSpLocks/>
-              <a:stCxn id="69" idx="2"/>
-            </p:cNvCxnSpPr>
-            <p:nvPr/>
-          </p:nvCxnSpPr>
-          <p:spPr>
-            <a:xfrm flipH="1">
-              <a:off x="3733933" y="1892389"/>
-              <a:ext cx="1" cy="482031"/>
-            </a:xfrm>
-            <a:prstGeom prst="line">
-              <a:avLst/>
-            </a:prstGeom>
-            <a:ln w="12700">
-              <a:solidFill>
-                <a:srgbClr val="000000">
-                  <a:alpha val="30196"/>
-                </a:srgbClr>
-              </a:solidFill>
-            </a:ln>
-          </p:spPr>
-          <p:style>
-            <a:lnRef idx="1">
-              <a:schemeClr val="accent1"/>
-            </a:lnRef>
-            <a:fillRef idx="0">
-              <a:schemeClr val="accent1"/>
-            </a:fillRef>
-            <a:effectRef idx="0">
-              <a:schemeClr val="accent1"/>
-            </a:effectRef>
-            <a:fontRef idx="minor">
-              <a:schemeClr val="tx1"/>
-            </a:fontRef>
-          </p:style>
-        </p:cxnSp>
-        <p:cxnSp>
-          <p:nvCxnSpPr>
-            <p:cNvPr id="86" name="Straight Connector 85">
-              <a:extLst>
-                <a:ext uri="{FF2B5EF4-FFF2-40B4-BE49-F238E27FC236}">
-                  <a16:creationId xmlns:a16="http://schemas.microsoft.com/office/drawing/2014/main" id="{F014C11C-F952-48F1-9958-6CA39DCA936C}"/>
-                </a:ext>
-              </a:extLst>
-            </p:cNvPr>
-            <p:cNvCxnSpPr>
-              <a:cxnSpLocks/>
-            </p:cNvCxnSpPr>
-            <p:nvPr/>
-          </p:nvCxnSpPr>
-          <p:spPr>
-            <a:xfrm>
-              <a:off x="4896375" y="2121039"/>
-              <a:ext cx="0" cy="253381"/>
-            </a:xfrm>
-            <a:prstGeom prst="line">
-              <a:avLst/>
-            </a:prstGeom>
-            <a:ln w="12700">
-              <a:solidFill>
-                <a:srgbClr val="000000">
-                  <a:alpha val="30196"/>
-                </a:srgbClr>
-              </a:solidFill>
-            </a:ln>
-          </p:spPr>
-          <p:style>
-            <a:lnRef idx="1">
-              <a:schemeClr val="accent1"/>
-            </a:lnRef>
-            <a:fillRef idx="0">
-              <a:schemeClr val="accent1"/>
-            </a:fillRef>
-            <a:effectRef idx="0">
-              <a:schemeClr val="accent1"/>
-            </a:effectRef>
-            <a:fontRef idx="minor">
-              <a:schemeClr val="tx1"/>
-            </a:fontRef>
-          </p:style>
-        </p:cxnSp>
-        <p:pic>
-          <p:nvPicPr>
-            <p:cNvPr id="31" name="Picture 30">
-              <a:extLst>
-                <a:ext uri="{FF2B5EF4-FFF2-40B4-BE49-F238E27FC236}">
-                  <a16:creationId xmlns:a16="http://schemas.microsoft.com/office/drawing/2014/main" id="{482E4B81-4737-4682-87E1-CFC8E5A3AD02}"/>
-                </a:ext>
-              </a:extLst>
-            </p:cNvPr>
-            <p:cNvPicPr>
-              <a:picLocks noChangeAspect="1"/>
-            </p:cNvPicPr>
-            <p:nvPr/>
-          </p:nvPicPr>
-          <p:blipFill>
-            <a:blip r:embed="rId2">
-              <a:extLst>
-                <a:ext uri="{28A0092B-C50C-407E-A947-70E740481C1C}">
-                  <a14:useLocalDpi xmlns:a14="http://schemas.microsoft.com/office/drawing/2010/main" val="0"/>
-                </a:ext>
-              </a:extLst>
-            </a:blip>
-            <a:srcRect/>
-            <a:stretch/>
-          </p:blipFill>
-          <p:spPr>
-            <a:xfrm>
-              <a:off x="2010860" y="2068077"/>
-              <a:ext cx="3289995" cy="3289995"/>
-            </a:xfrm>
-            <a:prstGeom prst="rect">
-              <a:avLst/>
-            </a:prstGeom>
-          </p:spPr>
-        </p:pic>
-        <p:pic>
-          <p:nvPicPr>
-            <p:cNvPr id="33" name="Picture 32">
-              <a:extLst>
-                <a:ext uri="{FF2B5EF4-FFF2-40B4-BE49-F238E27FC236}">
-                  <a16:creationId xmlns:a16="http://schemas.microsoft.com/office/drawing/2014/main" id="{B6822C9A-D729-4C01-A479-A490E84B9803}"/>
-                </a:ext>
-              </a:extLst>
-            </p:cNvPr>
-            <p:cNvPicPr>
-              <a:picLocks noChangeAspect="1"/>
-            </p:cNvPicPr>
-            <p:nvPr/>
-          </p:nvPicPr>
-          <p:blipFill rotWithShape="1">
-            <a:blip r:embed="rId3">
-              <a:extLst>
-                <a:ext uri="{28A0092B-C50C-407E-A947-70E740481C1C}">
-                  <a14:useLocalDpi xmlns:a14="http://schemas.microsoft.com/office/drawing/2010/main" val="0"/>
-                </a:ext>
-              </a:extLst>
-            </a:blip>
-            <a:srcRect l="17761" t="31667" r="16250" b="15694"/>
-            <a:stretch/>
-          </p:blipFill>
-          <p:spPr>
-            <a:xfrm>
-              <a:off x="2677185" y="3847151"/>
-              <a:ext cx="2015067" cy="2288720"/>
-            </a:xfrm>
-            <a:prstGeom prst="rect">
-              <a:avLst/>
-            </a:prstGeom>
-          </p:spPr>
-        </p:pic>
-        <p:sp>
-          <p:nvSpPr>
-            <p:cNvPr id="27" name="Freeform: Shape 26">
-              <a:extLst>
-                <a:ext uri="{FF2B5EF4-FFF2-40B4-BE49-F238E27FC236}">
-                  <a16:creationId xmlns:a16="http://schemas.microsoft.com/office/drawing/2014/main" id="{E76FE242-4B84-4B7A-B522-CD041F1ECED2}"/>
-                </a:ext>
-              </a:extLst>
-            </p:cNvPr>
-            <p:cNvSpPr/>
-            <p:nvPr/>
-          </p:nvSpPr>
-          <p:spPr>
-            <a:xfrm>
-              <a:off x="2840037" y="6295228"/>
-              <a:ext cx="1677458" cy="173730"/>
-            </a:xfrm>
-            <a:custGeom>
-              <a:avLst/>
-              <a:gdLst>
-                <a:gd name="connsiteX0" fmla="*/ 0 w 1680634"/>
-                <a:gd name="connsiteY0" fmla="*/ 29633 h 170961"/>
-                <a:gd name="connsiteX1" fmla="*/ 385234 w 1680634"/>
-                <a:gd name="connsiteY1" fmla="*/ 160866 h 170961"/>
-                <a:gd name="connsiteX2" fmla="*/ 1367367 w 1680634"/>
-                <a:gd name="connsiteY2" fmla="*/ 143933 h 170961"/>
-                <a:gd name="connsiteX3" fmla="*/ 1680634 w 1680634"/>
-                <a:gd name="connsiteY3" fmla="*/ 0 h 170961"/>
-                <a:gd name="connsiteX0" fmla="*/ 0 w 1659996"/>
-                <a:gd name="connsiteY0" fmla="*/ 39158 h 170259"/>
-                <a:gd name="connsiteX1" fmla="*/ 364596 w 1659996"/>
-                <a:gd name="connsiteY1" fmla="*/ 160866 h 170259"/>
-                <a:gd name="connsiteX2" fmla="*/ 1346729 w 1659996"/>
-                <a:gd name="connsiteY2" fmla="*/ 143933 h 170259"/>
-                <a:gd name="connsiteX3" fmla="*/ 1659996 w 1659996"/>
-                <a:gd name="connsiteY3" fmla="*/ 0 h 170259"/>
-                <a:gd name="connsiteX0" fmla="*/ 0 w 1659996"/>
-                <a:gd name="connsiteY0" fmla="*/ 39158 h 170259"/>
-                <a:gd name="connsiteX1" fmla="*/ 364596 w 1659996"/>
-                <a:gd name="connsiteY1" fmla="*/ 160866 h 170259"/>
-                <a:gd name="connsiteX2" fmla="*/ 1346729 w 1659996"/>
-                <a:gd name="connsiteY2" fmla="*/ 143933 h 170259"/>
-                <a:gd name="connsiteX3" fmla="*/ 1659996 w 1659996"/>
-                <a:gd name="connsiteY3" fmla="*/ 0 h 170259"/>
-                <a:gd name="connsiteX0" fmla="*/ 0 w 1659996"/>
-                <a:gd name="connsiteY0" fmla="*/ 39158 h 174462"/>
-                <a:gd name="connsiteX1" fmla="*/ 364596 w 1659996"/>
-                <a:gd name="connsiteY1" fmla="*/ 160866 h 174462"/>
-                <a:gd name="connsiteX2" fmla="*/ 1351491 w 1659996"/>
-                <a:gd name="connsiteY2" fmla="*/ 153458 h 174462"/>
-                <a:gd name="connsiteX3" fmla="*/ 1659996 w 1659996"/>
-                <a:gd name="connsiteY3" fmla="*/ 0 h 174462"/>
-                <a:gd name="connsiteX0" fmla="*/ 0 w 1671108"/>
-                <a:gd name="connsiteY0" fmla="*/ 24871 h 160175"/>
-                <a:gd name="connsiteX1" fmla="*/ 364596 w 1671108"/>
-                <a:gd name="connsiteY1" fmla="*/ 146579 h 160175"/>
-                <a:gd name="connsiteX2" fmla="*/ 1351491 w 1671108"/>
-                <a:gd name="connsiteY2" fmla="*/ 139171 h 160175"/>
-                <a:gd name="connsiteX3" fmla="*/ 1671108 w 1671108"/>
-                <a:gd name="connsiteY3" fmla="*/ 0 h 160175"/>
-                <a:gd name="connsiteX0" fmla="*/ 0 w 1671108"/>
-                <a:gd name="connsiteY0" fmla="*/ 24871 h 160175"/>
-                <a:gd name="connsiteX1" fmla="*/ 364596 w 1671108"/>
-                <a:gd name="connsiteY1" fmla="*/ 146579 h 160175"/>
-                <a:gd name="connsiteX2" fmla="*/ 1351491 w 1671108"/>
-                <a:gd name="connsiteY2" fmla="*/ 139171 h 160175"/>
-                <a:gd name="connsiteX3" fmla="*/ 1671108 w 1671108"/>
-                <a:gd name="connsiteY3" fmla="*/ 0 h 160175"/>
-                <a:gd name="connsiteX0" fmla="*/ 0 w 1663170"/>
-                <a:gd name="connsiteY0" fmla="*/ 26458 h 161762"/>
-                <a:gd name="connsiteX1" fmla="*/ 364596 w 1663170"/>
-                <a:gd name="connsiteY1" fmla="*/ 148166 h 161762"/>
-                <a:gd name="connsiteX2" fmla="*/ 1351491 w 1663170"/>
-                <a:gd name="connsiteY2" fmla="*/ 140758 h 161762"/>
-                <a:gd name="connsiteX3" fmla="*/ 1663170 w 1663170"/>
-                <a:gd name="connsiteY3" fmla="*/ 0 h 161762"/>
-                <a:gd name="connsiteX0" fmla="*/ 0 w 1671107"/>
-                <a:gd name="connsiteY0" fmla="*/ 37570 h 172874"/>
-                <a:gd name="connsiteX1" fmla="*/ 364596 w 1671107"/>
-                <a:gd name="connsiteY1" fmla="*/ 159278 h 172874"/>
-                <a:gd name="connsiteX2" fmla="*/ 1351491 w 1671107"/>
-                <a:gd name="connsiteY2" fmla="*/ 151870 h 172874"/>
-                <a:gd name="connsiteX3" fmla="*/ 1671107 w 1671107"/>
-                <a:gd name="connsiteY3" fmla="*/ 0 h 172874"/>
-                <a:gd name="connsiteX0" fmla="*/ 0 w 1677457"/>
-                <a:gd name="connsiteY0" fmla="*/ 24870 h 173730"/>
-                <a:gd name="connsiteX1" fmla="*/ 370946 w 1677457"/>
-                <a:gd name="connsiteY1" fmla="*/ 159278 h 173730"/>
-                <a:gd name="connsiteX2" fmla="*/ 1357841 w 1677457"/>
-                <a:gd name="connsiteY2" fmla="*/ 151870 h 173730"/>
-                <a:gd name="connsiteX3" fmla="*/ 1677457 w 1677457"/>
-                <a:gd name="connsiteY3" fmla="*/ 0 h 173730"/>
-                <a:gd name="connsiteX0" fmla="*/ 0 w 1677457"/>
-                <a:gd name="connsiteY0" fmla="*/ 24870 h 173730"/>
-                <a:gd name="connsiteX1" fmla="*/ 370946 w 1677457"/>
-                <a:gd name="connsiteY1" fmla="*/ 159278 h 173730"/>
-                <a:gd name="connsiteX2" fmla="*/ 1357841 w 1677457"/>
-                <a:gd name="connsiteY2" fmla="*/ 151870 h 173730"/>
-                <a:gd name="connsiteX3" fmla="*/ 1677457 w 1677457"/>
-                <a:gd name="connsiteY3" fmla="*/ 0 h 173730"/>
-              </a:gdLst>
-              <a:ahLst/>
-              <a:cxnLst>
-                <a:cxn ang="0">
-                  <a:pos x="connsiteX0" y="connsiteY0"/>
-                </a:cxn>
-                <a:cxn ang="0">
-                  <a:pos x="connsiteX1" y="connsiteY1"/>
-                </a:cxn>
-                <a:cxn ang="0">
-                  <a:pos x="connsiteX2" y="connsiteY2"/>
-                </a:cxn>
-                <a:cxn ang="0">
-                  <a:pos x="connsiteX3" y="connsiteY3"/>
-                </a:cxn>
-              </a:cxnLst>
-              <a:rect l="l" t="t" r="r" b="b"/>
-              <a:pathLst>
-                <a:path w="1677457" h="173730">
-                  <a:moveTo>
-                    <a:pt x="0" y="24870"/>
-                  </a:moveTo>
-                  <a:cubicBezTo>
-                    <a:pt x="64382" y="120648"/>
-                    <a:pt x="144639" y="138111"/>
-                    <a:pt x="370946" y="159278"/>
-                  </a:cubicBezTo>
-                  <a:cubicBezTo>
-                    <a:pt x="597253" y="180445"/>
-                    <a:pt x="1141941" y="178681"/>
-                    <a:pt x="1357841" y="151870"/>
-                  </a:cubicBezTo>
-                  <a:cubicBezTo>
-                    <a:pt x="1573741" y="125059"/>
-                    <a:pt x="1631948" y="66499"/>
-                    <a:pt x="1677457" y="0"/>
-                  </a:cubicBezTo>
-                </a:path>
-              </a:pathLst>
-            </a:custGeom>
-            <a:noFill/>
-            <a:ln w="19050">
-              <a:solidFill>
-                <a:srgbClr val="96B0DE"/>
-              </a:solidFill>
-            </a:ln>
-          </p:spPr>
-          <p:style>
-            <a:lnRef idx="2">
-              <a:schemeClr val="accent1">
-                <a:shade val="50000"/>
-              </a:schemeClr>
-            </a:lnRef>
-            <a:fillRef idx="1">
-              <a:schemeClr val="accent1"/>
-            </a:fillRef>
-            <a:effectRef idx="0">
-              <a:schemeClr val="accent1"/>
-            </a:effectRef>
-            <a:fontRef idx="minor">
-              <a:schemeClr val="lt1"/>
-            </a:fontRef>
-          </p:style>
-          <p:txBody>
-            <a:bodyPr rtlCol="0" anchor="ctr"/>
-            <a:lstStyle/>
-            <a:p>
-              <a:pPr algn="ctr"/>
-              <a:endParaRPr lang="en-US" sz="1801"/>
-            </a:p>
-          </p:txBody>
-        </p:sp>
-        <p:sp>
-          <p:nvSpPr>
-            <p:cNvPr id="29" name="Freeform: Shape 28">
-              <a:extLst>
-                <a:ext uri="{FF2B5EF4-FFF2-40B4-BE49-F238E27FC236}">
-                  <a16:creationId xmlns:a16="http://schemas.microsoft.com/office/drawing/2014/main" id="{DCC5FE86-F1E3-434D-9962-5B0BE6AC5DAB}"/>
-                </a:ext>
-              </a:extLst>
-            </p:cNvPr>
-            <p:cNvSpPr/>
-            <p:nvPr/>
-          </p:nvSpPr>
-          <p:spPr>
-            <a:xfrm flipV="1">
-              <a:off x="2806699" y="5795722"/>
-              <a:ext cx="1733019" cy="173621"/>
-            </a:xfrm>
-            <a:custGeom>
-              <a:avLst/>
-              <a:gdLst>
-                <a:gd name="connsiteX0" fmla="*/ 0 w 1680634"/>
-                <a:gd name="connsiteY0" fmla="*/ 29633 h 170961"/>
-                <a:gd name="connsiteX1" fmla="*/ 385234 w 1680634"/>
-                <a:gd name="connsiteY1" fmla="*/ 160866 h 170961"/>
-                <a:gd name="connsiteX2" fmla="*/ 1367367 w 1680634"/>
-                <a:gd name="connsiteY2" fmla="*/ 143933 h 170961"/>
-                <a:gd name="connsiteX3" fmla="*/ 1680634 w 1680634"/>
-                <a:gd name="connsiteY3" fmla="*/ 0 h 170961"/>
-                <a:gd name="connsiteX0" fmla="*/ 0 w 1659996"/>
-                <a:gd name="connsiteY0" fmla="*/ 39158 h 170259"/>
-                <a:gd name="connsiteX1" fmla="*/ 364596 w 1659996"/>
-                <a:gd name="connsiteY1" fmla="*/ 160866 h 170259"/>
-                <a:gd name="connsiteX2" fmla="*/ 1346729 w 1659996"/>
-                <a:gd name="connsiteY2" fmla="*/ 143933 h 170259"/>
-                <a:gd name="connsiteX3" fmla="*/ 1659996 w 1659996"/>
-                <a:gd name="connsiteY3" fmla="*/ 0 h 170259"/>
-                <a:gd name="connsiteX0" fmla="*/ 0 w 1659996"/>
-                <a:gd name="connsiteY0" fmla="*/ 39158 h 170259"/>
-                <a:gd name="connsiteX1" fmla="*/ 364596 w 1659996"/>
-                <a:gd name="connsiteY1" fmla="*/ 160866 h 170259"/>
-                <a:gd name="connsiteX2" fmla="*/ 1346729 w 1659996"/>
-                <a:gd name="connsiteY2" fmla="*/ 143933 h 170259"/>
-                <a:gd name="connsiteX3" fmla="*/ 1659996 w 1659996"/>
-                <a:gd name="connsiteY3" fmla="*/ 0 h 170259"/>
-                <a:gd name="connsiteX0" fmla="*/ 0 w 1659996"/>
-                <a:gd name="connsiteY0" fmla="*/ 39158 h 174462"/>
-                <a:gd name="connsiteX1" fmla="*/ 364596 w 1659996"/>
-                <a:gd name="connsiteY1" fmla="*/ 160866 h 174462"/>
-                <a:gd name="connsiteX2" fmla="*/ 1351491 w 1659996"/>
-                <a:gd name="connsiteY2" fmla="*/ 153458 h 174462"/>
-                <a:gd name="connsiteX3" fmla="*/ 1659996 w 1659996"/>
-                <a:gd name="connsiteY3" fmla="*/ 0 h 174462"/>
-                <a:gd name="connsiteX0" fmla="*/ 0 w 1671108"/>
-                <a:gd name="connsiteY0" fmla="*/ 24871 h 160175"/>
-                <a:gd name="connsiteX1" fmla="*/ 364596 w 1671108"/>
-                <a:gd name="connsiteY1" fmla="*/ 146579 h 160175"/>
-                <a:gd name="connsiteX2" fmla="*/ 1351491 w 1671108"/>
-                <a:gd name="connsiteY2" fmla="*/ 139171 h 160175"/>
-                <a:gd name="connsiteX3" fmla="*/ 1671108 w 1671108"/>
-                <a:gd name="connsiteY3" fmla="*/ 0 h 160175"/>
-                <a:gd name="connsiteX0" fmla="*/ 0 w 1671108"/>
-                <a:gd name="connsiteY0" fmla="*/ 24871 h 160175"/>
-                <a:gd name="connsiteX1" fmla="*/ 364596 w 1671108"/>
-                <a:gd name="connsiteY1" fmla="*/ 146579 h 160175"/>
-                <a:gd name="connsiteX2" fmla="*/ 1351491 w 1671108"/>
-                <a:gd name="connsiteY2" fmla="*/ 139171 h 160175"/>
-                <a:gd name="connsiteX3" fmla="*/ 1671108 w 1671108"/>
-                <a:gd name="connsiteY3" fmla="*/ 0 h 160175"/>
-                <a:gd name="connsiteX0" fmla="*/ 0 w 1663170"/>
-                <a:gd name="connsiteY0" fmla="*/ 26458 h 161762"/>
-                <a:gd name="connsiteX1" fmla="*/ 364596 w 1663170"/>
-                <a:gd name="connsiteY1" fmla="*/ 148166 h 161762"/>
-                <a:gd name="connsiteX2" fmla="*/ 1351491 w 1663170"/>
-                <a:gd name="connsiteY2" fmla="*/ 140758 h 161762"/>
-                <a:gd name="connsiteX3" fmla="*/ 1663170 w 1663170"/>
-                <a:gd name="connsiteY3" fmla="*/ 0 h 161762"/>
-                <a:gd name="connsiteX0" fmla="*/ 0 w 1671107"/>
-                <a:gd name="connsiteY0" fmla="*/ 37570 h 172874"/>
-                <a:gd name="connsiteX1" fmla="*/ 364596 w 1671107"/>
-                <a:gd name="connsiteY1" fmla="*/ 159278 h 172874"/>
-                <a:gd name="connsiteX2" fmla="*/ 1351491 w 1671107"/>
-                <a:gd name="connsiteY2" fmla="*/ 151870 h 172874"/>
-                <a:gd name="connsiteX3" fmla="*/ 1671107 w 1671107"/>
-                <a:gd name="connsiteY3" fmla="*/ 0 h 172874"/>
-                <a:gd name="connsiteX0" fmla="*/ 0 w 1677457"/>
-                <a:gd name="connsiteY0" fmla="*/ 24870 h 173730"/>
-                <a:gd name="connsiteX1" fmla="*/ 370946 w 1677457"/>
-                <a:gd name="connsiteY1" fmla="*/ 159278 h 173730"/>
-                <a:gd name="connsiteX2" fmla="*/ 1357841 w 1677457"/>
-                <a:gd name="connsiteY2" fmla="*/ 151870 h 173730"/>
-                <a:gd name="connsiteX3" fmla="*/ 1677457 w 1677457"/>
-                <a:gd name="connsiteY3" fmla="*/ 0 h 173730"/>
-                <a:gd name="connsiteX0" fmla="*/ 0 w 1677457"/>
-                <a:gd name="connsiteY0" fmla="*/ 24870 h 173730"/>
-                <a:gd name="connsiteX1" fmla="*/ 370946 w 1677457"/>
-                <a:gd name="connsiteY1" fmla="*/ 159278 h 173730"/>
-                <a:gd name="connsiteX2" fmla="*/ 1357841 w 1677457"/>
-                <a:gd name="connsiteY2" fmla="*/ 151870 h 173730"/>
-                <a:gd name="connsiteX3" fmla="*/ 1677457 w 1677457"/>
-                <a:gd name="connsiteY3" fmla="*/ 0 h 173730"/>
-                <a:gd name="connsiteX0" fmla="*/ 0 w 1661582"/>
-                <a:gd name="connsiteY0" fmla="*/ 12170 h 174596"/>
-                <a:gd name="connsiteX1" fmla="*/ 355071 w 1661582"/>
-                <a:gd name="connsiteY1" fmla="*/ 159278 h 174596"/>
-                <a:gd name="connsiteX2" fmla="*/ 1341966 w 1661582"/>
-                <a:gd name="connsiteY2" fmla="*/ 151870 h 174596"/>
-                <a:gd name="connsiteX3" fmla="*/ 1661582 w 1661582"/>
-                <a:gd name="connsiteY3" fmla="*/ 0 h 174596"/>
-                <a:gd name="connsiteX0" fmla="*/ 0 w 1661582"/>
-                <a:gd name="connsiteY0" fmla="*/ 12170 h 174596"/>
-                <a:gd name="connsiteX1" fmla="*/ 355071 w 1661582"/>
-                <a:gd name="connsiteY1" fmla="*/ 159278 h 174596"/>
-                <a:gd name="connsiteX2" fmla="*/ 1341966 w 1661582"/>
-                <a:gd name="connsiteY2" fmla="*/ 151870 h 174596"/>
-                <a:gd name="connsiteX3" fmla="*/ 1661582 w 1661582"/>
-                <a:gd name="connsiteY3" fmla="*/ 0 h 174596"/>
-                <a:gd name="connsiteX0" fmla="*/ 0 w 1661582"/>
-                <a:gd name="connsiteY0" fmla="*/ 12170 h 180770"/>
-                <a:gd name="connsiteX1" fmla="*/ 372534 w 1661582"/>
-                <a:gd name="connsiteY1" fmla="*/ 168803 h 180770"/>
-                <a:gd name="connsiteX2" fmla="*/ 1341966 w 1661582"/>
-                <a:gd name="connsiteY2" fmla="*/ 151870 h 180770"/>
-                <a:gd name="connsiteX3" fmla="*/ 1661582 w 1661582"/>
-                <a:gd name="connsiteY3" fmla="*/ 0 h 180770"/>
-                <a:gd name="connsiteX0" fmla="*/ 0 w 1661582"/>
-                <a:gd name="connsiteY0" fmla="*/ 12170 h 188949"/>
-                <a:gd name="connsiteX1" fmla="*/ 372534 w 1661582"/>
-                <a:gd name="connsiteY1" fmla="*/ 168803 h 188949"/>
-                <a:gd name="connsiteX2" fmla="*/ 1341966 w 1661582"/>
-                <a:gd name="connsiteY2" fmla="*/ 169332 h 188949"/>
-                <a:gd name="connsiteX3" fmla="*/ 1661582 w 1661582"/>
-                <a:gd name="connsiteY3" fmla="*/ 0 h 188949"/>
-                <a:gd name="connsiteX0" fmla="*/ 0 w 1702857"/>
-                <a:gd name="connsiteY0" fmla="*/ 21695 h 188368"/>
-                <a:gd name="connsiteX1" fmla="*/ 413809 w 1702857"/>
-                <a:gd name="connsiteY1" fmla="*/ 168803 h 188368"/>
-                <a:gd name="connsiteX2" fmla="*/ 1383241 w 1702857"/>
-                <a:gd name="connsiteY2" fmla="*/ 169332 h 188368"/>
-                <a:gd name="connsiteX3" fmla="*/ 1702857 w 1702857"/>
-                <a:gd name="connsiteY3" fmla="*/ 0 h 188368"/>
-                <a:gd name="connsiteX0" fmla="*/ 0 w 1702857"/>
-                <a:gd name="connsiteY0" fmla="*/ 21695 h 188368"/>
-                <a:gd name="connsiteX1" fmla="*/ 413809 w 1702857"/>
-                <a:gd name="connsiteY1" fmla="*/ 168803 h 188368"/>
-                <a:gd name="connsiteX2" fmla="*/ 1383241 w 1702857"/>
-                <a:gd name="connsiteY2" fmla="*/ 169332 h 188368"/>
-                <a:gd name="connsiteX3" fmla="*/ 1702857 w 1702857"/>
-                <a:gd name="connsiteY3" fmla="*/ 0 h 188368"/>
-                <a:gd name="connsiteX0" fmla="*/ 0 w 1736195"/>
-                <a:gd name="connsiteY0" fmla="*/ 31220 h 197893"/>
-                <a:gd name="connsiteX1" fmla="*/ 413809 w 1736195"/>
-                <a:gd name="connsiteY1" fmla="*/ 178328 h 197893"/>
-                <a:gd name="connsiteX2" fmla="*/ 1383241 w 1736195"/>
-                <a:gd name="connsiteY2" fmla="*/ 178857 h 197893"/>
-                <a:gd name="connsiteX3" fmla="*/ 1736195 w 1736195"/>
-                <a:gd name="connsiteY3" fmla="*/ 0 h 197893"/>
-                <a:gd name="connsiteX0" fmla="*/ 0 w 1690158"/>
-                <a:gd name="connsiteY0" fmla="*/ 51857 h 196671"/>
-                <a:gd name="connsiteX1" fmla="*/ 367772 w 1690158"/>
-                <a:gd name="connsiteY1" fmla="*/ 178328 h 196671"/>
-                <a:gd name="connsiteX2" fmla="*/ 1337204 w 1690158"/>
-                <a:gd name="connsiteY2" fmla="*/ 178857 h 196671"/>
-                <a:gd name="connsiteX3" fmla="*/ 1690158 w 1690158"/>
-                <a:gd name="connsiteY3" fmla="*/ 0 h 196671"/>
-                <a:gd name="connsiteX0" fmla="*/ 0 w 1690158"/>
-                <a:gd name="connsiteY0" fmla="*/ 51857 h 196671"/>
-                <a:gd name="connsiteX1" fmla="*/ 367772 w 1690158"/>
-                <a:gd name="connsiteY1" fmla="*/ 178328 h 196671"/>
-                <a:gd name="connsiteX2" fmla="*/ 1337204 w 1690158"/>
-                <a:gd name="connsiteY2" fmla="*/ 178857 h 196671"/>
-                <a:gd name="connsiteX3" fmla="*/ 1690158 w 1690158"/>
-                <a:gd name="connsiteY3" fmla="*/ 0 h 196671"/>
-                <a:gd name="connsiteX0" fmla="*/ 0 w 1615545"/>
-                <a:gd name="connsiteY0" fmla="*/ 7407 h 152221"/>
-                <a:gd name="connsiteX1" fmla="*/ 367772 w 1615545"/>
-                <a:gd name="connsiteY1" fmla="*/ 133878 h 152221"/>
-                <a:gd name="connsiteX2" fmla="*/ 1337204 w 1615545"/>
-                <a:gd name="connsiteY2" fmla="*/ 134407 h 152221"/>
-                <a:gd name="connsiteX3" fmla="*/ 1615545 w 1615545"/>
-                <a:gd name="connsiteY3" fmla="*/ 0 h 152221"/>
-                <a:gd name="connsiteX0" fmla="*/ 0 w 1615545"/>
-                <a:gd name="connsiteY0" fmla="*/ 7407 h 152221"/>
-                <a:gd name="connsiteX1" fmla="*/ 367772 w 1615545"/>
-                <a:gd name="connsiteY1" fmla="*/ 133878 h 152221"/>
-                <a:gd name="connsiteX2" fmla="*/ 1337204 w 1615545"/>
-                <a:gd name="connsiteY2" fmla="*/ 134407 h 152221"/>
-                <a:gd name="connsiteX3" fmla="*/ 1615545 w 1615545"/>
-                <a:gd name="connsiteY3" fmla="*/ 0 h 152221"/>
-                <a:gd name="connsiteX0" fmla="*/ 0 w 1615545"/>
-                <a:gd name="connsiteY0" fmla="*/ 7407 h 154217"/>
-                <a:gd name="connsiteX1" fmla="*/ 367772 w 1615545"/>
-                <a:gd name="connsiteY1" fmla="*/ 133878 h 154217"/>
-                <a:gd name="connsiteX2" fmla="*/ 1281641 w 1615545"/>
-                <a:gd name="connsiteY2" fmla="*/ 137582 h 154217"/>
-                <a:gd name="connsiteX3" fmla="*/ 1615545 w 1615545"/>
-                <a:gd name="connsiteY3" fmla="*/ 0 h 154217"/>
-                <a:gd name="connsiteX0" fmla="*/ 0 w 1617132"/>
-                <a:gd name="connsiteY0" fmla="*/ 18520 h 165330"/>
-                <a:gd name="connsiteX1" fmla="*/ 367772 w 1617132"/>
-                <a:gd name="connsiteY1" fmla="*/ 144991 h 165330"/>
-                <a:gd name="connsiteX2" fmla="*/ 1281641 w 1617132"/>
-                <a:gd name="connsiteY2" fmla="*/ 148695 h 165330"/>
-                <a:gd name="connsiteX3" fmla="*/ 1617132 w 1617132"/>
-                <a:gd name="connsiteY3" fmla="*/ 0 h 165330"/>
-                <a:gd name="connsiteX0" fmla="*/ 0 w 1593320"/>
-                <a:gd name="connsiteY0" fmla="*/ 0 h 185378"/>
-                <a:gd name="connsiteX1" fmla="*/ 343960 w 1593320"/>
-                <a:gd name="connsiteY1" fmla="*/ 162983 h 185378"/>
-                <a:gd name="connsiteX2" fmla="*/ 1257829 w 1593320"/>
-                <a:gd name="connsiteY2" fmla="*/ 166687 h 185378"/>
-                <a:gd name="connsiteX3" fmla="*/ 1593320 w 1593320"/>
-                <a:gd name="connsiteY3" fmla="*/ 17992 h 185378"/>
-                <a:gd name="connsiteX0" fmla="*/ 0 w 1593320"/>
-                <a:gd name="connsiteY0" fmla="*/ 0 h 185378"/>
-                <a:gd name="connsiteX1" fmla="*/ 343960 w 1593320"/>
-                <a:gd name="connsiteY1" fmla="*/ 162983 h 185378"/>
-                <a:gd name="connsiteX2" fmla="*/ 1257829 w 1593320"/>
-                <a:gd name="connsiteY2" fmla="*/ 166687 h 185378"/>
-                <a:gd name="connsiteX3" fmla="*/ 1593320 w 1593320"/>
-                <a:gd name="connsiteY3" fmla="*/ 17992 h 185378"/>
-                <a:gd name="connsiteX0" fmla="*/ 0 w 1607607"/>
-                <a:gd name="connsiteY0" fmla="*/ 0 h 183698"/>
-                <a:gd name="connsiteX1" fmla="*/ 358247 w 1607607"/>
-                <a:gd name="connsiteY1" fmla="*/ 161396 h 183698"/>
-                <a:gd name="connsiteX2" fmla="*/ 1272116 w 1607607"/>
-                <a:gd name="connsiteY2" fmla="*/ 165100 h 183698"/>
-                <a:gd name="connsiteX3" fmla="*/ 1607607 w 1607607"/>
-                <a:gd name="connsiteY3" fmla="*/ 16405 h 183698"/>
-                <a:gd name="connsiteX0" fmla="*/ 0 w 1625069"/>
-                <a:gd name="connsiteY0" fmla="*/ 0 h 183698"/>
-                <a:gd name="connsiteX1" fmla="*/ 358247 w 1625069"/>
-                <a:gd name="connsiteY1" fmla="*/ 161396 h 183698"/>
-                <a:gd name="connsiteX2" fmla="*/ 1272116 w 1625069"/>
-                <a:gd name="connsiteY2" fmla="*/ 165100 h 183698"/>
-                <a:gd name="connsiteX3" fmla="*/ 1625069 w 1625069"/>
-                <a:gd name="connsiteY3" fmla="*/ 17992 h 183698"/>
-                <a:gd name="connsiteX0" fmla="*/ 0 w 1704444"/>
-                <a:gd name="connsiteY0" fmla="*/ 10583 h 194281"/>
-                <a:gd name="connsiteX1" fmla="*/ 358247 w 1704444"/>
-                <a:gd name="connsiteY1" fmla="*/ 171979 h 194281"/>
-                <a:gd name="connsiteX2" fmla="*/ 1272116 w 1704444"/>
-                <a:gd name="connsiteY2" fmla="*/ 175683 h 194281"/>
-                <a:gd name="connsiteX3" fmla="*/ 1704444 w 1704444"/>
-                <a:gd name="connsiteY3" fmla="*/ 0 h 194281"/>
-                <a:gd name="connsiteX0" fmla="*/ 0 w 1691744"/>
-                <a:gd name="connsiteY0" fmla="*/ 0 h 183698"/>
-                <a:gd name="connsiteX1" fmla="*/ 358247 w 1691744"/>
-                <a:gd name="connsiteY1" fmla="*/ 161396 h 183698"/>
-                <a:gd name="connsiteX2" fmla="*/ 1272116 w 1691744"/>
-                <a:gd name="connsiteY2" fmla="*/ 165100 h 183698"/>
-                <a:gd name="connsiteX3" fmla="*/ 1691744 w 1691744"/>
-                <a:gd name="connsiteY3" fmla="*/ 14817 h 183698"/>
-                <a:gd name="connsiteX0" fmla="*/ 0 w 1733019"/>
-                <a:gd name="connsiteY0" fmla="*/ 0 h 173622"/>
-                <a:gd name="connsiteX1" fmla="*/ 399522 w 1733019"/>
-                <a:gd name="connsiteY1" fmla="*/ 151871 h 173622"/>
-                <a:gd name="connsiteX2" fmla="*/ 1313391 w 1733019"/>
-                <a:gd name="connsiteY2" fmla="*/ 155575 h 173622"/>
-                <a:gd name="connsiteX3" fmla="*/ 1733019 w 1733019"/>
-                <a:gd name="connsiteY3" fmla="*/ 5292 h 173622"/>
-              </a:gdLst>
-              <a:ahLst/>
-              <a:cxnLst>
-                <a:cxn ang="0">
-                  <a:pos x="connsiteX0" y="connsiteY0"/>
-                </a:cxn>
-                <a:cxn ang="0">
-                  <a:pos x="connsiteX1" y="connsiteY1"/>
-                </a:cxn>
-                <a:cxn ang="0">
-                  <a:pos x="connsiteX2" y="connsiteY2"/>
-                </a:cxn>
-                <a:cxn ang="0">
-                  <a:pos x="connsiteX3" y="connsiteY3"/>
-                </a:cxn>
-              </a:cxnLst>
-              <a:rect l="l" t="t" r="r" b="b"/>
-              <a:pathLst>
-                <a:path w="1733019" h="173622">
-                  <a:moveTo>
-                    <a:pt x="0" y="0"/>
-                  </a:moveTo>
-                  <a:cubicBezTo>
-                    <a:pt x="85019" y="86252"/>
-                    <a:pt x="180624" y="125942"/>
-                    <a:pt x="399522" y="151871"/>
-                  </a:cubicBezTo>
-                  <a:cubicBezTo>
-                    <a:pt x="618421" y="177800"/>
-                    <a:pt x="1097491" y="182386"/>
-                    <a:pt x="1313391" y="155575"/>
-                  </a:cubicBezTo>
-                  <a:cubicBezTo>
-                    <a:pt x="1529291" y="128764"/>
-                    <a:pt x="1679572" y="79729"/>
-                    <a:pt x="1733019" y="5292"/>
-                  </a:cubicBezTo>
-                </a:path>
-              </a:pathLst>
-            </a:custGeom>
-            <a:noFill/>
-            <a:ln w="19050">
-              <a:solidFill>
-                <a:srgbClr val="2F528F">
-                  <a:alpha val="50196"/>
-                </a:srgbClr>
-              </a:solidFill>
-            </a:ln>
-          </p:spPr>
-          <p:style>
-            <a:lnRef idx="2">
-              <a:schemeClr val="accent1">
-                <a:shade val="50000"/>
-              </a:schemeClr>
-            </a:lnRef>
-            <a:fillRef idx="1">
-              <a:schemeClr val="accent1"/>
-            </a:fillRef>
-            <a:effectRef idx="0">
-              <a:schemeClr val="accent1"/>
-            </a:effectRef>
-            <a:fontRef idx="minor">
-              <a:schemeClr val="lt1"/>
-            </a:fontRef>
-          </p:style>
-          <p:txBody>
-            <a:bodyPr rtlCol="0" anchor="ctr"/>
-            <a:lstStyle/>
-            <a:p>
-              <a:pPr algn="ctr"/>
-              <a:endParaRPr lang="en-US" sz="1801" dirty="0"/>
-            </a:p>
-          </p:txBody>
-        </p:sp>
-        <p:sp>
-          <p:nvSpPr>
-            <p:cNvPr id="37" name="Freeform: Shape 36">
-              <a:extLst>
-                <a:ext uri="{FF2B5EF4-FFF2-40B4-BE49-F238E27FC236}">
-                  <a16:creationId xmlns:a16="http://schemas.microsoft.com/office/drawing/2014/main" id="{4E13583E-FCB8-4B3B-AB55-0A421FBA34DC}"/>
-                </a:ext>
-              </a:extLst>
-            </p:cNvPr>
-            <p:cNvSpPr/>
-            <p:nvPr/>
-          </p:nvSpPr>
-          <p:spPr>
-            <a:xfrm>
-              <a:off x="2802466" y="5975610"/>
-              <a:ext cx="541339" cy="184149"/>
-            </a:xfrm>
-            <a:custGeom>
-              <a:avLst/>
-              <a:gdLst>
-                <a:gd name="connsiteX0" fmla="*/ 0 w 541338"/>
-                <a:gd name="connsiteY0" fmla="*/ 0 h 184150"/>
-                <a:gd name="connsiteX1" fmla="*/ 19050 w 541338"/>
-                <a:gd name="connsiteY1" fmla="*/ 180975 h 184150"/>
-                <a:gd name="connsiteX2" fmla="*/ 541338 w 541338"/>
-                <a:gd name="connsiteY2" fmla="*/ 184150 h 184150"/>
-                <a:gd name="connsiteX3" fmla="*/ 515938 w 541338"/>
-                <a:gd name="connsiteY3" fmla="*/ 149225 h 184150"/>
-                <a:gd name="connsiteX4" fmla="*/ 390525 w 541338"/>
-                <a:gd name="connsiteY4" fmla="*/ 130175 h 184150"/>
-                <a:gd name="connsiteX5" fmla="*/ 233363 w 541338"/>
-                <a:gd name="connsiteY5" fmla="*/ 100012 h 184150"/>
-                <a:gd name="connsiteX6" fmla="*/ 176213 w 541338"/>
-                <a:gd name="connsiteY6" fmla="*/ 87312 h 184150"/>
-                <a:gd name="connsiteX7" fmla="*/ 112713 w 541338"/>
-                <a:gd name="connsiteY7" fmla="*/ 66675 h 184150"/>
-                <a:gd name="connsiteX8" fmla="*/ 55563 w 541338"/>
-                <a:gd name="connsiteY8" fmla="*/ 36512 h 184150"/>
-                <a:gd name="connsiteX9" fmla="*/ 0 w 541338"/>
-                <a:gd name="connsiteY9" fmla="*/ 0 h 184150"/>
-              </a:gdLst>
-              <a:ahLst/>
-              <a:cxnLst>
-                <a:cxn ang="0">
-                  <a:pos x="connsiteX0" y="connsiteY0"/>
-                </a:cxn>
-                <a:cxn ang="0">
-                  <a:pos x="connsiteX1" y="connsiteY1"/>
-                </a:cxn>
-                <a:cxn ang="0">
-                  <a:pos x="connsiteX2" y="connsiteY2"/>
-                </a:cxn>
-                <a:cxn ang="0">
-                  <a:pos x="connsiteX3" y="connsiteY3"/>
-                </a:cxn>
-                <a:cxn ang="0">
-                  <a:pos x="connsiteX4" y="connsiteY4"/>
-                </a:cxn>
-                <a:cxn ang="0">
-                  <a:pos x="connsiteX5" y="connsiteY5"/>
-                </a:cxn>
-                <a:cxn ang="0">
-                  <a:pos x="connsiteX6" y="connsiteY6"/>
-                </a:cxn>
-                <a:cxn ang="0">
-                  <a:pos x="connsiteX7" y="connsiteY7"/>
-                </a:cxn>
-                <a:cxn ang="0">
-                  <a:pos x="connsiteX8" y="connsiteY8"/>
-                </a:cxn>
-                <a:cxn ang="0">
-                  <a:pos x="connsiteX9" y="connsiteY9"/>
-                </a:cxn>
-              </a:cxnLst>
-              <a:rect l="l" t="t" r="r" b="b"/>
-              <a:pathLst>
-                <a:path w="541338" h="184150">
-                  <a:moveTo>
-                    <a:pt x="0" y="0"/>
-                  </a:moveTo>
-                  <a:lnTo>
-                    <a:pt x="19050" y="180975"/>
-                  </a:lnTo>
-                  <a:lnTo>
-                    <a:pt x="541338" y="184150"/>
-                  </a:lnTo>
-                  <a:lnTo>
-                    <a:pt x="515938" y="149225"/>
-                  </a:lnTo>
-                  <a:lnTo>
-                    <a:pt x="390525" y="130175"/>
-                  </a:lnTo>
-                  <a:lnTo>
-                    <a:pt x="233363" y="100012"/>
-                  </a:lnTo>
-                  <a:lnTo>
-                    <a:pt x="176213" y="87312"/>
-                  </a:lnTo>
-                  <a:lnTo>
-                    <a:pt x="112713" y="66675"/>
-                  </a:lnTo>
-                  <a:lnTo>
-                    <a:pt x="55563" y="36512"/>
-                  </a:lnTo>
-                  <a:lnTo>
-                    <a:pt x="0" y="0"/>
-                  </a:lnTo>
-                  <a:close/>
-                </a:path>
-              </a:pathLst>
-            </a:custGeom>
+        </p:nvSpPr>
+        <p:spPr>
+          <a:xfrm>
+            <a:off x="1230389" y="1957698"/>
+            <a:ext cx="483394" cy="261610"/>
+          </a:xfrm>
+          <a:prstGeom prst="rect">
+            <a:avLst/>
+          </a:prstGeom>
+          <a:noFill/>
+        </p:spPr>
+        <p:txBody>
+          <a:bodyPr wrap="square" rtlCol="0">
+            <a:spAutoFit/>
+          </a:bodyPr>
+          <a:lstStyle/>
+          <a:p>
+            <a:r>
+              <a:rPr lang="en-US" sz="1100" b="1" dirty="0"/>
+              <a:t>1960</a:t>
+            </a:r>
+          </a:p>
+        </p:txBody>
+      </p:sp>
+      <p:cxnSp>
+        <p:nvCxnSpPr>
+          <p:cNvPr id="52" name="Straight Connector 51">
+            <a:extLst>
+              <a:ext uri="{FF2B5EF4-FFF2-40B4-BE49-F238E27FC236}">
+                <a16:creationId xmlns:a16="http://schemas.microsoft.com/office/drawing/2014/main" id="{8D6DA994-D8F5-4DDF-9C02-7D7B5D4766F7}"/>
+              </a:ext>
+            </a:extLst>
+          </p:cNvPr>
+          <p:cNvCxnSpPr>
+            <a:cxnSpLocks/>
+          </p:cNvCxnSpPr>
+          <p:nvPr/>
+        </p:nvCxnSpPr>
+        <p:spPr>
+          <a:xfrm>
+            <a:off x="1459325" y="2234773"/>
+            <a:ext cx="0" cy="237915"/>
+          </a:xfrm>
+          <a:prstGeom prst="line">
+            <a:avLst/>
+          </a:prstGeom>
+          <a:ln w="12700">
+            <a:solidFill>
+              <a:srgbClr val="000000">
+                <a:alpha val="30196"/>
+              </a:srgbClr>
+            </a:solidFill>
+          </a:ln>
+        </p:spPr>
+        <p:style>
+          <a:lnRef idx="1">
+            <a:schemeClr val="accent1"/>
+          </a:lnRef>
+          <a:fillRef idx="0">
+            <a:schemeClr val="accent1"/>
+          </a:fillRef>
+          <a:effectRef idx="0">
+            <a:schemeClr val="accent1"/>
+          </a:effectRef>
+          <a:fontRef idx="minor">
+            <a:schemeClr val="tx1"/>
+          </a:fontRef>
+        </p:style>
+      </p:cxnSp>
+      <p:cxnSp>
+        <p:nvCxnSpPr>
+          <p:cNvPr id="54" name="Straight Connector 53">
+            <a:extLst>
+              <a:ext uri="{FF2B5EF4-FFF2-40B4-BE49-F238E27FC236}">
+                <a16:creationId xmlns:a16="http://schemas.microsoft.com/office/drawing/2014/main" id="{720BA8D9-EC8B-4BDA-A1C3-0C94FCD883F0}"/>
+              </a:ext>
+            </a:extLst>
+          </p:cNvPr>
+          <p:cNvCxnSpPr>
+            <a:cxnSpLocks/>
+          </p:cNvCxnSpPr>
+          <p:nvPr/>
+        </p:nvCxnSpPr>
+        <p:spPr>
+          <a:xfrm>
+            <a:off x="1853025" y="2016757"/>
+            <a:ext cx="0" cy="455931"/>
+          </a:xfrm>
+          <a:prstGeom prst="line">
+            <a:avLst/>
+          </a:prstGeom>
+          <a:ln w="12700">
+            <a:solidFill>
+              <a:srgbClr val="000000">
+                <a:alpha val="30196"/>
+              </a:srgbClr>
+            </a:solidFill>
+          </a:ln>
+        </p:spPr>
+        <p:style>
+          <a:lnRef idx="1">
+            <a:schemeClr val="accent1"/>
+          </a:lnRef>
+          <a:fillRef idx="0">
+            <a:schemeClr val="accent1"/>
+          </a:fillRef>
+          <a:effectRef idx="0">
+            <a:schemeClr val="accent1"/>
+          </a:effectRef>
+          <a:fontRef idx="minor">
+            <a:schemeClr val="tx1"/>
+          </a:fontRef>
+        </p:style>
+      </p:cxnSp>
+      <p:cxnSp>
+        <p:nvCxnSpPr>
+          <p:cNvPr id="55" name="Straight Connector 54">
+            <a:extLst>
+              <a:ext uri="{FF2B5EF4-FFF2-40B4-BE49-F238E27FC236}">
+                <a16:creationId xmlns:a16="http://schemas.microsoft.com/office/drawing/2014/main" id="{62624441-7BD7-4CE7-8BE1-710BF5DA7500}"/>
+              </a:ext>
+            </a:extLst>
+          </p:cNvPr>
+          <p:cNvCxnSpPr>
+            <a:cxnSpLocks/>
+          </p:cNvCxnSpPr>
+          <p:nvPr/>
+        </p:nvCxnSpPr>
+        <p:spPr>
+          <a:xfrm>
+            <a:off x="2249900" y="2219306"/>
+            <a:ext cx="0" cy="253381"/>
+          </a:xfrm>
+          <a:prstGeom prst="line">
+            <a:avLst/>
+          </a:prstGeom>
+          <a:ln w="12700">
+            <a:solidFill>
+              <a:srgbClr val="000000">
+                <a:alpha val="30196"/>
+              </a:srgbClr>
+            </a:solidFill>
+          </a:ln>
+        </p:spPr>
+        <p:style>
+          <a:lnRef idx="1">
+            <a:schemeClr val="accent1"/>
+          </a:lnRef>
+          <a:fillRef idx="0">
+            <a:schemeClr val="accent1"/>
+          </a:fillRef>
+          <a:effectRef idx="0">
+            <a:schemeClr val="accent1"/>
+          </a:effectRef>
+          <a:fontRef idx="minor">
+            <a:schemeClr val="tx1"/>
+          </a:fontRef>
+        </p:style>
+      </p:cxnSp>
+      <p:cxnSp>
+        <p:nvCxnSpPr>
+          <p:cNvPr id="58" name="Straight Connector 57">
+            <a:extLst>
+              <a:ext uri="{FF2B5EF4-FFF2-40B4-BE49-F238E27FC236}">
+                <a16:creationId xmlns:a16="http://schemas.microsoft.com/office/drawing/2014/main" id="{EDFB9014-F28C-455C-812A-398248DB538C}"/>
+              </a:ext>
+            </a:extLst>
+          </p:cNvPr>
+          <p:cNvCxnSpPr>
+            <a:cxnSpLocks/>
+          </p:cNvCxnSpPr>
+          <p:nvPr/>
+        </p:nvCxnSpPr>
+        <p:spPr>
+          <a:xfrm>
+            <a:off x="3427291" y="2016758"/>
+            <a:ext cx="0" cy="455931"/>
+          </a:xfrm>
+          <a:prstGeom prst="line">
+            <a:avLst/>
+          </a:prstGeom>
+          <a:ln w="12700">
+            <a:solidFill>
+              <a:srgbClr val="000000">
+                <a:alpha val="30196"/>
+              </a:srgbClr>
+            </a:solidFill>
+          </a:ln>
+        </p:spPr>
+        <p:style>
+          <a:lnRef idx="1">
+            <a:schemeClr val="accent1"/>
+          </a:lnRef>
+          <a:fillRef idx="0">
+            <a:schemeClr val="accent1"/>
+          </a:fillRef>
+          <a:effectRef idx="0">
+            <a:schemeClr val="accent1"/>
+          </a:effectRef>
+          <a:fontRef idx="minor">
+            <a:schemeClr val="tx1"/>
+          </a:fontRef>
+        </p:style>
+      </p:cxnSp>
+      <p:sp>
+        <p:nvSpPr>
+          <p:cNvPr id="60" name="TextBox 59">
+            <a:extLst>
+              <a:ext uri="{FF2B5EF4-FFF2-40B4-BE49-F238E27FC236}">
+                <a16:creationId xmlns:a16="http://schemas.microsoft.com/office/drawing/2014/main" id="{E2D4A437-DE23-4E95-A3BA-CF9BDA3584E2}"/>
+              </a:ext>
+            </a:extLst>
+          </p:cNvPr>
+          <p:cNvSpPr txBox="1"/>
+          <p:nvPr/>
+        </p:nvSpPr>
+        <p:spPr>
+          <a:xfrm>
+            <a:off x="1620457" y="1729047"/>
+            <a:ext cx="483394" cy="261610"/>
+          </a:xfrm>
+          <a:prstGeom prst="rect">
+            <a:avLst/>
+          </a:prstGeom>
+          <a:noFill/>
+        </p:spPr>
+        <p:txBody>
+          <a:bodyPr wrap="square" rtlCol="0">
+            <a:spAutoFit/>
+          </a:bodyPr>
+          <a:lstStyle/>
+          <a:p>
+            <a:r>
+              <a:rPr lang="en-US" sz="1100" b="1" dirty="0"/>
+              <a:t>1970</a:t>
+            </a:r>
+          </a:p>
+        </p:txBody>
+      </p:sp>
+      <p:sp>
+        <p:nvSpPr>
+          <p:cNvPr id="62" name="TextBox 61">
+            <a:extLst>
+              <a:ext uri="{FF2B5EF4-FFF2-40B4-BE49-F238E27FC236}">
+                <a16:creationId xmlns:a16="http://schemas.microsoft.com/office/drawing/2014/main" id="{205C56CB-7464-432D-8C4A-36721AB8CDF8}"/>
+              </a:ext>
+            </a:extLst>
+          </p:cNvPr>
+          <p:cNvSpPr txBox="1"/>
+          <p:nvPr/>
+        </p:nvSpPr>
+        <p:spPr>
+          <a:xfrm>
+            <a:off x="2021299" y="1957698"/>
+            <a:ext cx="483394" cy="261610"/>
+          </a:xfrm>
+          <a:prstGeom prst="rect">
+            <a:avLst/>
+          </a:prstGeom>
+          <a:noFill/>
+        </p:spPr>
+        <p:txBody>
+          <a:bodyPr wrap="square" rtlCol="0">
+            <a:spAutoFit/>
+          </a:bodyPr>
+          <a:lstStyle/>
+          <a:p>
+            <a:r>
+              <a:rPr lang="en-US" sz="1100" b="1" dirty="0"/>
+              <a:t>1980</a:t>
+            </a:r>
+          </a:p>
+        </p:txBody>
+      </p:sp>
+      <p:sp>
+        <p:nvSpPr>
+          <p:cNvPr id="63" name="TextBox 62">
+            <a:extLst>
+              <a:ext uri="{FF2B5EF4-FFF2-40B4-BE49-F238E27FC236}">
+                <a16:creationId xmlns:a16="http://schemas.microsoft.com/office/drawing/2014/main" id="{BF37D397-885F-4658-8D90-A1D90ACFFB7A}"/>
+              </a:ext>
+            </a:extLst>
+          </p:cNvPr>
+          <p:cNvSpPr txBox="1"/>
+          <p:nvPr/>
+        </p:nvSpPr>
+        <p:spPr>
+          <a:xfrm>
+            <a:off x="2807906" y="1957698"/>
+            <a:ext cx="483394" cy="261610"/>
+          </a:xfrm>
+          <a:prstGeom prst="rect">
+            <a:avLst/>
+          </a:prstGeom>
+          <a:noFill/>
+        </p:spPr>
+        <p:txBody>
+          <a:bodyPr wrap="square" rtlCol="0">
+            <a:spAutoFit/>
+          </a:bodyPr>
+          <a:lstStyle/>
+          <a:p>
+            <a:r>
+              <a:rPr lang="en-US" sz="1100" b="1" dirty="0"/>
+              <a:t>2000</a:t>
+            </a:r>
+          </a:p>
+        </p:txBody>
+      </p:sp>
+      <p:sp>
+        <p:nvSpPr>
+          <p:cNvPr id="64" name="TextBox 63">
+            <a:extLst>
+              <a:ext uri="{FF2B5EF4-FFF2-40B4-BE49-F238E27FC236}">
+                <a16:creationId xmlns:a16="http://schemas.microsoft.com/office/drawing/2014/main" id="{10967355-BFAC-409B-8E56-CB63D43F5BEE}"/>
+              </a:ext>
+            </a:extLst>
+          </p:cNvPr>
+          <p:cNvSpPr txBox="1"/>
+          <p:nvPr/>
+        </p:nvSpPr>
+        <p:spPr>
+          <a:xfrm>
+            <a:off x="3593720" y="1957698"/>
+            <a:ext cx="483394" cy="261610"/>
+          </a:xfrm>
+          <a:prstGeom prst="rect">
+            <a:avLst/>
+          </a:prstGeom>
+          <a:noFill/>
+        </p:spPr>
+        <p:txBody>
+          <a:bodyPr wrap="square" rtlCol="0">
+            <a:spAutoFit/>
+          </a:bodyPr>
+          <a:lstStyle/>
+          <a:p>
+            <a:r>
+              <a:rPr lang="en-US" sz="1100" b="1" dirty="0"/>
+              <a:t>2020</a:t>
+            </a:r>
+          </a:p>
+        </p:txBody>
+      </p:sp>
+      <p:sp>
+        <p:nvSpPr>
+          <p:cNvPr id="69" name="TextBox 68">
+            <a:extLst>
+              <a:ext uri="{FF2B5EF4-FFF2-40B4-BE49-F238E27FC236}">
+                <a16:creationId xmlns:a16="http://schemas.microsoft.com/office/drawing/2014/main" id="{61A28B46-83DA-48C8-9170-E757E0E77100}"/>
+              </a:ext>
+            </a:extLst>
+          </p:cNvPr>
+          <p:cNvSpPr txBox="1"/>
+          <p:nvPr/>
+        </p:nvSpPr>
+        <p:spPr>
+          <a:xfrm>
+            <a:off x="2414208" y="1729047"/>
+            <a:ext cx="483394" cy="261610"/>
+          </a:xfrm>
+          <a:prstGeom prst="rect">
+            <a:avLst/>
+          </a:prstGeom>
+          <a:noFill/>
+        </p:spPr>
+        <p:txBody>
+          <a:bodyPr wrap="square" rtlCol="0">
+            <a:spAutoFit/>
+          </a:bodyPr>
+          <a:lstStyle/>
+          <a:p>
+            <a:r>
+              <a:rPr lang="en-US" sz="1100" b="1" dirty="0"/>
+              <a:t>1990</a:t>
+            </a:r>
+          </a:p>
+        </p:txBody>
+      </p:sp>
+      <p:sp>
+        <p:nvSpPr>
+          <p:cNvPr id="70" name="TextBox 69">
+            <a:extLst>
+              <a:ext uri="{FF2B5EF4-FFF2-40B4-BE49-F238E27FC236}">
+                <a16:creationId xmlns:a16="http://schemas.microsoft.com/office/drawing/2014/main" id="{9731EBFC-6A40-49B6-9DDC-E34F39465205}"/>
+              </a:ext>
+            </a:extLst>
+          </p:cNvPr>
+          <p:cNvSpPr txBox="1"/>
+          <p:nvPr/>
+        </p:nvSpPr>
+        <p:spPr>
+          <a:xfrm>
+            <a:off x="3197371" y="1729047"/>
+            <a:ext cx="483394" cy="261610"/>
+          </a:xfrm>
+          <a:prstGeom prst="rect">
+            <a:avLst/>
+          </a:prstGeom>
+          <a:noFill/>
+        </p:spPr>
+        <p:txBody>
+          <a:bodyPr wrap="square" rtlCol="0">
+            <a:spAutoFit/>
+          </a:bodyPr>
+          <a:lstStyle/>
+          <a:p>
+            <a:r>
+              <a:rPr lang="en-US" sz="1100" b="1" dirty="0"/>
+              <a:t>2010</a:t>
+            </a:r>
+          </a:p>
+        </p:txBody>
+      </p:sp>
+      <p:cxnSp>
+        <p:nvCxnSpPr>
+          <p:cNvPr id="83" name="Straight Connector 82">
+            <a:extLst>
+              <a:ext uri="{FF2B5EF4-FFF2-40B4-BE49-F238E27FC236}">
+                <a16:creationId xmlns:a16="http://schemas.microsoft.com/office/drawing/2014/main" id="{12A689A2-3A6E-47EB-93CF-76E3BBEBE5C4}"/>
+              </a:ext>
+            </a:extLst>
+          </p:cNvPr>
+          <p:cNvCxnSpPr>
+            <a:cxnSpLocks/>
+          </p:cNvCxnSpPr>
+          <p:nvPr/>
+        </p:nvCxnSpPr>
+        <p:spPr>
+          <a:xfrm>
+            <a:off x="3035710" y="2219306"/>
+            <a:ext cx="0" cy="253381"/>
+          </a:xfrm>
+          <a:prstGeom prst="line">
+            <a:avLst/>
+          </a:prstGeom>
+          <a:ln w="12700">
+            <a:solidFill>
+              <a:srgbClr val="000000">
+                <a:alpha val="30196"/>
+              </a:srgbClr>
+            </a:solidFill>
+          </a:ln>
+        </p:spPr>
+        <p:style>
+          <a:lnRef idx="1">
+            <a:schemeClr val="accent1"/>
+          </a:lnRef>
+          <a:fillRef idx="0">
+            <a:schemeClr val="accent1"/>
+          </a:fillRef>
+          <a:effectRef idx="0">
+            <a:schemeClr val="accent1"/>
+          </a:effectRef>
+          <a:fontRef idx="minor">
+            <a:schemeClr val="tx1"/>
+          </a:fontRef>
+        </p:style>
+      </p:cxnSp>
+      <p:cxnSp>
+        <p:nvCxnSpPr>
+          <p:cNvPr id="85" name="Straight Connector 84">
+            <a:extLst>
+              <a:ext uri="{FF2B5EF4-FFF2-40B4-BE49-F238E27FC236}">
+                <a16:creationId xmlns:a16="http://schemas.microsoft.com/office/drawing/2014/main" id="{35BDDD1F-DEB6-4D1B-A16C-0576C1E0C889}"/>
+              </a:ext>
+            </a:extLst>
+          </p:cNvPr>
+          <p:cNvCxnSpPr>
+            <a:cxnSpLocks/>
+            <a:stCxn id="69" idx="2"/>
+          </p:cNvCxnSpPr>
+          <p:nvPr/>
+        </p:nvCxnSpPr>
+        <p:spPr>
+          <a:xfrm flipH="1">
+            <a:off x="2655904" y="1990657"/>
+            <a:ext cx="1" cy="482031"/>
+          </a:xfrm>
+          <a:prstGeom prst="line">
+            <a:avLst/>
+          </a:prstGeom>
+          <a:ln w="12700">
+            <a:solidFill>
+              <a:srgbClr val="000000">
+                <a:alpha val="30196"/>
+              </a:srgbClr>
+            </a:solidFill>
+          </a:ln>
+        </p:spPr>
+        <p:style>
+          <a:lnRef idx="1">
+            <a:schemeClr val="accent1"/>
+          </a:lnRef>
+          <a:fillRef idx="0">
+            <a:schemeClr val="accent1"/>
+          </a:fillRef>
+          <a:effectRef idx="0">
+            <a:schemeClr val="accent1"/>
+          </a:effectRef>
+          <a:fontRef idx="minor">
+            <a:schemeClr val="tx1"/>
+          </a:fontRef>
+        </p:style>
+      </p:cxnSp>
+      <p:cxnSp>
+        <p:nvCxnSpPr>
+          <p:cNvPr id="86" name="Straight Connector 85">
+            <a:extLst>
+              <a:ext uri="{FF2B5EF4-FFF2-40B4-BE49-F238E27FC236}">
+                <a16:creationId xmlns:a16="http://schemas.microsoft.com/office/drawing/2014/main" id="{F014C11C-F952-48F1-9958-6CA39DCA936C}"/>
+              </a:ext>
+            </a:extLst>
+          </p:cNvPr>
+          <p:cNvCxnSpPr>
+            <a:cxnSpLocks/>
+          </p:cNvCxnSpPr>
+          <p:nvPr/>
+        </p:nvCxnSpPr>
+        <p:spPr>
+          <a:xfrm>
+            <a:off x="3818345" y="2219307"/>
+            <a:ext cx="0" cy="253381"/>
+          </a:xfrm>
+          <a:prstGeom prst="line">
+            <a:avLst/>
+          </a:prstGeom>
+          <a:ln w="12700">
+            <a:solidFill>
+              <a:srgbClr val="000000">
+                <a:alpha val="30196"/>
+              </a:srgbClr>
+            </a:solidFill>
+          </a:ln>
+        </p:spPr>
+        <p:style>
+          <a:lnRef idx="1">
+            <a:schemeClr val="accent1"/>
+          </a:lnRef>
+          <a:fillRef idx="0">
+            <a:schemeClr val="accent1"/>
+          </a:fillRef>
+          <a:effectRef idx="0">
+            <a:schemeClr val="accent1"/>
+          </a:effectRef>
+          <a:fontRef idx="minor">
+            <a:schemeClr val="tx1"/>
+          </a:fontRef>
+        </p:style>
+      </p:cxnSp>
+      <p:pic>
+        <p:nvPicPr>
+          <p:cNvPr id="31" name="Picture 30">
+            <a:extLst>
+              <a:ext uri="{FF2B5EF4-FFF2-40B4-BE49-F238E27FC236}">
+                <a16:creationId xmlns:a16="http://schemas.microsoft.com/office/drawing/2014/main" id="{482E4B81-4737-4682-87E1-CFC8E5A3AD02}"/>
+              </a:ext>
+            </a:extLst>
+          </p:cNvPr>
+          <p:cNvPicPr>
+            <a:picLocks noChangeAspect="1"/>
+          </p:cNvPicPr>
+          <p:nvPr/>
+        </p:nvPicPr>
+        <p:blipFill>
+          <a:blip r:embed="rId2">
+            <a:extLst>
+              <a:ext uri="{28A0092B-C50C-407E-A947-70E740481C1C}">
+                <a14:useLocalDpi xmlns:a14="http://schemas.microsoft.com/office/drawing/2010/main" val="0"/>
+              </a:ext>
+            </a:extLst>
+          </a:blip>
+          <a:srcRect/>
+          <a:stretch/>
+        </p:blipFill>
+        <p:spPr>
+          <a:xfrm>
+            <a:off x="932831" y="2166345"/>
+            <a:ext cx="3289994" cy="3289995"/>
+          </a:xfrm>
+          <a:prstGeom prst="rect">
+            <a:avLst/>
+          </a:prstGeom>
+        </p:spPr>
+      </p:pic>
+      <p:pic>
+        <p:nvPicPr>
+          <p:cNvPr id="33" name="Picture 32">
+            <a:extLst>
+              <a:ext uri="{FF2B5EF4-FFF2-40B4-BE49-F238E27FC236}">
+                <a16:creationId xmlns:a16="http://schemas.microsoft.com/office/drawing/2014/main" id="{B6822C9A-D729-4C01-A479-A490E84B9803}"/>
+              </a:ext>
+            </a:extLst>
+          </p:cNvPr>
+          <p:cNvPicPr>
+            <a:picLocks noChangeAspect="1"/>
+          </p:cNvPicPr>
+          <p:nvPr/>
+        </p:nvPicPr>
+        <p:blipFill rotWithShape="1">
+          <a:blip r:embed="rId3">
+            <a:extLst>
+              <a:ext uri="{28A0092B-C50C-407E-A947-70E740481C1C}">
+                <a14:useLocalDpi xmlns:a14="http://schemas.microsoft.com/office/drawing/2010/main" val="0"/>
+              </a:ext>
+            </a:extLst>
+          </a:blip>
+          <a:srcRect l="17761" t="31667" r="16250" b="15694"/>
+          <a:stretch/>
+        </p:blipFill>
+        <p:spPr>
+          <a:xfrm>
+            <a:off x="1599156" y="3945419"/>
+            <a:ext cx="2015067" cy="2288720"/>
+          </a:xfrm>
+          <a:prstGeom prst="rect">
+            <a:avLst/>
+          </a:prstGeom>
+        </p:spPr>
+      </p:pic>
+      <p:sp>
+        <p:nvSpPr>
+          <p:cNvPr id="27" name="Freeform: Shape 26">
+            <a:extLst>
+              <a:ext uri="{FF2B5EF4-FFF2-40B4-BE49-F238E27FC236}">
+                <a16:creationId xmlns:a16="http://schemas.microsoft.com/office/drawing/2014/main" id="{E76FE242-4B84-4B7A-B522-CD041F1ECED2}"/>
+              </a:ext>
+            </a:extLst>
+          </p:cNvPr>
+          <p:cNvSpPr/>
+          <p:nvPr/>
+        </p:nvSpPr>
+        <p:spPr>
+          <a:xfrm>
+            <a:off x="1762008" y="6393496"/>
+            <a:ext cx="1677458" cy="173730"/>
+          </a:xfrm>
+          <a:custGeom>
+            <a:avLst/>
+            <a:gdLst>
+              <a:gd name="connsiteX0" fmla="*/ 0 w 1680634"/>
+              <a:gd name="connsiteY0" fmla="*/ 29633 h 170961"/>
+              <a:gd name="connsiteX1" fmla="*/ 385234 w 1680634"/>
+              <a:gd name="connsiteY1" fmla="*/ 160866 h 170961"/>
+              <a:gd name="connsiteX2" fmla="*/ 1367367 w 1680634"/>
+              <a:gd name="connsiteY2" fmla="*/ 143933 h 170961"/>
+              <a:gd name="connsiteX3" fmla="*/ 1680634 w 1680634"/>
+              <a:gd name="connsiteY3" fmla="*/ 0 h 170961"/>
+              <a:gd name="connsiteX0" fmla="*/ 0 w 1659996"/>
+              <a:gd name="connsiteY0" fmla="*/ 39158 h 170259"/>
+              <a:gd name="connsiteX1" fmla="*/ 364596 w 1659996"/>
+              <a:gd name="connsiteY1" fmla="*/ 160866 h 170259"/>
+              <a:gd name="connsiteX2" fmla="*/ 1346729 w 1659996"/>
+              <a:gd name="connsiteY2" fmla="*/ 143933 h 170259"/>
+              <a:gd name="connsiteX3" fmla="*/ 1659996 w 1659996"/>
+              <a:gd name="connsiteY3" fmla="*/ 0 h 170259"/>
+              <a:gd name="connsiteX0" fmla="*/ 0 w 1659996"/>
+              <a:gd name="connsiteY0" fmla="*/ 39158 h 170259"/>
+              <a:gd name="connsiteX1" fmla="*/ 364596 w 1659996"/>
+              <a:gd name="connsiteY1" fmla="*/ 160866 h 170259"/>
+              <a:gd name="connsiteX2" fmla="*/ 1346729 w 1659996"/>
+              <a:gd name="connsiteY2" fmla="*/ 143933 h 170259"/>
+              <a:gd name="connsiteX3" fmla="*/ 1659996 w 1659996"/>
+              <a:gd name="connsiteY3" fmla="*/ 0 h 170259"/>
+              <a:gd name="connsiteX0" fmla="*/ 0 w 1659996"/>
+              <a:gd name="connsiteY0" fmla="*/ 39158 h 174462"/>
+              <a:gd name="connsiteX1" fmla="*/ 364596 w 1659996"/>
+              <a:gd name="connsiteY1" fmla="*/ 160866 h 174462"/>
+              <a:gd name="connsiteX2" fmla="*/ 1351491 w 1659996"/>
+              <a:gd name="connsiteY2" fmla="*/ 153458 h 174462"/>
+              <a:gd name="connsiteX3" fmla="*/ 1659996 w 1659996"/>
+              <a:gd name="connsiteY3" fmla="*/ 0 h 174462"/>
+              <a:gd name="connsiteX0" fmla="*/ 0 w 1671108"/>
+              <a:gd name="connsiteY0" fmla="*/ 24871 h 160175"/>
+              <a:gd name="connsiteX1" fmla="*/ 364596 w 1671108"/>
+              <a:gd name="connsiteY1" fmla="*/ 146579 h 160175"/>
+              <a:gd name="connsiteX2" fmla="*/ 1351491 w 1671108"/>
+              <a:gd name="connsiteY2" fmla="*/ 139171 h 160175"/>
+              <a:gd name="connsiteX3" fmla="*/ 1671108 w 1671108"/>
+              <a:gd name="connsiteY3" fmla="*/ 0 h 160175"/>
+              <a:gd name="connsiteX0" fmla="*/ 0 w 1671108"/>
+              <a:gd name="connsiteY0" fmla="*/ 24871 h 160175"/>
+              <a:gd name="connsiteX1" fmla="*/ 364596 w 1671108"/>
+              <a:gd name="connsiteY1" fmla="*/ 146579 h 160175"/>
+              <a:gd name="connsiteX2" fmla="*/ 1351491 w 1671108"/>
+              <a:gd name="connsiteY2" fmla="*/ 139171 h 160175"/>
+              <a:gd name="connsiteX3" fmla="*/ 1671108 w 1671108"/>
+              <a:gd name="connsiteY3" fmla="*/ 0 h 160175"/>
+              <a:gd name="connsiteX0" fmla="*/ 0 w 1663170"/>
+              <a:gd name="connsiteY0" fmla="*/ 26458 h 161762"/>
+              <a:gd name="connsiteX1" fmla="*/ 364596 w 1663170"/>
+              <a:gd name="connsiteY1" fmla="*/ 148166 h 161762"/>
+              <a:gd name="connsiteX2" fmla="*/ 1351491 w 1663170"/>
+              <a:gd name="connsiteY2" fmla="*/ 140758 h 161762"/>
+              <a:gd name="connsiteX3" fmla="*/ 1663170 w 1663170"/>
+              <a:gd name="connsiteY3" fmla="*/ 0 h 161762"/>
+              <a:gd name="connsiteX0" fmla="*/ 0 w 1671107"/>
+              <a:gd name="connsiteY0" fmla="*/ 37570 h 172874"/>
+              <a:gd name="connsiteX1" fmla="*/ 364596 w 1671107"/>
+              <a:gd name="connsiteY1" fmla="*/ 159278 h 172874"/>
+              <a:gd name="connsiteX2" fmla="*/ 1351491 w 1671107"/>
+              <a:gd name="connsiteY2" fmla="*/ 151870 h 172874"/>
+              <a:gd name="connsiteX3" fmla="*/ 1671107 w 1671107"/>
+              <a:gd name="connsiteY3" fmla="*/ 0 h 172874"/>
+              <a:gd name="connsiteX0" fmla="*/ 0 w 1677457"/>
+              <a:gd name="connsiteY0" fmla="*/ 24870 h 173730"/>
+              <a:gd name="connsiteX1" fmla="*/ 370946 w 1677457"/>
+              <a:gd name="connsiteY1" fmla="*/ 159278 h 173730"/>
+              <a:gd name="connsiteX2" fmla="*/ 1357841 w 1677457"/>
+              <a:gd name="connsiteY2" fmla="*/ 151870 h 173730"/>
+              <a:gd name="connsiteX3" fmla="*/ 1677457 w 1677457"/>
+              <a:gd name="connsiteY3" fmla="*/ 0 h 173730"/>
+              <a:gd name="connsiteX0" fmla="*/ 0 w 1677457"/>
+              <a:gd name="connsiteY0" fmla="*/ 24870 h 173730"/>
+              <a:gd name="connsiteX1" fmla="*/ 370946 w 1677457"/>
+              <a:gd name="connsiteY1" fmla="*/ 159278 h 173730"/>
+              <a:gd name="connsiteX2" fmla="*/ 1357841 w 1677457"/>
+              <a:gd name="connsiteY2" fmla="*/ 151870 h 173730"/>
+              <a:gd name="connsiteX3" fmla="*/ 1677457 w 1677457"/>
+              <a:gd name="connsiteY3" fmla="*/ 0 h 173730"/>
+            </a:gdLst>
+            <a:ahLst/>
+            <a:cxnLst>
+              <a:cxn ang="0">
+                <a:pos x="connsiteX0" y="connsiteY0"/>
+              </a:cxn>
+              <a:cxn ang="0">
+                <a:pos x="connsiteX1" y="connsiteY1"/>
+              </a:cxn>
+              <a:cxn ang="0">
+                <a:pos x="connsiteX2" y="connsiteY2"/>
+              </a:cxn>
+              <a:cxn ang="0">
+                <a:pos x="connsiteX3" y="connsiteY3"/>
+              </a:cxn>
+            </a:cxnLst>
+            <a:rect l="l" t="t" r="r" b="b"/>
+            <a:pathLst>
+              <a:path w="1677457" h="173730">
+                <a:moveTo>
+                  <a:pt x="0" y="24870"/>
+                </a:moveTo>
+                <a:cubicBezTo>
+                  <a:pt x="64382" y="120648"/>
+                  <a:pt x="144639" y="138111"/>
+                  <a:pt x="370946" y="159278"/>
+                </a:cubicBezTo>
+                <a:cubicBezTo>
+                  <a:pt x="597253" y="180445"/>
+                  <a:pt x="1141941" y="178681"/>
+                  <a:pt x="1357841" y="151870"/>
+                </a:cubicBezTo>
+                <a:cubicBezTo>
+                  <a:pt x="1573741" y="125059"/>
+                  <a:pt x="1631948" y="66499"/>
+                  <a:pt x="1677457" y="0"/>
+                </a:cubicBezTo>
+              </a:path>
+            </a:pathLst>
+          </a:custGeom>
+          <a:noFill/>
+          <a:ln w="19050">
+            <a:solidFill>
+              <a:srgbClr val="96B0DE"/>
+            </a:solidFill>
+          </a:ln>
+        </p:spPr>
+        <p:style>
+          <a:lnRef idx="2">
+            <a:schemeClr val="accent1">
+              <a:shade val="50000"/>
+            </a:schemeClr>
+          </a:lnRef>
+          <a:fillRef idx="1">
+            <a:schemeClr val="accent1"/>
+          </a:fillRef>
+          <a:effectRef idx="0">
+            <a:schemeClr val="accent1"/>
+          </a:effectRef>
+          <a:fontRef idx="minor">
+            <a:schemeClr val="lt1"/>
+          </a:fontRef>
+        </p:style>
+        <p:txBody>
+          <a:bodyPr rtlCol="0" anchor="ctr"/>
+          <a:lstStyle/>
+          <a:p>
+            <a:pPr algn="ctr"/>
+            <a:endParaRPr lang="en-US" sz="1801"/>
+          </a:p>
+        </p:txBody>
+      </p:sp>
+      <p:sp>
+        <p:nvSpPr>
+          <p:cNvPr id="29" name="Freeform: Shape 28">
+            <a:extLst>
+              <a:ext uri="{FF2B5EF4-FFF2-40B4-BE49-F238E27FC236}">
+                <a16:creationId xmlns:a16="http://schemas.microsoft.com/office/drawing/2014/main" id="{DCC5FE86-F1E3-434D-9962-5B0BE6AC5DAB}"/>
+              </a:ext>
+            </a:extLst>
+          </p:cNvPr>
+          <p:cNvSpPr/>
+          <p:nvPr/>
+        </p:nvSpPr>
+        <p:spPr>
+          <a:xfrm flipV="1">
+            <a:off x="1728670" y="5893990"/>
+            <a:ext cx="1733019" cy="173621"/>
+          </a:xfrm>
+          <a:custGeom>
+            <a:avLst/>
+            <a:gdLst>
+              <a:gd name="connsiteX0" fmla="*/ 0 w 1680634"/>
+              <a:gd name="connsiteY0" fmla="*/ 29633 h 170961"/>
+              <a:gd name="connsiteX1" fmla="*/ 385234 w 1680634"/>
+              <a:gd name="connsiteY1" fmla="*/ 160866 h 170961"/>
+              <a:gd name="connsiteX2" fmla="*/ 1367367 w 1680634"/>
+              <a:gd name="connsiteY2" fmla="*/ 143933 h 170961"/>
+              <a:gd name="connsiteX3" fmla="*/ 1680634 w 1680634"/>
+              <a:gd name="connsiteY3" fmla="*/ 0 h 170961"/>
+              <a:gd name="connsiteX0" fmla="*/ 0 w 1659996"/>
+              <a:gd name="connsiteY0" fmla="*/ 39158 h 170259"/>
+              <a:gd name="connsiteX1" fmla="*/ 364596 w 1659996"/>
+              <a:gd name="connsiteY1" fmla="*/ 160866 h 170259"/>
+              <a:gd name="connsiteX2" fmla="*/ 1346729 w 1659996"/>
+              <a:gd name="connsiteY2" fmla="*/ 143933 h 170259"/>
+              <a:gd name="connsiteX3" fmla="*/ 1659996 w 1659996"/>
+              <a:gd name="connsiteY3" fmla="*/ 0 h 170259"/>
+              <a:gd name="connsiteX0" fmla="*/ 0 w 1659996"/>
+              <a:gd name="connsiteY0" fmla="*/ 39158 h 170259"/>
+              <a:gd name="connsiteX1" fmla="*/ 364596 w 1659996"/>
+              <a:gd name="connsiteY1" fmla="*/ 160866 h 170259"/>
+              <a:gd name="connsiteX2" fmla="*/ 1346729 w 1659996"/>
+              <a:gd name="connsiteY2" fmla="*/ 143933 h 170259"/>
+              <a:gd name="connsiteX3" fmla="*/ 1659996 w 1659996"/>
+              <a:gd name="connsiteY3" fmla="*/ 0 h 170259"/>
+              <a:gd name="connsiteX0" fmla="*/ 0 w 1659996"/>
+              <a:gd name="connsiteY0" fmla="*/ 39158 h 174462"/>
+              <a:gd name="connsiteX1" fmla="*/ 364596 w 1659996"/>
+              <a:gd name="connsiteY1" fmla="*/ 160866 h 174462"/>
+              <a:gd name="connsiteX2" fmla="*/ 1351491 w 1659996"/>
+              <a:gd name="connsiteY2" fmla="*/ 153458 h 174462"/>
+              <a:gd name="connsiteX3" fmla="*/ 1659996 w 1659996"/>
+              <a:gd name="connsiteY3" fmla="*/ 0 h 174462"/>
+              <a:gd name="connsiteX0" fmla="*/ 0 w 1671108"/>
+              <a:gd name="connsiteY0" fmla="*/ 24871 h 160175"/>
+              <a:gd name="connsiteX1" fmla="*/ 364596 w 1671108"/>
+              <a:gd name="connsiteY1" fmla="*/ 146579 h 160175"/>
+              <a:gd name="connsiteX2" fmla="*/ 1351491 w 1671108"/>
+              <a:gd name="connsiteY2" fmla="*/ 139171 h 160175"/>
+              <a:gd name="connsiteX3" fmla="*/ 1671108 w 1671108"/>
+              <a:gd name="connsiteY3" fmla="*/ 0 h 160175"/>
+              <a:gd name="connsiteX0" fmla="*/ 0 w 1671108"/>
+              <a:gd name="connsiteY0" fmla="*/ 24871 h 160175"/>
+              <a:gd name="connsiteX1" fmla="*/ 364596 w 1671108"/>
+              <a:gd name="connsiteY1" fmla="*/ 146579 h 160175"/>
+              <a:gd name="connsiteX2" fmla="*/ 1351491 w 1671108"/>
+              <a:gd name="connsiteY2" fmla="*/ 139171 h 160175"/>
+              <a:gd name="connsiteX3" fmla="*/ 1671108 w 1671108"/>
+              <a:gd name="connsiteY3" fmla="*/ 0 h 160175"/>
+              <a:gd name="connsiteX0" fmla="*/ 0 w 1663170"/>
+              <a:gd name="connsiteY0" fmla="*/ 26458 h 161762"/>
+              <a:gd name="connsiteX1" fmla="*/ 364596 w 1663170"/>
+              <a:gd name="connsiteY1" fmla="*/ 148166 h 161762"/>
+              <a:gd name="connsiteX2" fmla="*/ 1351491 w 1663170"/>
+              <a:gd name="connsiteY2" fmla="*/ 140758 h 161762"/>
+              <a:gd name="connsiteX3" fmla="*/ 1663170 w 1663170"/>
+              <a:gd name="connsiteY3" fmla="*/ 0 h 161762"/>
+              <a:gd name="connsiteX0" fmla="*/ 0 w 1671107"/>
+              <a:gd name="connsiteY0" fmla="*/ 37570 h 172874"/>
+              <a:gd name="connsiteX1" fmla="*/ 364596 w 1671107"/>
+              <a:gd name="connsiteY1" fmla="*/ 159278 h 172874"/>
+              <a:gd name="connsiteX2" fmla="*/ 1351491 w 1671107"/>
+              <a:gd name="connsiteY2" fmla="*/ 151870 h 172874"/>
+              <a:gd name="connsiteX3" fmla="*/ 1671107 w 1671107"/>
+              <a:gd name="connsiteY3" fmla="*/ 0 h 172874"/>
+              <a:gd name="connsiteX0" fmla="*/ 0 w 1677457"/>
+              <a:gd name="connsiteY0" fmla="*/ 24870 h 173730"/>
+              <a:gd name="connsiteX1" fmla="*/ 370946 w 1677457"/>
+              <a:gd name="connsiteY1" fmla="*/ 159278 h 173730"/>
+              <a:gd name="connsiteX2" fmla="*/ 1357841 w 1677457"/>
+              <a:gd name="connsiteY2" fmla="*/ 151870 h 173730"/>
+              <a:gd name="connsiteX3" fmla="*/ 1677457 w 1677457"/>
+              <a:gd name="connsiteY3" fmla="*/ 0 h 173730"/>
+              <a:gd name="connsiteX0" fmla="*/ 0 w 1677457"/>
+              <a:gd name="connsiteY0" fmla="*/ 24870 h 173730"/>
+              <a:gd name="connsiteX1" fmla="*/ 370946 w 1677457"/>
+              <a:gd name="connsiteY1" fmla="*/ 159278 h 173730"/>
+              <a:gd name="connsiteX2" fmla="*/ 1357841 w 1677457"/>
+              <a:gd name="connsiteY2" fmla="*/ 151870 h 173730"/>
+              <a:gd name="connsiteX3" fmla="*/ 1677457 w 1677457"/>
+              <a:gd name="connsiteY3" fmla="*/ 0 h 173730"/>
+              <a:gd name="connsiteX0" fmla="*/ 0 w 1661582"/>
+              <a:gd name="connsiteY0" fmla="*/ 12170 h 174596"/>
+              <a:gd name="connsiteX1" fmla="*/ 355071 w 1661582"/>
+              <a:gd name="connsiteY1" fmla="*/ 159278 h 174596"/>
+              <a:gd name="connsiteX2" fmla="*/ 1341966 w 1661582"/>
+              <a:gd name="connsiteY2" fmla="*/ 151870 h 174596"/>
+              <a:gd name="connsiteX3" fmla="*/ 1661582 w 1661582"/>
+              <a:gd name="connsiteY3" fmla="*/ 0 h 174596"/>
+              <a:gd name="connsiteX0" fmla="*/ 0 w 1661582"/>
+              <a:gd name="connsiteY0" fmla="*/ 12170 h 174596"/>
+              <a:gd name="connsiteX1" fmla="*/ 355071 w 1661582"/>
+              <a:gd name="connsiteY1" fmla="*/ 159278 h 174596"/>
+              <a:gd name="connsiteX2" fmla="*/ 1341966 w 1661582"/>
+              <a:gd name="connsiteY2" fmla="*/ 151870 h 174596"/>
+              <a:gd name="connsiteX3" fmla="*/ 1661582 w 1661582"/>
+              <a:gd name="connsiteY3" fmla="*/ 0 h 174596"/>
+              <a:gd name="connsiteX0" fmla="*/ 0 w 1661582"/>
+              <a:gd name="connsiteY0" fmla="*/ 12170 h 180770"/>
+              <a:gd name="connsiteX1" fmla="*/ 372534 w 1661582"/>
+              <a:gd name="connsiteY1" fmla="*/ 168803 h 180770"/>
+              <a:gd name="connsiteX2" fmla="*/ 1341966 w 1661582"/>
+              <a:gd name="connsiteY2" fmla="*/ 151870 h 180770"/>
+              <a:gd name="connsiteX3" fmla="*/ 1661582 w 1661582"/>
+              <a:gd name="connsiteY3" fmla="*/ 0 h 180770"/>
+              <a:gd name="connsiteX0" fmla="*/ 0 w 1661582"/>
+              <a:gd name="connsiteY0" fmla="*/ 12170 h 188949"/>
+              <a:gd name="connsiteX1" fmla="*/ 372534 w 1661582"/>
+              <a:gd name="connsiteY1" fmla="*/ 168803 h 188949"/>
+              <a:gd name="connsiteX2" fmla="*/ 1341966 w 1661582"/>
+              <a:gd name="connsiteY2" fmla="*/ 169332 h 188949"/>
+              <a:gd name="connsiteX3" fmla="*/ 1661582 w 1661582"/>
+              <a:gd name="connsiteY3" fmla="*/ 0 h 188949"/>
+              <a:gd name="connsiteX0" fmla="*/ 0 w 1702857"/>
+              <a:gd name="connsiteY0" fmla="*/ 21695 h 188368"/>
+              <a:gd name="connsiteX1" fmla="*/ 413809 w 1702857"/>
+              <a:gd name="connsiteY1" fmla="*/ 168803 h 188368"/>
+              <a:gd name="connsiteX2" fmla="*/ 1383241 w 1702857"/>
+              <a:gd name="connsiteY2" fmla="*/ 169332 h 188368"/>
+              <a:gd name="connsiteX3" fmla="*/ 1702857 w 1702857"/>
+              <a:gd name="connsiteY3" fmla="*/ 0 h 188368"/>
+              <a:gd name="connsiteX0" fmla="*/ 0 w 1702857"/>
+              <a:gd name="connsiteY0" fmla="*/ 21695 h 188368"/>
+              <a:gd name="connsiteX1" fmla="*/ 413809 w 1702857"/>
+              <a:gd name="connsiteY1" fmla="*/ 168803 h 188368"/>
+              <a:gd name="connsiteX2" fmla="*/ 1383241 w 1702857"/>
+              <a:gd name="connsiteY2" fmla="*/ 169332 h 188368"/>
+              <a:gd name="connsiteX3" fmla="*/ 1702857 w 1702857"/>
+              <a:gd name="connsiteY3" fmla="*/ 0 h 188368"/>
+              <a:gd name="connsiteX0" fmla="*/ 0 w 1736195"/>
+              <a:gd name="connsiteY0" fmla="*/ 31220 h 197893"/>
+              <a:gd name="connsiteX1" fmla="*/ 413809 w 1736195"/>
+              <a:gd name="connsiteY1" fmla="*/ 178328 h 197893"/>
+              <a:gd name="connsiteX2" fmla="*/ 1383241 w 1736195"/>
+              <a:gd name="connsiteY2" fmla="*/ 178857 h 197893"/>
+              <a:gd name="connsiteX3" fmla="*/ 1736195 w 1736195"/>
+              <a:gd name="connsiteY3" fmla="*/ 0 h 197893"/>
+              <a:gd name="connsiteX0" fmla="*/ 0 w 1690158"/>
+              <a:gd name="connsiteY0" fmla="*/ 51857 h 196671"/>
+              <a:gd name="connsiteX1" fmla="*/ 367772 w 1690158"/>
+              <a:gd name="connsiteY1" fmla="*/ 178328 h 196671"/>
+              <a:gd name="connsiteX2" fmla="*/ 1337204 w 1690158"/>
+              <a:gd name="connsiteY2" fmla="*/ 178857 h 196671"/>
+              <a:gd name="connsiteX3" fmla="*/ 1690158 w 1690158"/>
+              <a:gd name="connsiteY3" fmla="*/ 0 h 196671"/>
+              <a:gd name="connsiteX0" fmla="*/ 0 w 1690158"/>
+              <a:gd name="connsiteY0" fmla="*/ 51857 h 196671"/>
+              <a:gd name="connsiteX1" fmla="*/ 367772 w 1690158"/>
+              <a:gd name="connsiteY1" fmla="*/ 178328 h 196671"/>
+              <a:gd name="connsiteX2" fmla="*/ 1337204 w 1690158"/>
+              <a:gd name="connsiteY2" fmla="*/ 178857 h 196671"/>
+              <a:gd name="connsiteX3" fmla="*/ 1690158 w 1690158"/>
+              <a:gd name="connsiteY3" fmla="*/ 0 h 196671"/>
+              <a:gd name="connsiteX0" fmla="*/ 0 w 1615545"/>
+              <a:gd name="connsiteY0" fmla="*/ 7407 h 152221"/>
+              <a:gd name="connsiteX1" fmla="*/ 367772 w 1615545"/>
+              <a:gd name="connsiteY1" fmla="*/ 133878 h 152221"/>
+              <a:gd name="connsiteX2" fmla="*/ 1337204 w 1615545"/>
+              <a:gd name="connsiteY2" fmla="*/ 134407 h 152221"/>
+              <a:gd name="connsiteX3" fmla="*/ 1615545 w 1615545"/>
+              <a:gd name="connsiteY3" fmla="*/ 0 h 152221"/>
+              <a:gd name="connsiteX0" fmla="*/ 0 w 1615545"/>
+              <a:gd name="connsiteY0" fmla="*/ 7407 h 152221"/>
+              <a:gd name="connsiteX1" fmla="*/ 367772 w 1615545"/>
+              <a:gd name="connsiteY1" fmla="*/ 133878 h 152221"/>
+              <a:gd name="connsiteX2" fmla="*/ 1337204 w 1615545"/>
+              <a:gd name="connsiteY2" fmla="*/ 134407 h 152221"/>
+              <a:gd name="connsiteX3" fmla="*/ 1615545 w 1615545"/>
+              <a:gd name="connsiteY3" fmla="*/ 0 h 152221"/>
+              <a:gd name="connsiteX0" fmla="*/ 0 w 1615545"/>
+              <a:gd name="connsiteY0" fmla="*/ 7407 h 154217"/>
+              <a:gd name="connsiteX1" fmla="*/ 367772 w 1615545"/>
+              <a:gd name="connsiteY1" fmla="*/ 133878 h 154217"/>
+              <a:gd name="connsiteX2" fmla="*/ 1281641 w 1615545"/>
+              <a:gd name="connsiteY2" fmla="*/ 137582 h 154217"/>
+              <a:gd name="connsiteX3" fmla="*/ 1615545 w 1615545"/>
+              <a:gd name="connsiteY3" fmla="*/ 0 h 154217"/>
+              <a:gd name="connsiteX0" fmla="*/ 0 w 1617132"/>
+              <a:gd name="connsiteY0" fmla="*/ 18520 h 165330"/>
+              <a:gd name="connsiteX1" fmla="*/ 367772 w 1617132"/>
+              <a:gd name="connsiteY1" fmla="*/ 144991 h 165330"/>
+              <a:gd name="connsiteX2" fmla="*/ 1281641 w 1617132"/>
+              <a:gd name="connsiteY2" fmla="*/ 148695 h 165330"/>
+              <a:gd name="connsiteX3" fmla="*/ 1617132 w 1617132"/>
+              <a:gd name="connsiteY3" fmla="*/ 0 h 165330"/>
+              <a:gd name="connsiteX0" fmla="*/ 0 w 1593320"/>
+              <a:gd name="connsiteY0" fmla="*/ 0 h 185378"/>
+              <a:gd name="connsiteX1" fmla="*/ 343960 w 1593320"/>
+              <a:gd name="connsiteY1" fmla="*/ 162983 h 185378"/>
+              <a:gd name="connsiteX2" fmla="*/ 1257829 w 1593320"/>
+              <a:gd name="connsiteY2" fmla="*/ 166687 h 185378"/>
+              <a:gd name="connsiteX3" fmla="*/ 1593320 w 1593320"/>
+              <a:gd name="connsiteY3" fmla="*/ 17992 h 185378"/>
+              <a:gd name="connsiteX0" fmla="*/ 0 w 1593320"/>
+              <a:gd name="connsiteY0" fmla="*/ 0 h 185378"/>
+              <a:gd name="connsiteX1" fmla="*/ 343960 w 1593320"/>
+              <a:gd name="connsiteY1" fmla="*/ 162983 h 185378"/>
+              <a:gd name="connsiteX2" fmla="*/ 1257829 w 1593320"/>
+              <a:gd name="connsiteY2" fmla="*/ 166687 h 185378"/>
+              <a:gd name="connsiteX3" fmla="*/ 1593320 w 1593320"/>
+              <a:gd name="connsiteY3" fmla="*/ 17992 h 185378"/>
+              <a:gd name="connsiteX0" fmla="*/ 0 w 1607607"/>
+              <a:gd name="connsiteY0" fmla="*/ 0 h 183698"/>
+              <a:gd name="connsiteX1" fmla="*/ 358247 w 1607607"/>
+              <a:gd name="connsiteY1" fmla="*/ 161396 h 183698"/>
+              <a:gd name="connsiteX2" fmla="*/ 1272116 w 1607607"/>
+              <a:gd name="connsiteY2" fmla="*/ 165100 h 183698"/>
+              <a:gd name="connsiteX3" fmla="*/ 1607607 w 1607607"/>
+              <a:gd name="connsiteY3" fmla="*/ 16405 h 183698"/>
+              <a:gd name="connsiteX0" fmla="*/ 0 w 1625069"/>
+              <a:gd name="connsiteY0" fmla="*/ 0 h 183698"/>
+              <a:gd name="connsiteX1" fmla="*/ 358247 w 1625069"/>
+              <a:gd name="connsiteY1" fmla="*/ 161396 h 183698"/>
+              <a:gd name="connsiteX2" fmla="*/ 1272116 w 1625069"/>
+              <a:gd name="connsiteY2" fmla="*/ 165100 h 183698"/>
+              <a:gd name="connsiteX3" fmla="*/ 1625069 w 1625069"/>
+              <a:gd name="connsiteY3" fmla="*/ 17992 h 183698"/>
+              <a:gd name="connsiteX0" fmla="*/ 0 w 1704444"/>
+              <a:gd name="connsiteY0" fmla="*/ 10583 h 194281"/>
+              <a:gd name="connsiteX1" fmla="*/ 358247 w 1704444"/>
+              <a:gd name="connsiteY1" fmla="*/ 171979 h 194281"/>
+              <a:gd name="connsiteX2" fmla="*/ 1272116 w 1704444"/>
+              <a:gd name="connsiteY2" fmla="*/ 175683 h 194281"/>
+              <a:gd name="connsiteX3" fmla="*/ 1704444 w 1704444"/>
+              <a:gd name="connsiteY3" fmla="*/ 0 h 194281"/>
+              <a:gd name="connsiteX0" fmla="*/ 0 w 1691744"/>
+              <a:gd name="connsiteY0" fmla="*/ 0 h 183698"/>
+              <a:gd name="connsiteX1" fmla="*/ 358247 w 1691744"/>
+              <a:gd name="connsiteY1" fmla="*/ 161396 h 183698"/>
+              <a:gd name="connsiteX2" fmla="*/ 1272116 w 1691744"/>
+              <a:gd name="connsiteY2" fmla="*/ 165100 h 183698"/>
+              <a:gd name="connsiteX3" fmla="*/ 1691744 w 1691744"/>
+              <a:gd name="connsiteY3" fmla="*/ 14817 h 183698"/>
+              <a:gd name="connsiteX0" fmla="*/ 0 w 1733019"/>
+              <a:gd name="connsiteY0" fmla="*/ 0 h 173622"/>
+              <a:gd name="connsiteX1" fmla="*/ 399522 w 1733019"/>
+              <a:gd name="connsiteY1" fmla="*/ 151871 h 173622"/>
+              <a:gd name="connsiteX2" fmla="*/ 1313391 w 1733019"/>
+              <a:gd name="connsiteY2" fmla="*/ 155575 h 173622"/>
+              <a:gd name="connsiteX3" fmla="*/ 1733019 w 1733019"/>
+              <a:gd name="connsiteY3" fmla="*/ 5292 h 173622"/>
+            </a:gdLst>
+            <a:ahLst/>
+            <a:cxnLst>
+              <a:cxn ang="0">
+                <a:pos x="connsiteX0" y="connsiteY0"/>
+              </a:cxn>
+              <a:cxn ang="0">
+                <a:pos x="connsiteX1" y="connsiteY1"/>
+              </a:cxn>
+              <a:cxn ang="0">
+                <a:pos x="connsiteX2" y="connsiteY2"/>
+              </a:cxn>
+              <a:cxn ang="0">
+                <a:pos x="connsiteX3" y="connsiteY3"/>
+              </a:cxn>
+            </a:cxnLst>
+            <a:rect l="l" t="t" r="r" b="b"/>
+            <a:pathLst>
+              <a:path w="1733019" h="173622">
+                <a:moveTo>
+                  <a:pt x="0" y="0"/>
+                </a:moveTo>
+                <a:cubicBezTo>
+                  <a:pt x="85019" y="86252"/>
+                  <a:pt x="180624" y="125942"/>
+                  <a:pt x="399522" y="151871"/>
+                </a:cubicBezTo>
+                <a:cubicBezTo>
+                  <a:pt x="618421" y="177800"/>
+                  <a:pt x="1097491" y="182386"/>
+                  <a:pt x="1313391" y="155575"/>
+                </a:cubicBezTo>
+                <a:cubicBezTo>
+                  <a:pt x="1529291" y="128764"/>
+                  <a:pt x="1679572" y="79729"/>
+                  <a:pt x="1733019" y="5292"/>
+                </a:cubicBezTo>
+              </a:path>
+            </a:pathLst>
+          </a:custGeom>
+          <a:noFill/>
+          <a:ln w="19050">
+            <a:solidFill>
+              <a:srgbClr val="2F528F">
+                <a:alpha val="50196"/>
+              </a:srgbClr>
+            </a:solidFill>
+          </a:ln>
+        </p:spPr>
+        <p:style>
+          <a:lnRef idx="2">
+            <a:schemeClr val="accent1">
+              <a:shade val="50000"/>
+            </a:schemeClr>
+          </a:lnRef>
+          <a:fillRef idx="1">
+            <a:schemeClr val="accent1"/>
+          </a:fillRef>
+          <a:effectRef idx="0">
+            <a:schemeClr val="accent1"/>
+          </a:effectRef>
+          <a:fontRef idx="minor">
+            <a:schemeClr val="lt1"/>
+          </a:fontRef>
+        </p:style>
+        <p:txBody>
+          <a:bodyPr rtlCol="0" anchor="ctr"/>
+          <a:lstStyle/>
+          <a:p>
+            <a:pPr algn="ctr"/>
+            <a:endParaRPr lang="en-US" sz="1801" dirty="0"/>
+          </a:p>
+        </p:txBody>
+      </p:sp>
+      <p:sp>
+        <p:nvSpPr>
+          <p:cNvPr id="37" name="Freeform: Shape 36">
+            <a:extLst>
+              <a:ext uri="{FF2B5EF4-FFF2-40B4-BE49-F238E27FC236}">
+                <a16:creationId xmlns:a16="http://schemas.microsoft.com/office/drawing/2014/main" id="{4E13583E-FCB8-4B3B-AB55-0A421FBA34DC}"/>
+              </a:ext>
+            </a:extLst>
+          </p:cNvPr>
+          <p:cNvSpPr/>
+          <p:nvPr/>
+        </p:nvSpPr>
+        <p:spPr>
+          <a:xfrm>
+            <a:off x="1724437" y="6073878"/>
+            <a:ext cx="541339" cy="184149"/>
+          </a:xfrm>
+          <a:custGeom>
+            <a:avLst/>
+            <a:gdLst>
+              <a:gd name="connsiteX0" fmla="*/ 0 w 541338"/>
+              <a:gd name="connsiteY0" fmla="*/ 0 h 184150"/>
+              <a:gd name="connsiteX1" fmla="*/ 19050 w 541338"/>
+              <a:gd name="connsiteY1" fmla="*/ 180975 h 184150"/>
+              <a:gd name="connsiteX2" fmla="*/ 541338 w 541338"/>
+              <a:gd name="connsiteY2" fmla="*/ 184150 h 184150"/>
+              <a:gd name="connsiteX3" fmla="*/ 515938 w 541338"/>
+              <a:gd name="connsiteY3" fmla="*/ 149225 h 184150"/>
+              <a:gd name="connsiteX4" fmla="*/ 390525 w 541338"/>
+              <a:gd name="connsiteY4" fmla="*/ 130175 h 184150"/>
+              <a:gd name="connsiteX5" fmla="*/ 233363 w 541338"/>
+              <a:gd name="connsiteY5" fmla="*/ 100012 h 184150"/>
+              <a:gd name="connsiteX6" fmla="*/ 176213 w 541338"/>
+              <a:gd name="connsiteY6" fmla="*/ 87312 h 184150"/>
+              <a:gd name="connsiteX7" fmla="*/ 112713 w 541338"/>
+              <a:gd name="connsiteY7" fmla="*/ 66675 h 184150"/>
+              <a:gd name="connsiteX8" fmla="*/ 55563 w 541338"/>
+              <a:gd name="connsiteY8" fmla="*/ 36512 h 184150"/>
+              <a:gd name="connsiteX9" fmla="*/ 0 w 541338"/>
+              <a:gd name="connsiteY9" fmla="*/ 0 h 184150"/>
+            </a:gdLst>
+            <a:ahLst/>
+            <a:cxnLst>
+              <a:cxn ang="0">
+                <a:pos x="connsiteX0" y="connsiteY0"/>
+              </a:cxn>
+              <a:cxn ang="0">
+                <a:pos x="connsiteX1" y="connsiteY1"/>
+              </a:cxn>
+              <a:cxn ang="0">
+                <a:pos x="connsiteX2" y="connsiteY2"/>
+              </a:cxn>
+              <a:cxn ang="0">
+                <a:pos x="connsiteX3" y="connsiteY3"/>
+              </a:cxn>
+              <a:cxn ang="0">
+                <a:pos x="connsiteX4" y="connsiteY4"/>
+              </a:cxn>
+              <a:cxn ang="0">
+                <a:pos x="connsiteX5" y="connsiteY5"/>
+              </a:cxn>
+              <a:cxn ang="0">
+                <a:pos x="connsiteX6" y="connsiteY6"/>
+              </a:cxn>
+              <a:cxn ang="0">
+                <a:pos x="connsiteX7" y="connsiteY7"/>
+              </a:cxn>
+              <a:cxn ang="0">
+                <a:pos x="connsiteX8" y="connsiteY8"/>
+              </a:cxn>
+              <a:cxn ang="0">
+                <a:pos x="connsiteX9" y="connsiteY9"/>
+              </a:cxn>
+            </a:cxnLst>
+            <a:rect l="l" t="t" r="r" b="b"/>
+            <a:pathLst>
+              <a:path w="541338" h="184150">
+                <a:moveTo>
+                  <a:pt x="0" y="0"/>
+                </a:moveTo>
+                <a:lnTo>
+                  <a:pt x="19050" y="180975"/>
+                </a:lnTo>
+                <a:lnTo>
+                  <a:pt x="541338" y="184150"/>
+                </a:lnTo>
+                <a:lnTo>
+                  <a:pt x="515938" y="149225"/>
+                </a:lnTo>
+                <a:lnTo>
+                  <a:pt x="390525" y="130175"/>
+                </a:lnTo>
+                <a:lnTo>
+                  <a:pt x="233363" y="100012"/>
+                </a:lnTo>
+                <a:lnTo>
+                  <a:pt x="176213" y="87312"/>
+                </a:lnTo>
+                <a:lnTo>
+                  <a:pt x="112713" y="66675"/>
+                </a:lnTo>
+                <a:lnTo>
+                  <a:pt x="55563" y="36512"/>
+                </a:lnTo>
+                <a:lnTo>
+                  <a:pt x="0" y="0"/>
+                </a:lnTo>
+                <a:close/>
+              </a:path>
+            </a:pathLst>
+          </a:custGeom>
+          <a:solidFill>
+            <a:schemeClr val="bg1"/>
+          </a:solidFill>
+          <a:ln>
             <a:solidFill>
               <a:schemeClr val="bg1"/>
             </a:solidFill>
-            <a:ln>
-              <a:solidFill>
-                <a:schemeClr val="bg1"/>
-              </a:solidFill>
-            </a:ln>
-          </p:spPr>
-          <p:style>
-            <a:lnRef idx="2">
-              <a:schemeClr val="accent1">
-                <a:shade val="50000"/>
-              </a:schemeClr>
-            </a:lnRef>
-            <a:fillRef idx="1">
-              <a:schemeClr val="accent1"/>
-            </a:fillRef>
-            <a:effectRef idx="0">
-              <a:schemeClr val="accent1"/>
-            </a:effectRef>
-            <a:fontRef idx="minor">
-              <a:schemeClr val="lt1"/>
-            </a:fontRef>
-          </p:style>
-          <p:txBody>
-            <a:bodyPr rtlCol="0" anchor="ctr"/>
-            <a:lstStyle/>
-            <a:p>
-              <a:pPr algn="ctr"/>
-              <a:endParaRPr lang="en-US" sz="1801"/>
-            </a:p>
-          </p:txBody>
-        </p:sp>
-        <p:sp>
-          <p:nvSpPr>
-            <p:cNvPr id="36" name="Freeform: Shape 35">
-              <a:extLst>
-                <a:ext uri="{FF2B5EF4-FFF2-40B4-BE49-F238E27FC236}">
-                  <a16:creationId xmlns:a16="http://schemas.microsoft.com/office/drawing/2014/main" id="{5D76FF59-C3A2-47B7-A433-FA4C8B746A72}"/>
-                </a:ext>
-              </a:extLst>
-            </p:cNvPr>
-            <p:cNvSpPr/>
-            <p:nvPr/>
-          </p:nvSpPr>
-          <p:spPr>
-            <a:xfrm>
-              <a:off x="1674603" y="2121038"/>
-              <a:ext cx="1149349" cy="4025900"/>
-            </a:xfrm>
-            <a:custGeom>
-              <a:avLst/>
-              <a:gdLst>
-                <a:gd name="connsiteX0" fmla="*/ 749300 w 1149350"/>
-                <a:gd name="connsiteY0" fmla="*/ 0 h 4025900"/>
-                <a:gd name="connsiteX1" fmla="*/ 1149350 w 1149350"/>
-                <a:gd name="connsiteY1" fmla="*/ 4025900 h 4025900"/>
-                <a:gd name="connsiteX2" fmla="*/ 215900 w 1149350"/>
-                <a:gd name="connsiteY2" fmla="*/ 4000500 h 4025900"/>
-                <a:gd name="connsiteX3" fmla="*/ 0 w 1149350"/>
-                <a:gd name="connsiteY3" fmla="*/ 88900 h 4025900"/>
-                <a:gd name="connsiteX4" fmla="*/ 749300 w 1149350"/>
-                <a:gd name="connsiteY4" fmla="*/ 0 h 4025900"/>
-              </a:gdLst>
-              <a:ahLst/>
-              <a:cxnLst>
-                <a:cxn ang="0">
-                  <a:pos x="connsiteX0" y="connsiteY0"/>
-                </a:cxn>
-                <a:cxn ang="0">
-                  <a:pos x="connsiteX1" y="connsiteY1"/>
-                </a:cxn>
-                <a:cxn ang="0">
-                  <a:pos x="connsiteX2" y="connsiteY2"/>
-                </a:cxn>
-                <a:cxn ang="0">
-                  <a:pos x="connsiteX3" y="connsiteY3"/>
-                </a:cxn>
-                <a:cxn ang="0">
-                  <a:pos x="connsiteX4" y="connsiteY4"/>
-                </a:cxn>
-              </a:cxnLst>
-              <a:rect l="l" t="t" r="r" b="b"/>
-              <a:pathLst>
-                <a:path w="1149350" h="4025900">
-                  <a:moveTo>
-                    <a:pt x="749300" y="0"/>
-                  </a:moveTo>
-                  <a:lnTo>
-                    <a:pt x="1149350" y="4025900"/>
-                  </a:lnTo>
-                  <a:lnTo>
-                    <a:pt x="215900" y="4000500"/>
-                  </a:lnTo>
-                  <a:lnTo>
-                    <a:pt x="0" y="88900"/>
-                  </a:lnTo>
-                  <a:lnTo>
-                    <a:pt x="749300" y="0"/>
-                  </a:lnTo>
-                  <a:close/>
-                </a:path>
-              </a:pathLst>
-            </a:custGeom>
+          </a:ln>
+        </p:spPr>
+        <p:style>
+          <a:lnRef idx="2">
+            <a:schemeClr val="accent1">
+              <a:shade val="50000"/>
+            </a:schemeClr>
+          </a:lnRef>
+          <a:fillRef idx="1">
+            <a:schemeClr val="accent1"/>
+          </a:fillRef>
+          <a:effectRef idx="0">
+            <a:schemeClr val="accent1"/>
+          </a:effectRef>
+          <a:fontRef idx="minor">
+            <a:schemeClr val="lt1"/>
+          </a:fontRef>
+        </p:style>
+        <p:txBody>
+          <a:bodyPr rtlCol="0" anchor="ctr"/>
+          <a:lstStyle/>
+          <a:p>
+            <a:pPr algn="ctr"/>
+            <a:endParaRPr lang="en-US" sz="1801"/>
+          </a:p>
+        </p:txBody>
+      </p:sp>
+      <p:sp>
+        <p:nvSpPr>
+          <p:cNvPr id="36" name="Freeform: Shape 35">
+            <a:extLst>
+              <a:ext uri="{FF2B5EF4-FFF2-40B4-BE49-F238E27FC236}">
+                <a16:creationId xmlns:a16="http://schemas.microsoft.com/office/drawing/2014/main" id="{5D76FF59-C3A2-47B7-A433-FA4C8B746A72}"/>
+              </a:ext>
+            </a:extLst>
+          </p:cNvPr>
+          <p:cNvSpPr/>
+          <p:nvPr/>
+        </p:nvSpPr>
+        <p:spPr>
+          <a:xfrm>
+            <a:off x="596574" y="2219306"/>
+            <a:ext cx="1149349" cy="4025900"/>
+          </a:xfrm>
+          <a:custGeom>
+            <a:avLst/>
+            <a:gdLst>
+              <a:gd name="connsiteX0" fmla="*/ 749300 w 1149350"/>
+              <a:gd name="connsiteY0" fmla="*/ 0 h 4025900"/>
+              <a:gd name="connsiteX1" fmla="*/ 1149350 w 1149350"/>
+              <a:gd name="connsiteY1" fmla="*/ 4025900 h 4025900"/>
+              <a:gd name="connsiteX2" fmla="*/ 215900 w 1149350"/>
+              <a:gd name="connsiteY2" fmla="*/ 4000500 h 4025900"/>
+              <a:gd name="connsiteX3" fmla="*/ 0 w 1149350"/>
+              <a:gd name="connsiteY3" fmla="*/ 88900 h 4025900"/>
+              <a:gd name="connsiteX4" fmla="*/ 749300 w 1149350"/>
+              <a:gd name="connsiteY4" fmla="*/ 0 h 4025900"/>
+            </a:gdLst>
+            <a:ahLst/>
+            <a:cxnLst>
+              <a:cxn ang="0">
+                <a:pos x="connsiteX0" y="connsiteY0"/>
+              </a:cxn>
+              <a:cxn ang="0">
+                <a:pos x="connsiteX1" y="connsiteY1"/>
+              </a:cxn>
+              <a:cxn ang="0">
+                <a:pos x="connsiteX2" y="connsiteY2"/>
+              </a:cxn>
+              <a:cxn ang="0">
+                <a:pos x="connsiteX3" y="connsiteY3"/>
+              </a:cxn>
+              <a:cxn ang="0">
+                <a:pos x="connsiteX4" y="connsiteY4"/>
+              </a:cxn>
+            </a:cxnLst>
+            <a:rect l="l" t="t" r="r" b="b"/>
+            <a:pathLst>
+              <a:path w="1149350" h="4025900">
+                <a:moveTo>
+                  <a:pt x="749300" y="0"/>
+                </a:moveTo>
+                <a:lnTo>
+                  <a:pt x="1149350" y="4025900"/>
+                </a:lnTo>
+                <a:lnTo>
+                  <a:pt x="215900" y="4000500"/>
+                </a:lnTo>
+                <a:lnTo>
+                  <a:pt x="0" y="88900"/>
+                </a:lnTo>
+                <a:lnTo>
+                  <a:pt x="749300" y="0"/>
+                </a:lnTo>
+                <a:close/>
+              </a:path>
+            </a:pathLst>
+          </a:custGeom>
+          <a:solidFill>
+            <a:schemeClr val="bg1"/>
+          </a:solidFill>
+          <a:ln>
             <a:solidFill>
               <a:schemeClr val="bg1"/>
             </a:solidFill>
-            <a:ln>
-              <a:solidFill>
-                <a:schemeClr val="bg1"/>
-              </a:solidFill>
-            </a:ln>
-          </p:spPr>
-          <p:style>
-            <a:lnRef idx="2">
-              <a:schemeClr val="accent1">
-                <a:shade val="50000"/>
-              </a:schemeClr>
-            </a:lnRef>
-            <a:fillRef idx="1">
-              <a:schemeClr val="accent1"/>
-            </a:fillRef>
-            <a:effectRef idx="0">
-              <a:schemeClr val="accent1"/>
-            </a:effectRef>
-            <a:fontRef idx="minor">
-              <a:schemeClr val="lt1"/>
-            </a:fontRef>
-          </p:style>
-          <p:txBody>
-            <a:bodyPr rtlCol="0" anchor="ctr"/>
-            <a:lstStyle/>
-            <a:p>
-              <a:pPr algn="ctr"/>
-              <a:endParaRPr lang="en-US" sz="1801"/>
-            </a:p>
-          </p:txBody>
-        </p:sp>
-        <p:sp>
-          <p:nvSpPr>
-            <p:cNvPr id="38" name="Freeform: Shape 37">
-              <a:extLst>
-                <a:ext uri="{FF2B5EF4-FFF2-40B4-BE49-F238E27FC236}">
-                  <a16:creationId xmlns:a16="http://schemas.microsoft.com/office/drawing/2014/main" id="{862BCF8C-7FB1-4D53-B6AA-310519E6FF10}"/>
-                </a:ext>
-              </a:extLst>
-            </p:cNvPr>
-            <p:cNvSpPr/>
-            <p:nvPr/>
-          </p:nvSpPr>
-          <p:spPr>
-            <a:xfrm>
-              <a:off x="4118503" y="5964497"/>
-              <a:ext cx="431801" cy="196850"/>
-            </a:xfrm>
-            <a:custGeom>
-              <a:avLst/>
-              <a:gdLst>
-                <a:gd name="connsiteX0" fmla="*/ 0 w 431800"/>
-                <a:gd name="connsiteY0" fmla="*/ 155575 h 196850"/>
-                <a:gd name="connsiteX1" fmla="*/ 114300 w 431800"/>
-                <a:gd name="connsiteY1" fmla="*/ 139700 h 196850"/>
-                <a:gd name="connsiteX2" fmla="*/ 222250 w 431800"/>
-                <a:gd name="connsiteY2" fmla="*/ 122238 h 196850"/>
-                <a:gd name="connsiteX3" fmla="*/ 315912 w 431800"/>
-                <a:gd name="connsiteY3" fmla="*/ 85725 h 196850"/>
-                <a:gd name="connsiteX4" fmla="*/ 368300 w 431800"/>
-                <a:gd name="connsiteY4" fmla="*/ 58738 h 196850"/>
-                <a:gd name="connsiteX5" fmla="*/ 409575 w 431800"/>
-                <a:gd name="connsiteY5" fmla="*/ 23813 h 196850"/>
-                <a:gd name="connsiteX6" fmla="*/ 431800 w 431800"/>
-                <a:gd name="connsiteY6" fmla="*/ 0 h 196850"/>
-                <a:gd name="connsiteX7" fmla="*/ 411162 w 431800"/>
-                <a:gd name="connsiteY7" fmla="*/ 196850 h 196850"/>
-                <a:gd name="connsiteX8" fmla="*/ 0 w 431800"/>
-                <a:gd name="connsiteY8" fmla="*/ 155575 h 196850"/>
-              </a:gdLst>
-              <a:ahLst/>
-              <a:cxnLst>
-                <a:cxn ang="0">
-                  <a:pos x="connsiteX0" y="connsiteY0"/>
-                </a:cxn>
-                <a:cxn ang="0">
-                  <a:pos x="connsiteX1" y="connsiteY1"/>
-                </a:cxn>
-                <a:cxn ang="0">
-                  <a:pos x="connsiteX2" y="connsiteY2"/>
-                </a:cxn>
-                <a:cxn ang="0">
-                  <a:pos x="connsiteX3" y="connsiteY3"/>
-                </a:cxn>
-                <a:cxn ang="0">
-                  <a:pos x="connsiteX4" y="connsiteY4"/>
-                </a:cxn>
-                <a:cxn ang="0">
-                  <a:pos x="connsiteX5" y="connsiteY5"/>
-                </a:cxn>
-                <a:cxn ang="0">
-                  <a:pos x="connsiteX6" y="connsiteY6"/>
-                </a:cxn>
-                <a:cxn ang="0">
-                  <a:pos x="connsiteX7" y="connsiteY7"/>
-                </a:cxn>
-                <a:cxn ang="0">
-                  <a:pos x="connsiteX8" y="connsiteY8"/>
-                </a:cxn>
-              </a:cxnLst>
-              <a:rect l="l" t="t" r="r" b="b"/>
-              <a:pathLst>
-                <a:path w="431800" h="196850">
-                  <a:moveTo>
-                    <a:pt x="0" y="155575"/>
-                  </a:moveTo>
-                  <a:lnTo>
-                    <a:pt x="114300" y="139700"/>
-                  </a:lnTo>
-                  <a:lnTo>
-                    <a:pt x="222250" y="122238"/>
-                  </a:lnTo>
-                  <a:lnTo>
-                    <a:pt x="315912" y="85725"/>
-                  </a:lnTo>
-                  <a:lnTo>
-                    <a:pt x="368300" y="58738"/>
-                  </a:lnTo>
-                  <a:lnTo>
-                    <a:pt x="409575" y="23813"/>
-                  </a:lnTo>
-                  <a:lnTo>
-                    <a:pt x="431800" y="0"/>
-                  </a:lnTo>
-                  <a:lnTo>
-                    <a:pt x="411162" y="196850"/>
-                  </a:lnTo>
-                  <a:lnTo>
-                    <a:pt x="0" y="155575"/>
-                  </a:lnTo>
-                  <a:close/>
-                </a:path>
-              </a:pathLst>
-            </a:custGeom>
+          </a:ln>
+        </p:spPr>
+        <p:style>
+          <a:lnRef idx="2">
+            <a:schemeClr val="accent1">
+              <a:shade val="50000"/>
+            </a:schemeClr>
+          </a:lnRef>
+          <a:fillRef idx="1">
+            <a:schemeClr val="accent1"/>
+          </a:fillRef>
+          <a:effectRef idx="0">
+            <a:schemeClr val="accent1"/>
+          </a:effectRef>
+          <a:fontRef idx="minor">
+            <a:schemeClr val="lt1"/>
+          </a:fontRef>
+        </p:style>
+        <p:txBody>
+          <a:bodyPr rtlCol="0" anchor="ctr"/>
+          <a:lstStyle/>
+          <a:p>
+            <a:pPr algn="ctr"/>
+            <a:endParaRPr lang="en-US" sz="1801"/>
+          </a:p>
+        </p:txBody>
+      </p:sp>
+      <p:sp>
+        <p:nvSpPr>
+          <p:cNvPr id="38" name="Freeform: Shape 37">
+            <a:extLst>
+              <a:ext uri="{FF2B5EF4-FFF2-40B4-BE49-F238E27FC236}">
+                <a16:creationId xmlns:a16="http://schemas.microsoft.com/office/drawing/2014/main" id="{862BCF8C-7FB1-4D53-B6AA-310519E6FF10}"/>
+              </a:ext>
+            </a:extLst>
+          </p:cNvPr>
+          <p:cNvSpPr/>
+          <p:nvPr/>
+        </p:nvSpPr>
+        <p:spPr>
+          <a:xfrm>
+            <a:off x="3040473" y="6062765"/>
+            <a:ext cx="431801" cy="196850"/>
+          </a:xfrm>
+          <a:custGeom>
+            <a:avLst/>
+            <a:gdLst>
+              <a:gd name="connsiteX0" fmla="*/ 0 w 431800"/>
+              <a:gd name="connsiteY0" fmla="*/ 155575 h 196850"/>
+              <a:gd name="connsiteX1" fmla="*/ 114300 w 431800"/>
+              <a:gd name="connsiteY1" fmla="*/ 139700 h 196850"/>
+              <a:gd name="connsiteX2" fmla="*/ 222250 w 431800"/>
+              <a:gd name="connsiteY2" fmla="*/ 122238 h 196850"/>
+              <a:gd name="connsiteX3" fmla="*/ 315912 w 431800"/>
+              <a:gd name="connsiteY3" fmla="*/ 85725 h 196850"/>
+              <a:gd name="connsiteX4" fmla="*/ 368300 w 431800"/>
+              <a:gd name="connsiteY4" fmla="*/ 58738 h 196850"/>
+              <a:gd name="connsiteX5" fmla="*/ 409575 w 431800"/>
+              <a:gd name="connsiteY5" fmla="*/ 23813 h 196850"/>
+              <a:gd name="connsiteX6" fmla="*/ 431800 w 431800"/>
+              <a:gd name="connsiteY6" fmla="*/ 0 h 196850"/>
+              <a:gd name="connsiteX7" fmla="*/ 411162 w 431800"/>
+              <a:gd name="connsiteY7" fmla="*/ 196850 h 196850"/>
+              <a:gd name="connsiteX8" fmla="*/ 0 w 431800"/>
+              <a:gd name="connsiteY8" fmla="*/ 155575 h 196850"/>
+            </a:gdLst>
+            <a:ahLst/>
+            <a:cxnLst>
+              <a:cxn ang="0">
+                <a:pos x="connsiteX0" y="connsiteY0"/>
+              </a:cxn>
+              <a:cxn ang="0">
+                <a:pos x="connsiteX1" y="connsiteY1"/>
+              </a:cxn>
+              <a:cxn ang="0">
+                <a:pos x="connsiteX2" y="connsiteY2"/>
+              </a:cxn>
+              <a:cxn ang="0">
+                <a:pos x="connsiteX3" y="connsiteY3"/>
+              </a:cxn>
+              <a:cxn ang="0">
+                <a:pos x="connsiteX4" y="connsiteY4"/>
+              </a:cxn>
+              <a:cxn ang="0">
+                <a:pos x="connsiteX5" y="connsiteY5"/>
+              </a:cxn>
+              <a:cxn ang="0">
+                <a:pos x="connsiteX6" y="connsiteY6"/>
+              </a:cxn>
+              <a:cxn ang="0">
+                <a:pos x="connsiteX7" y="connsiteY7"/>
+              </a:cxn>
+              <a:cxn ang="0">
+                <a:pos x="connsiteX8" y="connsiteY8"/>
+              </a:cxn>
+            </a:cxnLst>
+            <a:rect l="l" t="t" r="r" b="b"/>
+            <a:pathLst>
+              <a:path w="431800" h="196850">
+                <a:moveTo>
+                  <a:pt x="0" y="155575"/>
+                </a:moveTo>
+                <a:lnTo>
+                  <a:pt x="114300" y="139700"/>
+                </a:lnTo>
+                <a:lnTo>
+                  <a:pt x="222250" y="122238"/>
+                </a:lnTo>
+                <a:lnTo>
+                  <a:pt x="315912" y="85725"/>
+                </a:lnTo>
+                <a:lnTo>
+                  <a:pt x="368300" y="58738"/>
+                </a:lnTo>
+                <a:lnTo>
+                  <a:pt x="409575" y="23813"/>
+                </a:lnTo>
+                <a:lnTo>
+                  <a:pt x="431800" y="0"/>
+                </a:lnTo>
+                <a:lnTo>
+                  <a:pt x="411162" y="196850"/>
+                </a:lnTo>
+                <a:lnTo>
+                  <a:pt x="0" y="155575"/>
+                </a:lnTo>
+                <a:close/>
+              </a:path>
+            </a:pathLst>
+          </a:custGeom>
+          <a:solidFill>
+            <a:schemeClr val="bg1"/>
+          </a:solidFill>
+          <a:ln>
             <a:solidFill>
               <a:schemeClr val="bg1"/>
             </a:solidFill>
-            <a:ln>
-              <a:solidFill>
-                <a:schemeClr val="bg1"/>
-              </a:solidFill>
-            </a:ln>
-          </p:spPr>
-          <p:style>
-            <a:lnRef idx="2">
-              <a:schemeClr val="accent1">
-                <a:shade val="50000"/>
-              </a:schemeClr>
-            </a:lnRef>
-            <a:fillRef idx="1">
-              <a:schemeClr val="accent1"/>
-            </a:fillRef>
-            <a:effectRef idx="0">
-              <a:schemeClr val="accent1"/>
-            </a:effectRef>
-            <a:fontRef idx="minor">
-              <a:schemeClr val="lt1"/>
-            </a:fontRef>
-          </p:style>
-          <p:txBody>
-            <a:bodyPr rtlCol="0" anchor="ctr"/>
-            <a:lstStyle/>
-            <a:p>
-              <a:pPr algn="ctr"/>
-              <a:endParaRPr lang="en-US" sz="1801"/>
-            </a:p>
-          </p:txBody>
-        </p:sp>
-        <p:sp>
-          <p:nvSpPr>
-            <p:cNvPr id="28" name="Freeform: Shape 27">
-              <a:extLst>
-                <a:ext uri="{FF2B5EF4-FFF2-40B4-BE49-F238E27FC236}">
-                  <a16:creationId xmlns:a16="http://schemas.microsoft.com/office/drawing/2014/main" id="{A1C89CEB-D99E-4F7D-9433-6A38798E9246}"/>
-                </a:ext>
-              </a:extLst>
-            </p:cNvPr>
-            <p:cNvSpPr/>
-            <p:nvPr/>
-          </p:nvSpPr>
-          <p:spPr>
-            <a:xfrm>
-              <a:off x="2806697" y="5975666"/>
-              <a:ext cx="1733020" cy="160204"/>
-            </a:xfrm>
-            <a:custGeom>
-              <a:avLst/>
-              <a:gdLst>
-                <a:gd name="connsiteX0" fmla="*/ 0 w 1680634"/>
-                <a:gd name="connsiteY0" fmla="*/ 29633 h 170961"/>
-                <a:gd name="connsiteX1" fmla="*/ 385234 w 1680634"/>
-                <a:gd name="connsiteY1" fmla="*/ 160866 h 170961"/>
-                <a:gd name="connsiteX2" fmla="*/ 1367367 w 1680634"/>
-                <a:gd name="connsiteY2" fmla="*/ 143933 h 170961"/>
-                <a:gd name="connsiteX3" fmla="*/ 1680634 w 1680634"/>
-                <a:gd name="connsiteY3" fmla="*/ 0 h 170961"/>
-                <a:gd name="connsiteX0" fmla="*/ 0 w 1659996"/>
-                <a:gd name="connsiteY0" fmla="*/ 39158 h 170259"/>
-                <a:gd name="connsiteX1" fmla="*/ 364596 w 1659996"/>
-                <a:gd name="connsiteY1" fmla="*/ 160866 h 170259"/>
-                <a:gd name="connsiteX2" fmla="*/ 1346729 w 1659996"/>
-                <a:gd name="connsiteY2" fmla="*/ 143933 h 170259"/>
-                <a:gd name="connsiteX3" fmla="*/ 1659996 w 1659996"/>
-                <a:gd name="connsiteY3" fmla="*/ 0 h 170259"/>
-                <a:gd name="connsiteX0" fmla="*/ 0 w 1659996"/>
-                <a:gd name="connsiteY0" fmla="*/ 39158 h 170259"/>
-                <a:gd name="connsiteX1" fmla="*/ 364596 w 1659996"/>
-                <a:gd name="connsiteY1" fmla="*/ 160866 h 170259"/>
-                <a:gd name="connsiteX2" fmla="*/ 1346729 w 1659996"/>
-                <a:gd name="connsiteY2" fmla="*/ 143933 h 170259"/>
-                <a:gd name="connsiteX3" fmla="*/ 1659996 w 1659996"/>
-                <a:gd name="connsiteY3" fmla="*/ 0 h 170259"/>
-                <a:gd name="connsiteX0" fmla="*/ 0 w 1659996"/>
-                <a:gd name="connsiteY0" fmla="*/ 39158 h 174462"/>
-                <a:gd name="connsiteX1" fmla="*/ 364596 w 1659996"/>
-                <a:gd name="connsiteY1" fmla="*/ 160866 h 174462"/>
-                <a:gd name="connsiteX2" fmla="*/ 1351491 w 1659996"/>
-                <a:gd name="connsiteY2" fmla="*/ 153458 h 174462"/>
-                <a:gd name="connsiteX3" fmla="*/ 1659996 w 1659996"/>
-                <a:gd name="connsiteY3" fmla="*/ 0 h 174462"/>
-                <a:gd name="connsiteX0" fmla="*/ 0 w 1671108"/>
-                <a:gd name="connsiteY0" fmla="*/ 24871 h 160175"/>
-                <a:gd name="connsiteX1" fmla="*/ 364596 w 1671108"/>
-                <a:gd name="connsiteY1" fmla="*/ 146579 h 160175"/>
-                <a:gd name="connsiteX2" fmla="*/ 1351491 w 1671108"/>
-                <a:gd name="connsiteY2" fmla="*/ 139171 h 160175"/>
-                <a:gd name="connsiteX3" fmla="*/ 1671108 w 1671108"/>
-                <a:gd name="connsiteY3" fmla="*/ 0 h 160175"/>
-                <a:gd name="connsiteX0" fmla="*/ 0 w 1671108"/>
-                <a:gd name="connsiteY0" fmla="*/ 24871 h 160175"/>
-                <a:gd name="connsiteX1" fmla="*/ 364596 w 1671108"/>
-                <a:gd name="connsiteY1" fmla="*/ 146579 h 160175"/>
-                <a:gd name="connsiteX2" fmla="*/ 1351491 w 1671108"/>
-                <a:gd name="connsiteY2" fmla="*/ 139171 h 160175"/>
-                <a:gd name="connsiteX3" fmla="*/ 1671108 w 1671108"/>
-                <a:gd name="connsiteY3" fmla="*/ 0 h 160175"/>
-                <a:gd name="connsiteX0" fmla="*/ 0 w 1663170"/>
-                <a:gd name="connsiteY0" fmla="*/ 26458 h 161762"/>
-                <a:gd name="connsiteX1" fmla="*/ 364596 w 1663170"/>
-                <a:gd name="connsiteY1" fmla="*/ 148166 h 161762"/>
-                <a:gd name="connsiteX2" fmla="*/ 1351491 w 1663170"/>
-                <a:gd name="connsiteY2" fmla="*/ 140758 h 161762"/>
-                <a:gd name="connsiteX3" fmla="*/ 1663170 w 1663170"/>
-                <a:gd name="connsiteY3" fmla="*/ 0 h 161762"/>
-                <a:gd name="connsiteX0" fmla="*/ 0 w 1671107"/>
-                <a:gd name="connsiteY0" fmla="*/ 37570 h 172874"/>
-                <a:gd name="connsiteX1" fmla="*/ 364596 w 1671107"/>
-                <a:gd name="connsiteY1" fmla="*/ 159278 h 172874"/>
-                <a:gd name="connsiteX2" fmla="*/ 1351491 w 1671107"/>
-                <a:gd name="connsiteY2" fmla="*/ 151870 h 172874"/>
-                <a:gd name="connsiteX3" fmla="*/ 1671107 w 1671107"/>
-                <a:gd name="connsiteY3" fmla="*/ 0 h 172874"/>
-                <a:gd name="connsiteX0" fmla="*/ 0 w 1677457"/>
-                <a:gd name="connsiteY0" fmla="*/ 24870 h 173730"/>
-                <a:gd name="connsiteX1" fmla="*/ 370946 w 1677457"/>
-                <a:gd name="connsiteY1" fmla="*/ 159278 h 173730"/>
-                <a:gd name="connsiteX2" fmla="*/ 1357841 w 1677457"/>
-                <a:gd name="connsiteY2" fmla="*/ 151870 h 173730"/>
-                <a:gd name="connsiteX3" fmla="*/ 1677457 w 1677457"/>
-                <a:gd name="connsiteY3" fmla="*/ 0 h 173730"/>
-                <a:gd name="connsiteX0" fmla="*/ 0 w 1677457"/>
-                <a:gd name="connsiteY0" fmla="*/ 24870 h 173730"/>
-                <a:gd name="connsiteX1" fmla="*/ 370946 w 1677457"/>
-                <a:gd name="connsiteY1" fmla="*/ 159278 h 173730"/>
-                <a:gd name="connsiteX2" fmla="*/ 1357841 w 1677457"/>
-                <a:gd name="connsiteY2" fmla="*/ 151870 h 173730"/>
-                <a:gd name="connsiteX3" fmla="*/ 1677457 w 1677457"/>
-                <a:gd name="connsiteY3" fmla="*/ 0 h 173730"/>
-                <a:gd name="connsiteX0" fmla="*/ 0 w 1661582"/>
-                <a:gd name="connsiteY0" fmla="*/ 12170 h 174596"/>
-                <a:gd name="connsiteX1" fmla="*/ 355071 w 1661582"/>
-                <a:gd name="connsiteY1" fmla="*/ 159278 h 174596"/>
-                <a:gd name="connsiteX2" fmla="*/ 1341966 w 1661582"/>
-                <a:gd name="connsiteY2" fmla="*/ 151870 h 174596"/>
-                <a:gd name="connsiteX3" fmla="*/ 1661582 w 1661582"/>
-                <a:gd name="connsiteY3" fmla="*/ 0 h 174596"/>
-                <a:gd name="connsiteX0" fmla="*/ 0 w 1661582"/>
-                <a:gd name="connsiteY0" fmla="*/ 12170 h 174596"/>
-                <a:gd name="connsiteX1" fmla="*/ 355071 w 1661582"/>
-                <a:gd name="connsiteY1" fmla="*/ 159278 h 174596"/>
-                <a:gd name="connsiteX2" fmla="*/ 1341966 w 1661582"/>
-                <a:gd name="connsiteY2" fmla="*/ 151870 h 174596"/>
-                <a:gd name="connsiteX3" fmla="*/ 1661582 w 1661582"/>
-                <a:gd name="connsiteY3" fmla="*/ 0 h 174596"/>
-                <a:gd name="connsiteX0" fmla="*/ 0 w 1661582"/>
-                <a:gd name="connsiteY0" fmla="*/ 12170 h 180770"/>
-                <a:gd name="connsiteX1" fmla="*/ 372534 w 1661582"/>
-                <a:gd name="connsiteY1" fmla="*/ 168803 h 180770"/>
-                <a:gd name="connsiteX2" fmla="*/ 1341966 w 1661582"/>
-                <a:gd name="connsiteY2" fmla="*/ 151870 h 180770"/>
-                <a:gd name="connsiteX3" fmla="*/ 1661582 w 1661582"/>
-                <a:gd name="connsiteY3" fmla="*/ 0 h 180770"/>
-                <a:gd name="connsiteX0" fmla="*/ 0 w 1661582"/>
-                <a:gd name="connsiteY0" fmla="*/ 12170 h 188949"/>
-                <a:gd name="connsiteX1" fmla="*/ 372534 w 1661582"/>
-                <a:gd name="connsiteY1" fmla="*/ 168803 h 188949"/>
-                <a:gd name="connsiteX2" fmla="*/ 1341966 w 1661582"/>
-                <a:gd name="connsiteY2" fmla="*/ 169332 h 188949"/>
-                <a:gd name="connsiteX3" fmla="*/ 1661582 w 1661582"/>
-                <a:gd name="connsiteY3" fmla="*/ 0 h 188949"/>
-                <a:gd name="connsiteX0" fmla="*/ 0 w 1702857"/>
-                <a:gd name="connsiteY0" fmla="*/ 21695 h 188368"/>
-                <a:gd name="connsiteX1" fmla="*/ 413809 w 1702857"/>
-                <a:gd name="connsiteY1" fmla="*/ 168803 h 188368"/>
-                <a:gd name="connsiteX2" fmla="*/ 1383241 w 1702857"/>
-                <a:gd name="connsiteY2" fmla="*/ 169332 h 188368"/>
-                <a:gd name="connsiteX3" fmla="*/ 1702857 w 1702857"/>
-                <a:gd name="connsiteY3" fmla="*/ 0 h 188368"/>
-                <a:gd name="connsiteX0" fmla="*/ 0 w 1702857"/>
-                <a:gd name="connsiteY0" fmla="*/ 21695 h 188368"/>
-                <a:gd name="connsiteX1" fmla="*/ 413809 w 1702857"/>
-                <a:gd name="connsiteY1" fmla="*/ 168803 h 188368"/>
-                <a:gd name="connsiteX2" fmla="*/ 1383241 w 1702857"/>
-                <a:gd name="connsiteY2" fmla="*/ 169332 h 188368"/>
-                <a:gd name="connsiteX3" fmla="*/ 1702857 w 1702857"/>
-                <a:gd name="connsiteY3" fmla="*/ 0 h 188368"/>
-                <a:gd name="connsiteX0" fmla="*/ 0 w 1736195"/>
-                <a:gd name="connsiteY0" fmla="*/ 31220 h 197893"/>
-                <a:gd name="connsiteX1" fmla="*/ 413809 w 1736195"/>
-                <a:gd name="connsiteY1" fmla="*/ 178328 h 197893"/>
-                <a:gd name="connsiteX2" fmla="*/ 1383241 w 1736195"/>
-                <a:gd name="connsiteY2" fmla="*/ 178857 h 197893"/>
-                <a:gd name="connsiteX3" fmla="*/ 1736195 w 1736195"/>
-                <a:gd name="connsiteY3" fmla="*/ 0 h 197893"/>
-                <a:gd name="connsiteX0" fmla="*/ 0 w 1690158"/>
-                <a:gd name="connsiteY0" fmla="*/ 51857 h 196671"/>
-                <a:gd name="connsiteX1" fmla="*/ 367772 w 1690158"/>
-                <a:gd name="connsiteY1" fmla="*/ 178328 h 196671"/>
-                <a:gd name="connsiteX2" fmla="*/ 1337204 w 1690158"/>
-                <a:gd name="connsiteY2" fmla="*/ 178857 h 196671"/>
-                <a:gd name="connsiteX3" fmla="*/ 1690158 w 1690158"/>
-                <a:gd name="connsiteY3" fmla="*/ 0 h 196671"/>
-                <a:gd name="connsiteX0" fmla="*/ 0 w 1690158"/>
-                <a:gd name="connsiteY0" fmla="*/ 51857 h 196671"/>
-                <a:gd name="connsiteX1" fmla="*/ 367772 w 1690158"/>
-                <a:gd name="connsiteY1" fmla="*/ 178328 h 196671"/>
-                <a:gd name="connsiteX2" fmla="*/ 1337204 w 1690158"/>
-                <a:gd name="connsiteY2" fmla="*/ 178857 h 196671"/>
-                <a:gd name="connsiteX3" fmla="*/ 1690158 w 1690158"/>
-                <a:gd name="connsiteY3" fmla="*/ 0 h 196671"/>
-                <a:gd name="connsiteX0" fmla="*/ 0 w 1615545"/>
-                <a:gd name="connsiteY0" fmla="*/ 7407 h 152221"/>
-                <a:gd name="connsiteX1" fmla="*/ 367772 w 1615545"/>
-                <a:gd name="connsiteY1" fmla="*/ 133878 h 152221"/>
-                <a:gd name="connsiteX2" fmla="*/ 1337204 w 1615545"/>
-                <a:gd name="connsiteY2" fmla="*/ 134407 h 152221"/>
-                <a:gd name="connsiteX3" fmla="*/ 1615545 w 1615545"/>
-                <a:gd name="connsiteY3" fmla="*/ 0 h 152221"/>
-                <a:gd name="connsiteX0" fmla="*/ 0 w 1615545"/>
-                <a:gd name="connsiteY0" fmla="*/ 7407 h 152221"/>
-                <a:gd name="connsiteX1" fmla="*/ 367772 w 1615545"/>
-                <a:gd name="connsiteY1" fmla="*/ 133878 h 152221"/>
-                <a:gd name="connsiteX2" fmla="*/ 1337204 w 1615545"/>
-                <a:gd name="connsiteY2" fmla="*/ 134407 h 152221"/>
-                <a:gd name="connsiteX3" fmla="*/ 1615545 w 1615545"/>
-                <a:gd name="connsiteY3" fmla="*/ 0 h 152221"/>
-                <a:gd name="connsiteX0" fmla="*/ 0 w 1615545"/>
-                <a:gd name="connsiteY0" fmla="*/ 7407 h 154217"/>
-                <a:gd name="connsiteX1" fmla="*/ 367772 w 1615545"/>
-                <a:gd name="connsiteY1" fmla="*/ 133878 h 154217"/>
-                <a:gd name="connsiteX2" fmla="*/ 1281641 w 1615545"/>
-                <a:gd name="connsiteY2" fmla="*/ 137582 h 154217"/>
-                <a:gd name="connsiteX3" fmla="*/ 1615545 w 1615545"/>
-                <a:gd name="connsiteY3" fmla="*/ 0 h 154217"/>
-                <a:gd name="connsiteX0" fmla="*/ 0 w 1617132"/>
-                <a:gd name="connsiteY0" fmla="*/ 18520 h 165330"/>
-                <a:gd name="connsiteX1" fmla="*/ 367772 w 1617132"/>
-                <a:gd name="connsiteY1" fmla="*/ 144991 h 165330"/>
-                <a:gd name="connsiteX2" fmla="*/ 1281641 w 1617132"/>
-                <a:gd name="connsiteY2" fmla="*/ 148695 h 165330"/>
-                <a:gd name="connsiteX3" fmla="*/ 1617132 w 1617132"/>
-                <a:gd name="connsiteY3" fmla="*/ 0 h 165330"/>
-                <a:gd name="connsiteX0" fmla="*/ 0 w 1625070"/>
-                <a:gd name="connsiteY0" fmla="*/ 0 h 166911"/>
-                <a:gd name="connsiteX1" fmla="*/ 375710 w 1625070"/>
-                <a:gd name="connsiteY1" fmla="*/ 145521 h 166911"/>
-                <a:gd name="connsiteX2" fmla="*/ 1289579 w 1625070"/>
-                <a:gd name="connsiteY2" fmla="*/ 149225 h 166911"/>
-                <a:gd name="connsiteX3" fmla="*/ 1625070 w 1625070"/>
-                <a:gd name="connsiteY3" fmla="*/ 530 h 166911"/>
-                <a:gd name="connsiteX0" fmla="*/ 0 w 1625070"/>
-                <a:gd name="connsiteY0" fmla="*/ 0 h 166911"/>
-                <a:gd name="connsiteX1" fmla="*/ 375710 w 1625070"/>
-                <a:gd name="connsiteY1" fmla="*/ 145521 h 166911"/>
-                <a:gd name="connsiteX2" fmla="*/ 1289579 w 1625070"/>
-                <a:gd name="connsiteY2" fmla="*/ 149225 h 166911"/>
-                <a:gd name="connsiteX3" fmla="*/ 1625070 w 1625070"/>
-                <a:gd name="connsiteY3" fmla="*/ 530 h 166911"/>
-                <a:gd name="connsiteX0" fmla="*/ 0 w 1685395"/>
-                <a:gd name="connsiteY0" fmla="*/ 0 h 166911"/>
-                <a:gd name="connsiteX1" fmla="*/ 375710 w 1685395"/>
-                <a:gd name="connsiteY1" fmla="*/ 145521 h 166911"/>
-                <a:gd name="connsiteX2" fmla="*/ 1289579 w 1685395"/>
-                <a:gd name="connsiteY2" fmla="*/ 149225 h 166911"/>
-                <a:gd name="connsiteX3" fmla="*/ 1685395 w 1685395"/>
-                <a:gd name="connsiteY3" fmla="*/ 6880 h 166911"/>
-                <a:gd name="connsiteX0" fmla="*/ 0 w 1733020"/>
-                <a:gd name="connsiteY0" fmla="*/ 0 h 160205"/>
-                <a:gd name="connsiteX1" fmla="*/ 423335 w 1733020"/>
-                <a:gd name="connsiteY1" fmla="*/ 139171 h 160205"/>
-                <a:gd name="connsiteX2" fmla="*/ 1337204 w 1733020"/>
-                <a:gd name="connsiteY2" fmla="*/ 142875 h 160205"/>
-                <a:gd name="connsiteX3" fmla="*/ 1733020 w 1733020"/>
-                <a:gd name="connsiteY3" fmla="*/ 530 h 160205"/>
-              </a:gdLst>
-              <a:ahLst/>
-              <a:cxnLst>
-                <a:cxn ang="0">
-                  <a:pos x="connsiteX0" y="connsiteY0"/>
-                </a:cxn>
-                <a:cxn ang="0">
-                  <a:pos x="connsiteX1" y="connsiteY1"/>
-                </a:cxn>
-                <a:cxn ang="0">
-                  <a:pos x="connsiteX2" y="connsiteY2"/>
-                </a:cxn>
-                <a:cxn ang="0">
-                  <a:pos x="connsiteX3" y="connsiteY3"/>
-                </a:cxn>
-              </a:cxnLst>
-              <a:rect l="l" t="t" r="r" b="b"/>
-              <a:pathLst>
-                <a:path w="1733020" h="160205">
-                  <a:moveTo>
-                    <a:pt x="0" y="0"/>
-                  </a:moveTo>
-                  <a:cubicBezTo>
-                    <a:pt x="56444" y="59265"/>
-                    <a:pt x="200468" y="115359"/>
-                    <a:pt x="423335" y="139171"/>
-                  </a:cubicBezTo>
-                  <a:cubicBezTo>
-                    <a:pt x="646202" y="162983"/>
-                    <a:pt x="1121304" y="169686"/>
-                    <a:pt x="1337204" y="142875"/>
-                  </a:cubicBezTo>
-                  <a:cubicBezTo>
-                    <a:pt x="1553104" y="116064"/>
-                    <a:pt x="1679573" y="74967"/>
-                    <a:pt x="1733020" y="530"/>
-                  </a:cubicBezTo>
-                </a:path>
-              </a:pathLst>
-            </a:custGeom>
-            <a:noFill/>
-            <a:ln w="19050">
-              <a:solidFill>
-                <a:srgbClr val="96B0DE"/>
-              </a:solidFill>
-            </a:ln>
-          </p:spPr>
-          <p:style>
-            <a:lnRef idx="2">
-              <a:schemeClr val="accent1">
-                <a:shade val="50000"/>
-              </a:schemeClr>
-            </a:lnRef>
-            <a:fillRef idx="1">
-              <a:schemeClr val="accent1"/>
-            </a:fillRef>
-            <a:effectRef idx="0">
-              <a:schemeClr val="accent1"/>
-            </a:effectRef>
-            <a:fontRef idx="minor">
-              <a:schemeClr val="lt1"/>
-            </a:fontRef>
-          </p:style>
-          <p:txBody>
-            <a:bodyPr rtlCol="0" anchor="ctr"/>
-            <a:lstStyle/>
-            <a:p>
-              <a:pPr algn="ctr"/>
-              <a:endParaRPr lang="en-US" sz="1801"/>
-            </a:p>
-          </p:txBody>
-        </p:sp>
-        <p:sp>
-          <p:nvSpPr>
-            <p:cNvPr id="41" name="Rectangle 40">
-              <a:extLst>
-                <a:ext uri="{FF2B5EF4-FFF2-40B4-BE49-F238E27FC236}">
-                  <a16:creationId xmlns:a16="http://schemas.microsoft.com/office/drawing/2014/main" id="{5C4EFD34-1860-4FC2-9128-B201BEB9456B}"/>
-                </a:ext>
-              </a:extLst>
-            </p:cNvPr>
-            <p:cNvSpPr/>
-            <p:nvPr/>
-          </p:nvSpPr>
-          <p:spPr>
-            <a:xfrm>
-              <a:off x="2308436" y="2269433"/>
-              <a:ext cx="2712720" cy="209975"/>
-            </a:xfrm>
-            <a:prstGeom prst="rect">
-              <a:avLst/>
-            </a:prstGeom>
+          </a:ln>
+        </p:spPr>
+        <p:style>
+          <a:lnRef idx="2">
+            <a:schemeClr val="accent1">
+              <a:shade val="50000"/>
+            </a:schemeClr>
+          </a:lnRef>
+          <a:fillRef idx="1">
+            <a:schemeClr val="accent1"/>
+          </a:fillRef>
+          <a:effectRef idx="0">
+            <a:schemeClr val="accent1"/>
+          </a:effectRef>
+          <a:fontRef idx="minor">
+            <a:schemeClr val="lt1"/>
+          </a:fontRef>
+        </p:style>
+        <p:txBody>
+          <a:bodyPr rtlCol="0" anchor="ctr"/>
+          <a:lstStyle/>
+          <a:p>
+            <a:pPr algn="ctr"/>
+            <a:endParaRPr lang="en-US" sz="1801"/>
+          </a:p>
+        </p:txBody>
+      </p:sp>
+      <p:sp>
+        <p:nvSpPr>
+          <p:cNvPr id="28" name="Freeform: Shape 27">
+            <a:extLst>
+              <a:ext uri="{FF2B5EF4-FFF2-40B4-BE49-F238E27FC236}">
+                <a16:creationId xmlns:a16="http://schemas.microsoft.com/office/drawing/2014/main" id="{A1C89CEB-D99E-4F7D-9433-6A38798E9246}"/>
+              </a:ext>
+            </a:extLst>
+          </p:cNvPr>
+          <p:cNvSpPr/>
+          <p:nvPr/>
+        </p:nvSpPr>
+        <p:spPr>
+          <a:xfrm>
+            <a:off x="1728668" y="6073934"/>
+            <a:ext cx="1733020" cy="160204"/>
+          </a:xfrm>
+          <a:custGeom>
+            <a:avLst/>
+            <a:gdLst>
+              <a:gd name="connsiteX0" fmla="*/ 0 w 1680634"/>
+              <a:gd name="connsiteY0" fmla="*/ 29633 h 170961"/>
+              <a:gd name="connsiteX1" fmla="*/ 385234 w 1680634"/>
+              <a:gd name="connsiteY1" fmla="*/ 160866 h 170961"/>
+              <a:gd name="connsiteX2" fmla="*/ 1367367 w 1680634"/>
+              <a:gd name="connsiteY2" fmla="*/ 143933 h 170961"/>
+              <a:gd name="connsiteX3" fmla="*/ 1680634 w 1680634"/>
+              <a:gd name="connsiteY3" fmla="*/ 0 h 170961"/>
+              <a:gd name="connsiteX0" fmla="*/ 0 w 1659996"/>
+              <a:gd name="connsiteY0" fmla="*/ 39158 h 170259"/>
+              <a:gd name="connsiteX1" fmla="*/ 364596 w 1659996"/>
+              <a:gd name="connsiteY1" fmla="*/ 160866 h 170259"/>
+              <a:gd name="connsiteX2" fmla="*/ 1346729 w 1659996"/>
+              <a:gd name="connsiteY2" fmla="*/ 143933 h 170259"/>
+              <a:gd name="connsiteX3" fmla="*/ 1659996 w 1659996"/>
+              <a:gd name="connsiteY3" fmla="*/ 0 h 170259"/>
+              <a:gd name="connsiteX0" fmla="*/ 0 w 1659996"/>
+              <a:gd name="connsiteY0" fmla="*/ 39158 h 170259"/>
+              <a:gd name="connsiteX1" fmla="*/ 364596 w 1659996"/>
+              <a:gd name="connsiteY1" fmla="*/ 160866 h 170259"/>
+              <a:gd name="connsiteX2" fmla="*/ 1346729 w 1659996"/>
+              <a:gd name="connsiteY2" fmla="*/ 143933 h 170259"/>
+              <a:gd name="connsiteX3" fmla="*/ 1659996 w 1659996"/>
+              <a:gd name="connsiteY3" fmla="*/ 0 h 170259"/>
+              <a:gd name="connsiteX0" fmla="*/ 0 w 1659996"/>
+              <a:gd name="connsiteY0" fmla="*/ 39158 h 174462"/>
+              <a:gd name="connsiteX1" fmla="*/ 364596 w 1659996"/>
+              <a:gd name="connsiteY1" fmla="*/ 160866 h 174462"/>
+              <a:gd name="connsiteX2" fmla="*/ 1351491 w 1659996"/>
+              <a:gd name="connsiteY2" fmla="*/ 153458 h 174462"/>
+              <a:gd name="connsiteX3" fmla="*/ 1659996 w 1659996"/>
+              <a:gd name="connsiteY3" fmla="*/ 0 h 174462"/>
+              <a:gd name="connsiteX0" fmla="*/ 0 w 1671108"/>
+              <a:gd name="connsiteY0" fmla="*/ 24871 h 160175"/>
+              <a:gd name="connsiteX1" fmla="*/ 364596 w 1671108"/>
+              <a:gd name="connsiteY1" fmla="*/ 146579 h 160175"/>
+              <a:gd name="connsiteX2" fmla="*/ 1351491 w 1671108"/>
+              <a:gd name="connsiteY2" fmla="*/ 139171 h 160175"/>
+              <a:gd name="connsiteX3" fmla="*/ 1671108 w 1671108"/>
+              <a:gd name="connsiteY3" fmla="*/ 0 h 160175"/>
+              <a:gd name="connsiteX0" fmla="*/ 0 w 1671108"/>
+              <a:gd name="connsiteY0" fmla="*/ 24871 h 160175"/>
+              <a:gd name="connsiteX1" fmla="*/ 364596 w 1671108"/>
+              <a:gd name="connsiteY1" fmla="*/ 146579 h 160175"/>
+              <a:gd name="connsiteX2" fmla="*/ 1351491 w 1671108"/>
+              <a:gd name="connsiteY2" fmla="*/ 139171 h 160175"/>
+              <a:gd name="connsiteX3" fmla="*/ 1671108 w 1671108"/>
+              <a:gd name="connsiteY3" fmla="*/ 0 h 160175"/>
+              <a:gd name="connsiteX0" fmla="*/ 0 w 1663170"/>
+              <a:gd name="connsiteY0" fmla="*/ 26458 h 161762"/>
+              <a:gd name="connsiteX1" fmla="*/ 364596 w 1663170"/>
+              <a:gd name="connsiteY1" fmla="*/ 148166 h 161762"/>
+              <a:gd name="connsiteX2" fmla="*/ 1351491 w 1663170"/>
+              <a:gd name="connsiteY2" fmla="*/ 140758 h 161762"/>
+              <a:gd name="connsiteX3" fmla="*/ 1663170 w 1663170"/>
+              <a:gd name="connsiteY3" fmla="*/ 0 h 161762"/>
+              <a:gd name="connsiteX0" fmla="*/ 0 w 1671107"/>
+              <a:gd name="connsiteY0" fmla="*/ 37570 h 172874"/>
+              <a:gd name="connsiteX1" fmla="*/ 364596 w 1671107"/>
+              <a:gd name="connsiteY1" fmla="*/ 159278 h 172874"/>
+              <a:gd name="connsiteX2" fmla="*/ 1351491 w 1671107"/>
+              <a:gd name="connsiteY2" fmla="*/ 151870 h 172874"/>
+              <a:gd name="connsiteX3" fmla="*/ 1671107 w 1671107"/>
+              <a:gd name="connsiteY3" fmla="*/ 0 h 172874"/>
+              <a:gd name="connsiteX0" fmla="*/ 0 w 1677457"/>
+              <a:gd name="connsiteY0" fmla="*/ 24870 h 173730"/>
+              <a:gd name="connsiteX1" fmla="*/ 370946 w 1677457"/>
+              <a:gd name="connsiteY1" fmla="*/ 159278 h 173730"/>
+              <a:gd name="connsiteX2" fmla="*/ 1357841 w 1677457"/>
+              <a:gd name="connsiteY2" fmla="*/ 151870 h 173730"/>
+              <a:gd name="connsiteX3" fmla="*/ 1677457 w 1677457"/>
+              <a:gd name="connsiteY3" fmla="*/ 0 h 173730"/>
+              <a:gd name="connsiteX0" fmla="*/ 0 w 1677457"/>
+              <a:gd name="connsiteY0" fmla="*/ 24870 h 173730"/>
+              <a:gd name="connsiteX1" fmla="*/ 370946 w 1677457"/>
+              <a:gd name="connsiteY1" fmla="*/ 159278 h 173730"/>
+              <a:gd name="connsiteX2" fmla="*/ 1357841 w 1677457"/>
+              <a:gd name="connsiteY2" fmla="*/ 151870 h 173730"/>
+              <a:gd name="connsiteX3" fmla="*/ 1677457 w 1677457"/>
+              <a:gd name="connsiteY3" fmla="*/ 0 h 173730"/>
+              <a:gd name="connsiteX0" fmla="*/ 0 w 1661582"/>
+              <a:gd name="connsiteY0" fmla="*/ 12170 h 174596"/>
+              <a:gd name="connsiteX1" fmla="*/ 355071 w 1661582"/>
+              <a:gd name="connsiteY1" fmla="*/ 159278 h 174596"/>
+              <a:gd name="connsiteX2" fmla="*/ 1341966 w 1661582"/>
+              <a:gd name="connsiteY2" fmla="*/ 151870 h 174596"/>
+              <a:gd name="connsiteX3" fmla="*/ 1661582 w 1661582"/>
+              <a:gd name="connsiteY3" fmla="*/ 0 h 174596"/>
+              <a:gd name="connsiteX0" fmla="*/ 0 w 1661582"/>
+              <a:gd name="connsiteY0" fmla="*/ 12170 h 174596"/>
+              <a:gd name="connsiteX1" fmla="*/ 355071 w 1661582"/>
+              <a:gd name="connsiteY1" fmla="*/ 159278 h 174596"/>
+              <a:gd name="connsiteX2" fmla="*/ 1341966 w 1661582"/>
+              <a:gd name="connsiteY2" fmla="*/ 151870 h 174596"/>
+              <a:gd name="connsiteX3" fmla="*/ 1661582 w 1661582"/>
+              <a:gd name="connsiteY3" fmla="*/ 0 h 174596"/>
+              <a:gd name="connsiteX0" fmla="*/ 0 w 1661582"/>
+              <a:gd name="connsiteY0" fmla="*/ 12170 h 180770"/>
+              <a:gd name="connsiteX1" fmla="*/ 372534 w 1661582"/>
+              <a:gd name="connsiteY1" fmla="*/ 168803 h 180770"/>
+              <a:gd name="connsiteX2" fmla="*/ 1341966 w 1661582"/>
+              <a:gd name="connsiteY2" fmla="*/ 151870 h 180770"/>
+              <a:gd name="connsiteX3" fmla="*/ 1661582 w 1661582"/>
+              <a:gd name="connsiteY3" fmla="*/ 0 h 180770"/>
+              <a:gd name="connsiteX0" fmla="*/ 0 w 1661582"/>
+              <a:gd name="connsiteY0" fmla="*/ 12170 h 188949"/>
+              <a:gd name="connsiteX1" fmla="*/ 372534 w 1661582"/>
+              <a:gd name="connsiteY1" fmla="*/ 168803 h 188949"/>
+              <a:gd name="connsiteX2" fmla="*/ 1341966 w 1661582"/>
+              <a:gd name="connsiteY2" fmla="*/ 169332 h 188949"/>
+              <a:gd name="connsiteX3" fmla="*/ 1661582 w 1661582"/>
+              <a:gd name="connsiteY3" fmla="*/ 0 h 188949"/>
+              <a:gd name="connsiteX0" fmla="*/ 0 w 1702857"/>
+              <a:gd name="connsiteY0" fmla="*/ 21695 h 188368"/>
+              <a:gd name="connsiteX1" fmla="*/ 413809 w 1702857"/>
+              <a:gd name="connsiteY1" fmla="*/ 168803 h 188368"/>
+              <a:gd name="connsiteX2" fmla="*/ 1383241 w 1702857"/>
+              <a:gd name="connsiteY2" fmla="*/ 169332 h 188368"/>
+              <a:gd name="connsiteX3" fmla="*/ 1702857 w 1702857"/>
+              <a:gd name="connsiteY3" fmla="*/ 0 h 188368"/>
+              <a:gd name="connsiteX0" fmla="*/ 0 w 1702857"/>
+              <a:gd name="connsiteY0" fmla="*/ 21695 h 188368"/>
+              <a:gd name="connsiteX1" fmla="*/ 413809 w 1702857"/>
+              <a:gd name="connsiteY1" fmla="*/ 168803 h 188368"/>
+              <a:gd name="connsiteX2" fmla="*/ 1383241 w 1702857"/>
+              <a:gd name="connsiteY2" fmla="*/ 169332 h 188368"/>
+              <a:gd name="connsiteX3" fmla="*/ 1702857 w 1702857"/>
+              <a:gd name="connsiteY3" fmla="*/ 0 h 188368"/>
+              <a:gd name="connsiteX0" fmla="*/ 0 w 1736195"/>
+              <a:gd name="connsiteY0" fmla="*/ 31220 h 197893"/>
+              <a:gd name="connsiteX1" fmla="*/ 413809 w 1736195"/>
+              <a:gd name="connsiteY1" fmla="*/ 178328 h 197893"/>
+              <a:gd name="connsiteX2" fmla="*/ 1383241 w 1736195"/>
+              <a:gd name="connsiteY2" fmla="*/ 178857 h 197893"/>
+              <a:gd name="connsiteX3" fmla="*/ 1736195 w 1736195"/>
+              <a:gd name="connsiteY3" fmla="*/ 0 h 197893"/>
+              <a:gd name="connsiteX0" fmla="*/ 0 w 1690158"/>
+              <a:gd name="connsiteY0" fmla="*/ 51857 h 196671"/>
+              <a:gd name="connsiteX1" fmla="*/ 367772 w 1690158"/>
+              <a:gd name="connsiteY1" fmla="*/ 178328 h 196671"/>
+              <a:gd name="connsiteX2" fmla="*/ 1337204 w 1690158"/>
+              <a:gd name="connsiteY2" fmla="*/ 178857 h 196671"/>
+              <a:gd name="connsiteX3" fmla="*/ 1690158 w 1690158"/>
+              <a:gd name="connsiteY3" fmla="*/ 0 h 196671"/>
+              <a:gd name="connsiteX0" fmla="*/ 0 w 1690158"/>
+              <a:gd name="connsiteY0" fmla="*/ 51857 h 196671"/>
+              <a:gd name="connsiteX1" fmla="*/ 367772 w 1690158"/>
+              <a:gd name="connsiteY1" fmla="*/ 178328 h 196671"/>
+              <a:gd name="connsiteX2" fmla="*/ 1337204 w 1690158"/>
+              <a:gd name="connsiteY2" fmla="*/ 178857 h 196671"/>
+              <a:gd name="connsiteX3" fmla="*/ 1690158 w 1690158"/>
+              <a:gd name="connsiteY3" fmla="*/ 0 h 196671"/>
+              <a:gd name="connsiteX0" fmla="*/ 0 w 1615545"/>
+              <a:gd name="connsiteY0" fmla="*/ 7407 h 152221"/>
+              <a:gd name="connsiteX1" fmla="*/ 367772 w 1615545"/>
+              <a:gd name="connsiteY1" fmla="*/ 133878 h 152221"/>
+              <a:gd name="connsiteX2" fmla="*/ 1337204 w 1615545"/>
+              <a:gd name="connsiteY2" fmla="*/ 134407 h 152221"/>
+              <a:gd name="connsiteX3" fmla="*/ 1615545 w 1615545"/>
+              <a:gd name="connsiteY3" fmla="*/ 0 h 152221"/>
+              <a:gd name="connsiteX0" fmla="*/ 0 w 1615545"/>
+              <a:gd name="connsiteY0" fmla="*/ 7407 h 152221"/>
+              <a:gd name="connsiteX1" fmla="*/ 367772 w 1615545"/>
+              <a:gd name="connsiteY1" fmla="*/ 133878 h 152221"/>
+              <a:gd name="connsiteX2" fmla="*/ 1337204 w 1615545"/>
+              <a:gd name="connsiteY2" fmla="*/ 134407 h 152221"/>
+              <a:gd name="connsiteX3" fmla="*/ 1615545 w 1615545"/>
+              <a:gd name="connsiteY3" fmla="*/ 0 h 152221"/>
+              <a:gd name="connsiteX0" fmla="*/ 0 w 1615545"/>
+              <a:gd name="connsiteY0" fmla="*/ 7407 h 154217"/>
+              <a:gd name="connsiteX1" fmla="*/ 367772 w 1615545"/>
+              <a:gd name="connsiteY1" fmla="*/ 133878 h 154217"/>
+              <a:gd name="connsiteX2" fmla="*/ 1281641 w 1615545"/>
+              <a:gd name="connsiteY2" fmla="*/ 137582 h 154217"/>
+              <a:gd name="connsiteX3" fmla="*/ 1615545 w 1615545"/>
+              <a:gd name="connsiteY3" fmla="*/ 0 h 154217"/>
+              <a:gd name="connsiteX0" fmla="*/ 0 w 1617132"/>
+              <a:gd name="connsiteY0" fmla="*/ 18520 h 165330"/>
+              <a:gd name="connsiteX1" fmla="*/ 367772 w 1617132"/>
+              <a:gd name="connsiteY1" fmla="*/ 144991 h 165330"/>
+              <a:gd name="connsiteX2" fmla="*/ 1281641 w 1617132"/>
+              <a:gd name="connsiteY2" fmla="*/ 148695 h 165330"/>
+              <a:gd name="connsiteX3" fmla="*/ 1617132 w 1617132"/>
+              <a:gd name="connsiteY3" fmla="*/ 0 h 165330"/>
+              <a:gd name="connsiteX0" fmla="*/ 0 w 1625070"/>
+              <a:gd name="connsiteY0" fmla="*/ 0 h 166911"/>
+              <a:gd name="connsiteX1" fmla="*/ 375710 w 1625070"/>
+              <a:gd name="connsiteY1" fmla="*/ 145521 h 166911"/>
+              <a:gd name="connsiteX2" fmla="*/ 1289579 w 1625070"/>
+              <a:gd name="connsiteY2" fmla="*/ 149225 h 166911"/>
+              <a:gd name="connsiteX3" fmla="*/ 1625070 w 1625070"/>
+              <a:gd name="connsiteY3" fmla="*/ 530 h 166911"/>
+              <a:gd name="connsiteX0" fmla="*/ 0 w 1625070"/>
+              <a:gd name="connsiteY0" fmla="*/ 0 h 166911"/>
+              <a:gd name="connsiteX1" fmla="*/ 375710 w 1625070"/>
+              <a:gd name="connsiteY1" fmla="*/ 145521 h 166911"/>
+              <a:gd name="connsiteX2" fmla="*/ 1289579 w 1625070"/>
+              <a:gd name="connsiteY2" fmla="*/ 149225 h 166911"/>
+              <a:gd name="connsiteX3" fmla="*/ 1625070 w 1625070"/>
+              <a:gd name="connsiteY3" fmla="*/ 530 h 166911"/>
+              <a:gd name="connsiteX0" fmla="*/ 0 w 1685395"/>
+              <a:gd name="connsiteY0" fmla="*/ 0 h 166911"/>
+              <a:gd name="connsiteX1" fmla="*/ 375710 w 1685395"/>
+              <a:gd name="connsiteY1" fmla="*/ 145521 h 166911"/>
+              <a:gd name="connsiteX2" fmla="*/ 1289579 w 1685395"/>
+              <a:gd name="connsiteY2" fmla="*/ 149225 h 166911"/>
+              <a:gd name="connsiteX3" fmla="*/ 1685395 w 1685395"/>
+              <a:gd name="connsiteY3" fmla="*/ 6880 h 166911"/>
+              <a:gd name="connsiteX0" fmla="*/ 0 w 1733020"/>
+              <a:gd name="connsiteY0" fmla="*/ 0 h 160205"/>
+              <a:gd name="connsiteX1" fmla="*/ 423335 w 1733020"/>
+              <a:gd name="connsiteY1" fmla="*/ 139171 h 160205"/>
+              <a:gd name="connsiteX2" fmla="*/ 1337204 w 1733020"/>
+              <a:gd name="connsiteY2" fmla="*/ 142875 h 160205"/>
+              <a:gd name="connsiteX3" fmla="*/ 1733020 w 1733020"/>
+              <a:gd name="connsiteY3" fmla="*/ 530 h 160205"/>
+            </a:gdLst>
+            <a:ahLst/>
+            <a:cxnLst>
+              <a:cxn ang="0">
+                <a:pos x="connsiteX0" y="connsiteY0"/>
+              </a:cxn>
+              <a:cxn ang="0">
+                <a:pos x="connsiteX1" y="connsiteY1"/>
+              </a:cxn>
+              <a:cxn ang="0">
+                <a:pos x="connsiteX2" y="connsiteY2"/>
+              </a:cxn>
+              <a:cxn ang="0">
+                <a:pos x="connsiteX3" y="connsiteY3"/>
+              </a:cxn>
+            </a:cxnLst>
+            <a:rect l="l" t="t" r="r" b="b"/>
+            <a:pathLst>
+              <a:path w="1733020" h="160205">
+                <a:moveTo>
+                  <a:pt x="0" y="0"/>
+                </a:moveTo>
+                <a:cubicBezTo>
+                  <a:pt x="56444" y="59265"/>
+                  <a:pt x="200468" y="115359"/>
+                  <a:pt x="423335" y="139171"/>
+                </a:cubicBezTo>
+                <a:cubicBezTo>
+                  <a:pt x="646202" y="162983"/>
+                  <a:pt x="1121304" y="169686"/>
+                  <a:pt x="1337204" y="142875"/>
+                </a:cubicBezTo>
+                <a:cubicBezTo>
+                  <a:pt x="1553104" y="116064"/>
+                  <a:pt x="1679573" y="74967"/>
+                  <a:pt x="1733020" y="530"/>
+                </a:cubicBezTo>
+              </a:path>
+            </a:pathLst>
+          </a:custGeom>
+          <a:noFill/>
+          <a:ln w="19050">
+            <a:solidFill>
+              <a:srgbClr val="96B0DE"/>
+            </a:solidFill>
+          </a:ln>
+        </p:spPr>
+        <p:style>
+          <a:lnRef idx="2">
+            <a:schemeClr val="accent1">
+              <a:shade val="50000"/>
+            </a:schemeClr>
+          </a:lnRef>
+          <a:fillRef idx="1">
+            <a:schemeClr val="accent1"/>
+          </a:fillRef>
+          <a:effectRef idx="0">
+            <a:schemeClr val="accent1"/>
+          </a:effectRef>
+          <a:fontRef idx="minor">
+            <a:schemeClr val="lt1"/>
+          </a:fontRef>
+        </p:style>
+        <p:txBody>
+          <a:bodyPr rtlCol="0" anchor="ctr"/>
+          <a:lstStyle/>
+          <a:p>
+            <a:pPr algn="ctr"/>
+            <a:endParaRPr lang="en-US" sz="1801"/>
+          </a:p>
+        </p:txBody>
+      </p:sp>
+      <p:sp>
+        <p:nvSpPr>
+          <p:cNvPr id="41" name="Rectangle 40">
+            <a:extLst>
+              <a:ext uri="{FF2B5EF4-FFF2-40B4-BE49-F238E27FC236}">
+                <a16:creationId xmlns:a16="http://schemas.microsoft.com/office/drawing/2014/main" id="{5C4EFD34-1860-4FC2-9128-B201BEB9456B}"/>
+              </a:ext>
+            </a:extLst>
+          </p:cNvPr>
+          <p:cNvSpPr/>
+          <p:nvPr/>
+        </p:nvSpPr>
+        <p:spPr>
+          <a:xfrm>
+            <a:off x="1230407" y="2367701"/>
+            <a:ext cx="2712719" cy="209975"/>
+          </a:xfrm>
+          <a:prstGeom prst="rect">
+            <a:avLst/>
+          </a:prstGeom>
+          <a:solidFill>
+            <a:schemeClr val="bg1"/>
+          </a:solidFill>
+          <a:ln>
             <a:solidFill>
               <a:schemeClr val="bg1"/>
             </a:solidFill>
-            <a:ln>
-              <a:solidFill>
-                <a:schemeClr val="bg1"/>
-              </a:solidFill>
-            </a:ln>
-          </p:spPr>
-          <p:style>
-            <a:lnRef idx="2">
-              <a:schemeClr val="accent1">
-                <a:shade val="50000"/>
-              </a:schemeClr>
-            </a:lnRef>
-            <a:fillRef idx="1">
-              <a:schemeClr val="accent1"/>
-            </a:fillRef>
-            <a:effectRef idx="0">
-              <a:schemeClr val="accent1"/>
-            </a:effectRef>
-            <a:fontRef idx="minor">
-              <a:schemeClr val="lt1"/>
-            </a:fontRef>
-          </p:style>
-          <p:txBody>
-            <a:bodyPr rtlCol="0" anchor="ctr"/>
-            <a:lstStyle/>
-            <a:p>
-              <a:pPr algn="ctr"/>
-              <a:endParaRPr lang="en-US" sz="1801"/>
-            </a:p>
-          </p:txBody>
-        </p:sp>
-        <p:cxnSp>
-          <p:nvCxnSpPr>
-            <p:cNvPr id="18" name="Straight Connector 17">
-              <a:extLst>
-                <a:ext uri="{FF2B5EF4-FFF2-40B4-BE49-F238E27FC236}">
-                  <a16:creationId xmlns:a16="http://schemas.microsoft.com/office/drawing/2014/main" id="{19C1651A-9AA7-41DD-95DC-9E99FE1132E7}"/>
-                </a:ext>
-              </a:extLst>
-            </p:cNvPr>
-            <p:cNvCxnSpPr>
-              <a:cxnSpLocks/>
-            </p:cNvCxnSpPr>
-            <p:nvPr/>
-          </p:nvCxnSpPr>
-          <p:spPr>
-            <a:xfrm>
-              <a:off x="2448984" y="2263505"/>
-              <a:ext cx="389467" cy="4068235"/>
-            </a:xfrm>
-            <a:prstGeom prst="line">
-              <a:avLst/>
-            </a:prstGeom>
-            <a:ln w="19050">
-              <a:solidFill>
-                <a:srgbClr val="96B0DE"/>
-              </a:solidFill>
-            </a:ln>
-          </p:spPr>
-          <p:style>
-            <a:lnRef idx="1">
-              <a:schemeClr val="accent1"/>
-            </a:lnRef>
-            <a:fillRef idx="0">
-              <a:schemeClr val="accent1"/>
-            </a:fillRef>
-            <a:effectRef idx="0">
-              <a:schemeClr val="accent1"/>
-            </a:effectRef>
-            <a:fontRef idx="minor">
-              <a:schemeClr val="tx1"/>
-            </a:fontRef>
-          </p:style>
-        </p:cxnSp>
-        <p:sp>
-          <p:nvSpPr>
-            <p:cNvPr id="128" name="Oval 127">
-              <a:extLst>
-                <a:ext uri="{FF2B5EF4-FFF2-40B4-BE49-F238E27FC236}">
-                  <a16:creationId xmlns:a16="http://schemas.microsoft.com/office/drawing/2014/main" id="{FCEC81F1-1E23-4482-AC32-F0828B289446}"/>
-                </a:ext>
-              </a:extLst>
-            </p:cNvPr>
-            <p:cNvSpPr/>
-            <p:nvPr/>
-          </p:nvSpPr>
-          <p:spPr>
-            <a:xfrm>
-              <a:off x="3103123" y="2614959"/>
-              <a:ext cx="131061" cy="131061"/>
-            </a:xfrm>
-            <a:prstGeom prst="ellipse">
-              <a:avLst/>
-            </a:prstGeom>
-            <a:noFill/>
-            <a:ln>
-              <a:solidFill>
-                <a:srgbClr val="000000">
-                  <a:alpha val="50196"/>
-                </a:srgbClr>
-              </a:solidFill>
-            </a:ln>
-          </p:spPr>
-          <p:style>
-            <a:lnRef idx="2">
-              <a:schemeClr val="accent1">
-                <a:shade val="50000"/>
-              </a:schemeClr>
-            </a:lnRef>
-            <a:fillRef idx="1">
-              <a:schemeClr val="accent1"/>
-            </a:fillRef>
-            <a:effectRef idx="0">
-              <a:schemeClr val="accent1"/>
-            </a:effectRef>
-            <a:fontRef idx="minor">
-              <a:schemeClr val="lt1"/>
-            </a:fontRef>
-          </p:style>
-          <p:txBody>
-            <a:bodyPr rtlCol="0" anchor="ctr"/>
-            <a:lstStyle/>
-            <a:p>
-              <a:pPr algn="ctr"/>
-              <a:endParaRPr lang="en-US" sz="1801"/>
-            </a:p>
-          </p:txBody>
-        </p:sp>
-        <p:sp>
-          <p:nvSpPr>
-            <p:cNvPr id="134" name="Oval 133">
-              <a:extLst>
-                <a:ext uri="{FF2B5EF4-FFF2-40B4-BE49-F238E27FC236}">
-                  <a16:creationId xmlns:a16="http://schemas.microsoft.com/office/drawing/2014/main" id="{BFC85DCF-5011-40B6-A805-F431E6C2A509}"/>
-                </a:ext>
-              </a:extLst>
-            </p:cNvPr>
-            <p:cNvSpPr/>
-            <p:nvPr/>
-          </p:nvSpPr>
-          <p:spPr>
-            <a:xfrm>
-              <a:off x="3298911" y="3273647"/>
-              <a:ext cx="131061" cy="131061"/>
-            </a:xfrm>
-            <a:prstGeom prst="ellipse">
-              <a:avLst/>
-            </a:prstGeom>
-            <a:noFill/>
-            <a:ln>
-              <a:solidFill>
-                <a:srgbClr val="000000">
-                  <a:alpha val="50196"/>
-                </a:srgbClr>
-              </a:solidFill>
-            </a:ln>
-          </p:spPr>
-          <p:style>
-            <a:lnRef idx="2">
-              <a:schemeClr val="accent1">
-                <a:shade val="50000"/>
-              </a:schemeClr>
-            </a:lnRef>
-            <a:fillRef idx="1">
-              <a:schemeClr val="accent1"/>
-            </a:fillRef>
-            <a:effectRef idx="0">
-              <a:schemeClr val="accent1"/>
-            </a:effectRef>
-            <a:fontRef idx="minor">
-              <a:schemeClr val="lt1"/>
-            </a:fontRef>
-          </p:style>
-          <p:txBody>
-            <a:bodyPr rtlCol="0" anchor="ctr"/>
-            <a:lstStyle/>
-            <a:p>
-              <a:pPr algn="ctr"/>
-              <a:endParaRPr lang="en-US" sz="1801"/>
-            </a:p>
-          </p:txBody>
-        </p:sp>
-        <p:cxnSp>
-          <p:nvCxnSpPr>
-            <p:cNvPr id="22" name="Straight Connector 21">
-              <a:extLst>
-                <a:ext uri="{FF2B5EF4-FFF2-40B4-BE49-F238E27FC236}">
-                  <a16:creationId xmlns:a16="http://schemas.microsoft.com/office/drawing/2014/main" id="{CEEBAE4C-A722-47EF-8A95-3D14120A6F86}"/>
-                </a:ext>
-              </a:extLst>
-            </p:cNvPr>
-            <p:cNvCxnSpPr>
-              <a:cxnSpLocks/>
-            </p:cNvCxnSpPr>
-            <p:nvPr/>
-          </p:nvCxnSpPr>
-          <p:spPr>
-            <a:xfrm flipH="1">
-              <a:off x="4514850" y="2263509"/>
-              <a:ext cx="436034" cy="4038601"/>
-            </a:xfrm>
-            <a:prstGeom prst="line">
-              <a:avLst/>
-            </a:prstGeom>
-            <a:ln w="19050">
-              <a:solidFill>
-                <a:srgbClr val="96B0DE"/>
-              </a:solidFill>
-            </a:ln>
-          </p:spPr>
-          <p:style>
-            <a:lnRef idx="1">
-              <a:schemeClr val="accent1"/>
-            </a:lnRef>
-            <a:fillRef idx="0">
-              <a:schemeClr val="accent1"/>
-            </a:fillRef>
-            <a:effectRef idx="0">
-              <a:schemeClr val="accent1"/>
-            </a:effectRef>
-            <a:fontRef idx="minor">
-              <a:schemeClr val="tx1"/>
-            </a:fontRef>
-          </p:style>
-        </p:cxnSp>
-        <p:sp>
-          <p:nvSpPr>
-            <p:cNvPr id="35" name="Freeform: Shape 34">
-              <a:extLst>
-                <a:ext uri="{FF2B5EF4-FFF2-40B4-BE49-F238E27FC236}">
-                  <a16:creationId xmlns:a16="http://schemas.microsoft.com/office/drawing/2014/main" id="{9168A8D6-9B9E-421C-B580-3C4CBE736391}"/>
-                </a:ext>
-              </a:extLst>
-            </p:cNvPr>
-            <p:cNvSpPr/>
-            <p:nvPr/>
-          </p:nvSpPr>
-          <p:spPr>
-            <a:xfrm>
-              <a:off x="4532182" y="2246573"/>
-              <a:ext cx="1471612" cy="3956050"/>
-            </a:xfrm>
-            <a:custGeom>
-              <a:avLst/>
-              <a:gdLst>
-                <a:gd name="connsiteX0" fmla="*/ 412750 w 1454150"/>
-                <a:gd name="connsiteY0" fmla="*/ 19050 h 3956050"/>
-                <a:gd name="connsiteX1" fmla="*/ 0 w 1454150"/>
-                <a:gd name="connsiteY1" fmla="*/ 3956050 h 3956050"/>
-                <a:gd name="connsiteX2" fmla="*/ 1276350 w 1454150"/>
-                <a:gd name="connsiteY2" fmla="*/ 3924300 h 3956050"/>
-                <a:gd name="connsiteX3" fmla="*/ 1454150 w 1454150"/>
-                <a:gd name="connsiteY3" fmla="*/ 0 h 3956050"/>
-                <a:gd name="connsiteX4" fmla="*/ 412750 w 1454150"/>
-                <a:gd name="connsiteY4" fmla="*/ 19050 h 3956050"/>
-                <a:gd name="connsiteX0" fmla="*/ 430212 w 1471612"/>
-                <a:gd name="connsiteY0" fmla="*/ 19050 h 3956050"/>
-                <a:gd name="connsiteX1" fmla="*/ 0 w 1471612"/>
-                <a:gd name="connsiteY1" fmla="*/ 3956050 h 3956050"/>
-                <a:gd name="connsiteX2" fmla="*/ 1293812 w 1471612"/>
-                <a:gd name="connsiteY2" fmla="*/ 3924300 h 3956050"/>
-                <a:gd name="connsiteX3" fmla="*/ 1471612 w 1471612"/>
-                <a:gd name="connsiteY3" fmla="*/ 0 h 3956050"/>
-                <a:gd name="connsiteX4" fmla="*/ 430212 w 1471612"/>
-                <a:gd name="connsiteY4" fmla="*/ 19050 h 3956050"/>
-              </a:gdLst>
-              <a:ahLst/>
-              <a:cxnLst>
-                <a:cxn ang="0">
-                  <a:pos x="connsiteX0" y="connsiteY0"/>
-                </a:cxn>
-                <a:cxn ang="0">
-                  <a:pos x="connsiteX1" y="connsiteY1"/>
-                </a:cxn>
-                <a:cxn ang="0">
-                  <a:pos x="connsiteX2" y="connsiteY2"/>
-                </a:cxn>
-                <a:cxn ang="0">
-                  <a:pos x="connsiteX3" y="connsiteY3"/>
-                </a:cxn>
-                <a:cxn ang="0">
-                  <a:pos x="connsiteX4" y="connsiteY4"/>
-                </a:cxn>
-              </a:cxnLst>
-              <a:rect l="l" t="t" r="r" b="b"/>
-              <a:pathLst>
-                <a:path w="1471612" h="3956050">
-                  <a:moveTo>
-                    <a:pt x="430212" y="19050"/>
-                  </a:moveTo>
-                  <a:lnTo>
-                    <a:pt x="0" y="3956050"/>
-                  </a:lnTo>
-                  <a:lnTo>
-                    <a:pt x="1293812" y="3924300"/>
-                  </a:lnTo>
-                  <a:lnTo>
-                    <a:pt x="1471612" y="0"/>
-                  </a:lnTo>
-                  <a:lnTo>
-                    <a:pt x="430212" y="19050"/>
-                  </a:lnTo>
-                  <a:close/>
-                </a:path>
-              </a:pathLst>
-            </a:custGeom>
+          </a:ln>
+        </p:spPr>
+        <p:style>
+          <a:lnRef idx="2">
+            <a:schemeClr val="accent1">
+              <a:shade val="50000"/>
+            </a:schemeClr>
+          </a:lnRef>
+          <a:fillRef idx="1">
+            <a:schemeClr val="accent1"/>
+          </a:fillRef>
+          <a:effectRef idx="0">
+            <a:schemeClr val="accent1"/>
+          </a:effectRef>
+          <a:fontRef idx="minor">
+            <a:schemeClr val="lt1"/>
+          </a:fontRef>
+        </p:style>
+        <p:txBody>
+          <a:bodyPr rtlCol="0" anchor="ctr"/>
+          <a:lstStyle/>
+          <a:p>
+            <a:pPr algn="ctr"/>
+            <a:endParaRPr lang="en-US" sz="1801"/>
+          </a:p>
+        </p:txBody>
+      </p:sp>
+      <p:cxnSp>
+        <p:nvCxnSpPr>
+          <p:cNvPr id="18" name="Straight Connector 17">
+            <a:extLst>
+              <a:ext uri="{FF2B5EF4-FFF2-40B4-BE49-F238E27FC236}">
+                <a16:creationId xmlns:a16="http://schemas.microsoft.com/office/drawing/2014/main" id="{19C1651A-9AA7-41DD-95DC-9E99FE1132E7}"/>
+              </a:ext>
+            </a:extLst>
+          </p:cNvPr>
+          <p:cNvCxnSpPr>
+            <a:cxnSpLocks/>
+          </p:cNvCxnSpPr>
+          <p:nvPr/>
+        </p:nvCxnSpPr>
+        <p:spPr>
+          <a:xfrm>
+            <a:off x="1370955" y="2361773"/>
+            <a:ext cx="389467" cy="4068235"/>
+          </a:xfrm>
+          <a:prstGeom prst="line">
+            <a:avLst/>
+          </a:prstGeom>
+          <a:ln w="19050">
+            <a:solidFill>
+              <a:srgbClr val="96B0DE"/>
+            </a:solidFill>
+          </a:ln>
+        </p:spPr>
+        <p:style>
+          <a:lnRef idx="1">
+            <a:schemeClr val="accent1"/>
+          </a:lnRef>
+          <a:fillRef idx="0">
+            <a:schemeClr val="accent1"/>
+          </a:fillRef>
+          <a:effectRef idx="0">
+            <a:schemeClr val="accent1"/>
+          </a:effectRef>
+          <a:fontRef idx="minor">
+            <a:schemeClr val="tx1"/>
+          </a:fontRef>
+        </p:style>
+      </p:cxnSp>
+      <p:sp>
+        <p:nvSpPr>
+          <p:cNvPr id="128" name="Oval 127">
+            <a:extLst>
+              <a:ext uri="{FF2B5EF4-FFF2-40B4-BE49-F238E27FC236}">
+                <a16:creationId xmlns:a16="http://schemas.microsoft.com/office/drawing/2014/main" id="{FCEC81F1-1E23-4482-AC32-F0828B289446}"/>
+              </a:ext>
+            </a:extLst>
+          </p:cNvPr>
+          <p:cNvSpPr/>
+          <p:nvPr/>
+        </p:nvSpPr>
+        <p:spPr>
+          <a:xfrm>
+            <a:off x="2025094" y="2713227"/>
+            <a:ext cx="131061" cy="131061"/>
+          </a:xfrm>
+          <a:prstGeom prst="ellipse">
+            <a:avLst/>
+          </a:prstGeom>
+          <a:noFill/>
+          <a:ln>
+            <a:solidFill>
+              <a:srgbClr val="000000">
+                <a:alpha val="50196"/>
+              </a:srgbClr>
+            </a:solidFill>
+          </a:ln>
+        </p:spPr>
+        <p:style>
+          <a:lnRef idx="2">
+            <a:schemeClr val="accent1">
+              <a:shade val="50000"/>
+            </a:schemeClr>
+          </a:lnRef>
+          <a:fillRef idx="1">
+            <a:schemeClr val="accent1"/>
+          </a:fillRef>
+          <a:effectRef idx="0">
+            <a:schemeClr val="accent1"/>
+          </a:effectRef>
+          <a:fontRef idx="minor">
+            <a:schemeClr val="lt1"/>
+          </a:fontRef>
+        </p:style>
+        <p:txBody>
+          <a:bodyPr rtlCol="0" anchor="ctr"/>
+          <a:lstStyle/>
+          <a:p>
+            <a:pPr algn="ctr"/>
+            <a:endParaRPr lang="en-US" sz="1801"/>
+          </a:p>
+        </p:txBody>
+      </p:sp>
+      <p:sp>
+        <p:nvSpPr>
+          <p:cNvPr id="134" name="Oval 133">
+            <a:extLst>
+              <a:ext uri="{FF2B5EF4-FFF2-40B4-BE49-F238E27FC236}">
+                <a16:creationId xmlns:a16="http://schemas.microsoft.com/office/drawing/2014/main" id="{BFC85DCF-5011-40B6-A805-F431E6C2A509}"/>
+              </a:ext>
+            </a:extLst>
+          </p:cNvPr>
+          <p:cNvSpPr/>
+          <p:nvPr/>
+        </p:nvSpPr>
+        <p:spPr>
+          <a:xfrm>
+            <a:off x="2220882" y="3371915"/>
+            <a:ext cx="131061" cy="131061"/>
+          </a:xfrm>
+          <a:prstGeom prst="ellipse">
+            <a:avLst/>
+          </a:prstGeom>
+          <a:noFill/>
+          <a:ln>
+            <a:solidFill>
+              <a:srgbClr val="000000">
+                <a:alpha val="50196"/>
+              </a:srgbClr>
+            </a:solidFill>
+          </a:ln>
+        </p:spPr>
+        <p:style>
+          <a:lnRef idx="2">
+            <a:schemeClr val="accent1">
+              <a:shade val="50000"/>
+            </a:schemeClr>
+          </a:lnRef>
+          <a:fillRef idx="1">
+            <a:schemeClr val="accent1"/>
+          </a:fillRef>
+          <a:effectRef idx="0">
+            <a:schemeClr val="accent1"/>
+          </a:effectRef>
+          <a:fontRef idx="minor">
+            <a:schemeClr val="lt1"/>
+          </a:fontRef>
+        </p:style>
+        <p:txBody>
+          <a:bodyPr rtlCol="0" anchor="ctr"/>
+          <a:lstStyle/>
+          <a:p>
+            <a:pPr algn="ctr"/>
+            <a:endParaRPr lang="en-US" sz="1801"/>
+          </a:p>
+        </p:txBody>
+      </p:sp>
+      <p:cxnSp>
+        <p:nvCxnSpPr>
+          <p:cNvPr id="22" name="Straight Connector 21">
+            <a:extLst>
+              <a:ext uri="{FF2B5EF4-FFF2-40B4-BE49-F238E27FC236}">
+                <a16:creationId xmlns:a16="http://schemas.microsoft.com/office/drawing/2014/main" id="{CEEBAE4C-A722-47EF-8A95-3D14120A6F86}"/>
+              </a:ext>
+            </a:extLst>
+          </p:cNvPr>
+          <p:cNvCxnSpPr>
+            <a:cxnSpLocks/>
+          </p:cNvCxnSpPr>
+          <p:nvPr/>
+        </p:nvCxnSpPr>
+        <p:spPr>
+          <a:xfrm flipH="1">
+            <a:off x="3436820" y="2361777"/>
+            <a:ext cx="436034" cy="4038601"/>
+          </a:xfrm>
+          <a:prstGeom prst="line">
+            <a:avLst/>
+          </a:prstGeom>
+          <a:ln w="19050">
+            <a:solidFill>
+              <a:srgbClr val="96B0DE"/>
+            </a:solidFill>
+          </a:ln>
+        </p:spPr>
+        <p:style>
+          <a:lnRef idx="1">
+            <a:schemeClr val="accent1"/>
+          </a:lnRef>
+          <a:fillRef idx="0">
+            <a:schemeClr val="accent1"/>
+          </a:fillRef>
+          <a:effectRef idx="0">
+            <a:schemeClr val="accent1"/>
+          </a:effectRef>
+          <a:fontRef idx="minor">
+            <a:schemeClr val="tx1"/>
+          </a:fontRef>
+        </p:style>
+      </p:cxnSp>
+      <p:sp>
+        <p:nvSpPr>
+          <p:cNvPr id="35" name="Freeform: Shape 34">
+            <a:extLst>
+              <a:ext uri="{FF2B5EF4-FFF2-40B4-BE49-F238E27FC236}">
+                <a16:creationId xmlns:a16="http://schemas.microsoft.com/office/drawing/2014/main" id="{9168A8D6-9B9E-421C-B580-3C4CBE736391}"/>
+              </a:ext>
+            </a:extLst>
+          </p:cNvPr>
+          <p:cNvSpPr/>
+          <p:nvPr/>
+        </p:nvSpPr>
+        <p:spPr>
+          <a:xfrm>
+            <a:off x="3454152" y="2344841"/>
+            <a:ext cx="1471612" cy="3956050"/>
+          </a:xfrm>
+          <a:custGeom>
+            <a:avLst/>
+            <a:gdLst>
+              <a:gd name="connsiteX0" fmla="*/ 412750 w 1454150"/>
+              <a:gd name="connsiteY0" fmla="*/ 19050 h 3956050"/>
+              <a:gd name="connsiteX1" fmla="*/ 0 w 1454150"/>
+              <a:gd name="connsiteY1" fmla="*/ 3956050 h 3956050"/>
+              <a:gd name="connsiteX2" fmla="*/ 1276350 w 1454150"/>
+              <a:gd name="connsiteY2" fmla="*/ 3924300 h 3956050"/>
+              <a:gd name="connsiteX3" fmla="*/ 1454150 w 1454150"/>
+              <a:gd name="connsiteY3" fmla="*/ 0 h 3956050"/>
+              <a:gd name="connsiteX4" fmla="*/ 412750 w 1454150"/>
+              <a:gd name="connsiteY4" fmla="*/ 19050 h 3956050"/>
+              <a:gd name="connsiteX0" fmla="*/ 430212 w 1471612"/>
+              <a:gd name="connsiteY0" fmla="*/ 19050 h 3956050"/>
+              <a:gd name="connsiteX1" fmla="*/ 0 w 1471612"/>
+              <a:gd name="connsiteY1" fmla="*/ 3956050 h 3956050"/>
+              <a:gd name="connsiteX2" fmla="*/ 1293812 w 1471612"/>
+              <a:gd name="connsiteY2" fmla="*/ 3924300 h 3956050"/>
+              <a:gd name="connsiteX3" fmla="*/ 1471612 w 1471612"/>
+              <a:gd name="connsiteY3" fmla="*/ 0 h 3956050"/>
+              <a:gd name="connsiteX4" fmla="*/ 430212 w 1471612"/>
+              <a:gd name="connsiteY4" fmla="*/ 19050 h 3956050"/>
+            </a:gdLst>
+            <a:ahLst/>
+            <a:cxnLst>
+              <a:cxn ang="0">
+                <a:pos x="connsiteX0" y="connsiteY0"/>
+              </a:cxn>
+              <a:cxn ang="0">
+                <a:pos x="connsiteX1" y="connsiteY1"/>
+              </a:cxn>
+              <a:cxn ang="0">
+                <a:pos x="connsiteX2" y="connsiteY2"/>
+              </a:cxn>
+              <a:cxn ang="0">
+                <a:pos x="connsiteX3" y="connsiteY3"/>
+              </a:cxn>
+              <a:cxn ang="0">
+                <a:pos x="connsiteX4" y="connsiteY4"/>
+              </a:cxn>
+            </a:cxnLst>
+            <a:rect l="l" t="t" r="r" b="b"/>
+            <a:pathLst>
+              <a:path w="1471612" h="3956050">
+                <a:moveTo>
+                  <a:pt x="430212" y="19050"/>
+                </a:moveTo>
+                <a:lnTo>
+                  <a:pt x="0" y="3956050"/>
+                </a:lnTo>
+                <a:lnTo>
+                  <a:pt x="1293812" y="3924300"/>
+                </a:lnTo>
+                <a:lnTo>
+                  <a:pt x="1471612" y="0"/>
+                </a:lnTo>
+                <a:lnTo>
+                  <a:pt x="430212" y="19050"/>
+                </a:lnTo>
+                <a:close/>
+              </a:path>
+            </a:pathLst>
+          </a:custGeom>
+          <a:solidFill>
+            <a:schemeClr val="bg1"/>
+          </a:solidFill>
+          <a:ln>
             <a:solidFill>
               <a:schemeClr val="bg1"/>
             </a:solidFill>
-            <a:ln>
-              <a:solidFill>
-                <a:schemeClr val="bg1"/>
-              </a:solidFill>
-            </a:ln>
-          </p:spPr>
-          <p:style>
-            <a:lnRef idx="2">
-              <a:schemeClr val="accent1">
-                <a:shade val="50000"/>
-              </a:schemeClr>
-            </a:lnRef>
-            <a:fillRef idx="1">
-              <a:schemeClr val="accent1"/>
-            </a:fillRef>
-            <a:effectRef idx="0">
-              <a:schemeClr val="accent1"/>
-            </a:effectRef>
-            <a:fontRef idx="minor">
-              <a:schemeClr val="lt1"/>
-            </a:fontRef>
-          </p:style>
-          <p:txBody>
-            <a:bodyPr rtlCol="0" anchor="ctr"/>
-            <a:lstStyle/>
-            <a:p>
-              <a:pPr algn="ctr"/>
-              <a:endParaRPr lang="en-US" sz="1801"/>
-            </a:p>
-          </p:txBody>
-        </p:sp>
-        <p:cxnSp>
-          <p:nvCxnSpPr>
-            <p:cNvPr id="14" name="Straight Connector 13">
-              <a:extLst>
-                <a:ext uri="{FF2B5EF4-FFF2-40B4-BE49-F238E27FC236}">
-                  <a16:creationId xmlns:a16="http://schemas.microsoft.com/office/drawing/2014/main" id="{FBB6B7D9-B7DD-447F-A8F3-0C84DD343A69}"/>
-                </a:ext>
-              </a:extLst>
-            </p:cNvPr>
-            <p:cNvCxnSpPr>
-              <a:cxnSpLocks/>
-            </p:cNvCxnSpPr>
-            <p:nvPr/>
-          </p:nvCxnSpPr>
-          <p:spPr>
-            <a:xfrm>
-              <a:off x="2448984" y="2246573"/>
-              <a:ext cx="2501900" cy="16933"/>
-            </a:xfrm>
-            <a:prstGeom prst="line">
-              <a:avLst/>
-            </a:prstGeom>
-            <a:ln w="76200" cap="rnd">
-              <a:solidFill>
-                <a:srgbClr val="D0DBF0"/>
-              </a:solidFill>
-            </a:ln>
-          </p:spPr>
-          <p:style>
-            <a:lnRef idx="1">
-              <a:schemeClr val="accent1"/>
-            </a:lnRef>
-            <a:fillRef idx="0">
-              <a:schemeClr val="accent1"/>
-            </a:fillRef>
-            <a:effectRef idx="0">
-              <a:schemeClr val="accent1"/>
-            </a:effectRef>
-            <a:fontRef idx="minor">
-              <a:schemeClr val="tx1"/>
-            </a:fontRef>
-          </p:style>
-        </p:cxnSp>
-        <p:cxnSp>
-          <p:nvCxnSpPr>
-            <p:cNvPr id="73" name="Straight Connector 72">
-              <a:extLst>
-                <a:ext uri="{FF2B5EF4-FFF2-40B4-BE49-F238E27FC236}">
-                  <a16:creationId xmlns:a16="http://schemas.microsoft.com/office/drawing/2014/main" id="{34309AF7-2380-4C56-A096-BB66DAD3CD51}"/>
-                </a:ext>
-              </a:extLst>
-            </p:cNvPr>
-            <p:cNvCxnSpPr>
-              <a:cxnSpLocks/>
-            </p:cNvCxnSpPr>
-            <p:nvPr/>
-          </p:nvCxnSpPr>
-          <p:spPr>
-            <a:xfrm>
-              <a:off x="3233208" y="2680490"/>
-              <a:ext cx="2338679" cy="0"/>
-            </a:xfrm>
-            <a:prstGeom prst="line">
-              <a:avLst/>
-            </a:prstGeom>
-            <a:ln w="19050">
-              <a:solidFill>
-                <a:srgbClr val="000000">
-                  <a:alpha val="50196"/>
-                </a:srgbClr>
-              </a:solidFill>
-              <a:prstDash val="sysDot"/>
-            </a:ln>
-          </p:spPr>
-          <p:style>
-            <a:lnRef idx="1">
-              <a:schemeClr val="accent1"/>
-            </a:lnRef>
-            <a:fillRef idx="0">
-              <a:schemeClr val="accent1"/>
-            </a:fillRef>
-            <a:effectRef idx="0">
-              <a:schemeClr val="accent1"/>
-            </a:effectRef>
-            <a:fontRef idx="minor">
-              <a:schemeClr val="tx1"/>
-            </a:fontRef>
-          </p:style>
-        </p:cxnSp>
-        <p:cxnSp>
-          <p:nvCxnSpPr>
-            <p:cNvPr id="74" name="Straight Connector 73">
-              <a:extLst>
-                <a:ext uri="{FF2B5EF4-FFF2-40B4-BE49-F238E27FC236}">
-                  <a16:creationId xmlns:a16="http://schemas.microsoft.com/office/drawing/2014/main" id="{2D9576B4-8214-49E2-A77E-8BF0649DFE95}"/>
-                </a:ext>
-              </a:extLst>
-            </p:cNvPr>
-            <p:cNvCxnSpPr>
-              <a:cxnSpLocks/>
-              <a:stCxn id="134" idx="6"/>
-            </p:cNvCxnSpPr>
-            <p:nvPr/>
-          </p:nvCxnSpPr>
-          <p:spPr>
-            <a:xfrm>
-              <a:off x="3429972" y="3339178"/>
-              <a:ext cx="2133978" cy="0"/>
-            </a:xfrm>
-            <a:prstGeom prst="line">
-              <a:avLst/>
-            </a:prstGeom>
-            <a:ln w="19050">
-              <a:solidFill>
-                <a:srgbClr val="000000">
-                  <a:alpha val="50196"/>
-                </a:srgbClr>
-              </a:solidFill>
-              <a:prstDash val="sysDot"/>
-            </a:ln>
-          </p:spPr>
-          <p:style>
-            <a:lnRef idx="1">
-              <a:schemeClr val="accent1"/>
-            </a:lnRef>
-            <a:fillRef idx="0">
-              <a:schemeClr val="accent1"/>
-            </a:fillRef>
-            <a:effectRef idx="0">
-              <a:schemeClr val="accent1"/>
-            </a:effectRef>
-            <a:fontRef idx="minor">
-              <a:schemeClr val="tx1"/>
-            </a:fontRef>
-          </p:style>
-        </p:cxnSp>
-      </p:grpSp>
+          </a:ln>
+        </p:spPr>
+        <p:style>
+          <a:lnRef idx="2">
+            <a:schemeClr val="accent1">
+              <a:shade val="50000"/>
+            </a:schemeClr>
+          </a:lnRef>
+          <a:fillRef idx="1">
+            <a:schemeClr val="accent1"/>
+          </a:fillRef>
+          <a:effectRef idx="0">
+            <a:schemeClr val="accent1"/>
+          </a:effectRef>
+          <a:fontRef idx="minor">
+            <a:schemeClr val="lt1"/>
+          </a:fontRef>
+        </p:style>
+        <p:txBody>
+          <a:bodyPr rtlCol="0" anchor="ctr"/>
+          <a:lstStyle/>
+          <a:p>
+            <a:pPr algn="ctr"/>
+            <a:endParaRPr lang="en-US" sz="1801"/>
+          </a:p>
+        </p:txBody>
+      </p:sp>
+      <p:cxnSp>
+        <p:nvCxnSpPr>
+          <p:cNvPr id="14" name="Straight Connector 13">
+            <a:extLst>
+              <a:ext uri="{FF2B5EF4-FFF2-40B4-BE49-F238E27FC236}">
+                <a16:creationId xmlns:a16="http://schemas.microsoft.com/office/drawing/2014/main" id="{FBB6B7D9-B7DD-447F-A8F3-0C84DD343A69}"/>
+              </a:ext>
+            </a:extLst>
+          </p:cNvPr>
+          <p:cNvCxnSpPr>
+            <a:cxnSpLocks/>
+          </p:cNvCxnSpPr>
+          <p:nvPr/>
+        </p:nvCxnSpPr>
+        <p:spPr>
+          <a:xfrm>
+            <a:off x="1370955" y="2344841"/>
+            <a:ext cx="2501899" cy="16933"/>
+          </a:xfrm>
+          <a:prstGeom prst="line">
+            <a:avLst/>
+          </a:prstGeom>
+          <a:ln w="76200" cap="rnd">
+            <a:solidFill>
+              <a:srgbClr val="D0DBF0"/>
+            </a:solidFill>
+          </a:ln>
+        </p:spPr>
+        <p:style>
+          <a:lnRef idx="1">
+            <a:schemeClr val="accent1"/>
+          </a:lnRef>
+          <a:fillRef idx="0">
+            <a:schemeClr val="accent1"/>
+          </a:fillRef>
+          <a:effectRef idx="0">
+            <a:schemeClr val="accent1"/>
+          </a:effectRef>
+          <a:fontRef idx="minor">
+            <a:schemeClr val="tx1"/>
+          </a:fontRef>
+        </p:style>
+      </p:cxnSp>
+      <p:cxnSp>
+        <p:nvCxnSpPr>
+          <p:cNvPr id="73" name="Straight Connector 72">
+            <a:extLst>
+              <a:ext uri="{FF2B5EF4-FFF2-40B4-BE49-F238E27FC236}">
+                <a16:creationId xmlns:a16="http://schemas.microsoft.com/office/drawing/2014/main" id="{34309AF7-2380-4C56-A096-BB66DAD3CD51}"/>
+              </a:ext>
+            </a:extLst>
+          </p:cNvPr>
+          <p:cNvCxnSpPr>
+            <a:cxnSpLocks/>
+          </p:cNvCxnSpPr>
+          <p:nvPr/>
+        </p:nvCxnSpPr>
+        <p:spPr>
+          <a:xfrm>
+            <a:off x="2155179" y="2778758"/>
+            <a:ext cx="2338678" cy="0"/>
+          </a:xfrm>
+          <a:prstGeom prst="line">
+            <a:avLst/>
+          </a:prstGeom>
+          <a:ln w="19050">
+            <a:solidFill>
+              <a:srgbClr val="000000">
+                <a:alpha val="50196"/>
+              </a:srgbClr>
+            </a:solidFill>
+            <a:prstDash val="sysDot"/>
+          </a:ln>
+        </p:spPr>
+        <p:style>
+          <a:lnRef idx="1">
+            <a:schemeClr val="accent1"/>
+          </a:lnRef>
+          <a:fillRef idx="0">
+            <a:schemeClr val="accent1"/>
+          </a:fillRef>
+          <a:effectRef idx="0">
+            <a:schemeClr val="accent1"/>
+          </a:effectRef>
+          <a:fontRef idx="minor">
+            <a:schemeClr val="tx1"/>
+          </a:fontRef>
+        </p:style>
+      </p:cxnSp>
+      <p:cxnSp>
+        <p:nvCxnSpPr>
+          <p:cNvPr id="74" name="Straight Connector 73">
+            <a:extLst>
+              <a:ext uri="{FF2B5EF4-FFF2-40B4-BE49-F238E27FC236}">
+                <a16:creationId xmlns:a16="http://schemas.microsoft.com/office/drawing/2014/main" id="{2D9576B4-8214-49E2-A77E-8BF0649DFE95}"/>
+              </a:ext>
+            </a:extLst>
+          </p:cNvPr>
+          <p:cNvCxnSpPr>
+            <a:cxnSpLocks/>
+            <a:stCxn id="134" idx="6"/>
+          </p:cNvCxnSpPr>
+          <p:nvPr/>
+        </p:nvCxnSpPr>
+        <p:spPr>
+          <a:xfrm>
+            <a:off x="2351943" y="3437446"/>
+            <a:ext cx="2133978" cy="0"/>
+          </a:xfrm>
+          <a:prstGeom prst="line">
+            <a:avLst/>
+          </a:prstGeom>
+          <a:ln w="19050">
+            <a:solidFill>
+              <a:srgbClr val="000000">
+                <a:alpha val="50196"/>
+              </a:srgbClr>
+            </a:solidFill>
+            <a:prstDash val="sysDot"/>
+          </a:ln>
+        </p:spPr>
+        <p:style>
+          <a:lnRef idx="1">
+            <a:schemeClr val="accent1"/>
+          </a:lnRef>
+          <a:fillRef idx="0">
+            <a:schemeClr val="accent1"/>
+          </a:fillRef>
+          <a:effectRef idx="0">
+            <a:schemeClr val="accent1"/>
+          </a:effectRef>
+          <a:fontRef idx="minor">
+            <a:schemeClr val="tx1"/>
+          </a:fontRef>
+        </p:style>
+      </p:cxnSp>
       <p:sp>
         <p:nvSpPr>
           <p:cNvPr id="76" name="TextBox 75">
